--- a/Wi21_content/SEDS/L3.Version_Control.pptx
+++ b/Wi21_content/SEDS/L3.Version_Control.pptx
@@ -5,37 +5,39 @@
     <p:sldMasterId id="2147483648" r:id="rId1"/>
   </p:sldMasterIdLst>
   <p:notesMasterIdLst>
-    <p:notesMasterId r:id="rId30"/>
+    <p:notesMasterId r:id="rId32"/>
   </p:notesMasterIdLst>
   <p:sldIdLst>
     <p:sldId id="256" r:id="rId2"/>
-    <p:sldId id="295" r:id="rId3"/>
-    <p:sldId id="296" r:id="rId4"/>
-    <p:sldId id="282" r:id="rId5"/>
-    <p:sldId id="285" r:id="rId6"/>
-    <p:sldId id="283" r:id="rId7"/>
-    <p:sldId id="284" r:id="rId8"/>
-    <p:sldId id="287" r:id="rId9"/>
-    <p:sldId id="288" r:id="rId10"/>
-    <p:sldId id="289" r:id="rId11"/>
-    <p:sldId id="290" r:id="rId12"/>
-    <p:sldId id="291" r:id="rId13"/>
-    <p:sldId id="292" r:id="rId14"/>
-    <p:sldId id="293" r:id="rId15"/>
-    <p:sldId id="297" r:id="rId16"/>
-    <p:sldId id="269" r:id="rId17"/>
-    <p:sldId id="270" r:id="rId18"/>
-    <p:sldId id="271" r:id="rId19"/>
-    <p:sldId id="272" r:id="rId20"/>
-    <p:sldId id="273" r:id="rId21"/>
-    <p:sldId id="274" r:id="rId22"/>
-    <p:sldId id="275" r:id="rId23"/>
-    <p:sldId id="276" r:id="rId24"/>
-    <p:sldId id="277" r:id="rId25"/>
-    <p:sldId id="278" r:id="rId26"/>
-    <p:sldId id="279" r:id="rId27"/>
-    <p:sldId id="280" r:id="rId28"/>
-    <p:sldId id="294" r:id="rId29"/>
+    <p:sldId id="296" r:id="rId3"/>
+    <p:sldId id="299" r:id="rId4"/>
+    <p:sldId id="298" r:id="rId5"/>
+    <p:sldId id="300" r:id="rId6"/>
+    <p:sldId id="282" r:id="rId7"/>
+    <p:sldId id="285" r:id="rId8"/>
+    <p:sldId id="283" r:id="rId9"/>
+    <p:sldId id="284" r:id="rId10"/>
+    <p:sldId id="287" r:id="rId11"/>
+    <p:sldId id="288" r:id="rId12"/>
+    <p:sldId id="289" r:id="rId13"/>
+    <p:sldId id="290" r:id="rId14"/>
+    <p:sldId id="291" r:id="rId15"/>
+    <p:sldId id="292" r:id="rId16"/>
+    <p:sldId id="293" r:id="rId17"/>
+    <p:sldId id="297" r:id="rId18"/>
+    <p:sldId id="269" r:id="rId19"/>
+    <p:sldId id="270" r:id="rId20"/>
+    <p:sldId id="271" r:id="rId21"/>
+    <p:sldId id="272" r:id="rId22"/>
+    <p:sldId id="273" r:id="rId23"/>
+    <p:sldId id="274" r:id="rId24"/>
+    <p:sldId id="275" r:id="rId25"/>
+    <p:sldId id="276" r:id="rId26"/>
+    <p:sldId id="277" r:id="rId27"/>
+    <p:sldId id="278" r:id="rId28"/>
+    <p:sldId id="279" r:id="rId29"/>
+    <p:sldId id="280" r:id="rId30"/>
+    <p:sldId id="294" r:id="rId31"/>
   </p:sldIdLst>
   <p:sldSz cx="9144000" cy="6858000" type="screen4x3"/>
   <p:notesSz cx="6858000" cy="9144000"/>
@@ -252,7 +254,7 @@
           <a:p>
             <a:fld id="{08F62E20-B1AA-3442-B8F1-F4A56998389D}" type="datetimeFigureOut">
               <a:rPr lang="en-US" smtClean="0"/>
-              <a:t>1/13/20</a:t>
+              <a:t>1/12/21</a:t>
             </a:fld>
             <a:endParaRPr lang="en-US"/>
           </a:p>
@@ -651,7 +653,7 @@
               <a:pPr>
                 <a:defRPr/>
               </a:pPr>
-              <a:t>24</a:t>
+              <a:t>26</a:t>
             </a:fld>
             <a:endParaRPr lang="en-US"/>
           </a:p>
@@ -678,7 +680,7 @@
           <a:ln/>
           <a:extLst>
             <a:ext uri="{AF507438-7753-43e0-B8FC-AC1667EBCBE1}">
-              <a14:hiddenEffects xmlns:a14="http://schemas.microsoft.com/office/drawing/2010/main" xmlns="">
+              <a14:hiddenEffects xmlns="" xmlns:a14="http://schemas.microsoft.com/office/drawing/2010/main">
                 <a:effectLst>
                   <a:outerShdw blurRad="63500" dist="38099" dir="2700000" algn="ctr" rotWithShape="0">
                     <a:srgbClr val="000000">
@@ -709,7 +711,7 @@
           <a:ln/>
           <a:extLst>
             <a:ext uri="{AF507438-7753-43e0-B8FC-AC1667EBCBE1}">
-              <a14:hiddenEffects xmlns:a14="http://schemas.microsoft.com/office/drawing/2010/main" xmlns="">
+              <a14:hiddenEffects xmlns="" xmlns:a14="http://schemas.microsoft.com/office/drawing/2010/main">
                 <a:effectLst>
                   <a:outerShdw blurRad="63500" dist="38099" dir="2700000" algn="ctr" rotWithShape="0">
                     <a:srgbClr val="000000">
@@ -795,7 +797,7 @@
               <a:pPr>
                 <a:defRPr/>
               </a:pPr>
-              <a:t>25</a:t>
+              <a:t>27</a:t>
             </a:fld>
             <a:endParaRPr lang="en-US"/>
           </a:p>
@@ -822,7 +824,7 @@
           <a:ln/>
           <a:extLst>
             <a:ext uri="{AF507438-7753-43e0-B8FC-AC1667EBCBE1}">
-              <a14:hiddenEffects xmlns:a14="http://schemas.microsoft.com/office/drawing/2010/main" xmlns="">
+              <a14:hiddenEffects xmlns="" xmlns:a14="http://schemas.microsoft.com/office/drawing/2010/main">
                 <a:effectLst>
                   <a:outerShdw blurRad="63500" dist="38099" dir="2700000" algn="ctr" rotWithShape="0">
                     <a:srgbClr val="000000">
@@ -853,7 +855,7 @@
           <a:ln/>
           <a:extLst>
             <a:ext uri="{AF507438-7753-43e0-B8FC-AC1667EBCBE1}">
-              <a14:hiddenEffects xmlns:a14="http://schemas.microsoft.com/office/drawing/2010/main" xmlns="">
+              <a14:hiddenEffects xmlns="" xmlns:a14="http://schemas.microsoft.com/office/drawing/2010/main">
                 <a:effectLst>
                   <a:outerShdw blurRad="63500" dist="38099" dir="2700000" algn="ctr" rotWithShape="0">
                     <a:srgbClr val="000000">
@@ -939,7 +941,7 @@
               <a:pPr>
                 <a:defRPr/>
               </a:pPr>
-              <a:t>26</a:t>
+              <a:t>28</a:t>
             </a:fld>
             <a:endParaRPr lang="en-US"/>
           </a:p>
@@ -966,7 +968,7 @@
           <a:ln/>
           <a:extLst>
             <a:ext uri="{AF507438-7753-43e0-B8FC-AC1667EBCBE1}">
-              <a14:hiddenEffects xmlns:a14="http://schemas.microsoft.com/office/drawing/2010/main" xmlns="">
+              <a14:hiddenEffects xmlns="" xmlns:a14="http://schemas.microsoft.com/office/drawing/2010/main">
                 <a:effectLst>
                   <a:outerShdw blurRad="63500" dist="38099" dir="2700000" algn="ctr" rotWithShape="0">
                     <a:srgbClr val="000000">
@@ -997,7 +999,7 @@
           <a:ln/>
           <a:extLst>
             <a:ext uri="{AF507438-7753-43e0-B8FC-AC1667EBCBE1}">
-              <a14:hiddenEffects xmlns:a14="http://schemas.microsoft.com/office/drawing/2010/main" xmlns="">
+              <a14:hiddenEffects xmlns="" xmlns:a14="http://schemas.microsoft.com/office/drawing/2010/main">
                 <a:effectLst>
                   <a:outerShdw blurRad="63500" dist="38099" dir="2700000" algn="ctr" rotWithShape="0">
                     <a:srgbClr val="000000">
@@ -1083,7 +1085,7 @@
               <a:pPr>
                 <a:defRPr/>
               </a:pPr>
-              <a:t>27</a:t>
+              <a:t>29</a:t>
             </a:fld>
             <a:endParaRPr lang="en-US"/>
           </a:p>
@@ -1110,7 +1112,7 @@
           <a:ln/>
           <a:extLst>
             <a:ext uri="{AF507438-7753-43e0-B8FC-AC1667EBCBE1}">
-              <a14:hiddenEffects xmlns:a14="http://schemas.microsoft.com/office/drawing/2010/main" xmlns="">
+              <a14:hiddenEffects xmlns="" xmlns:a14="http://schemas.microsoft.com/office/drawing/2010/main">
                 <a:effectLst>
                   <a:outerShdw blurRad="63500" dist="38099" dir="2700000" algn="ctr" rotWithShape="0">
                     <a:srgbClr val="000000">
@@ -1141,7 +1143,7 @@
           <a:ln/>
           <a:extLst>
             <a:ext uri="{AF507438-7753-43e0-B8FC-AC1667EBCBE1}">
-              <a14:hiddenEffects xmlns:a14="http://schemas.microsoft.com/office/drawing/2010/main" xmlns="">
+              <a14:hiddenEffects xmlns="" xmlns:a14="http://schemas.microsoft.com/office/drawing/2010/main">
                 <a:effectLst>
                   <a:outerShdw blurRad="63500" dist="38099" dir="2700000" algn="ctr" rotWithShape="0">
                     <a:srgbClr val="000000">
@@ -1227,7 +1229,7 @@
               <a:pPr>
                 <a:defRPr/>
               </a:pPr>
-              <a:t>16</a:t>
+              <a:t>18</a:t>
             </a:fld>
             <a:endParaRPr lang="en-US"/>
           </a:p>
@@ -1254,7 +1256,7 @@
           <a:ln/>
           <a:extLst>
             <a:ext uri="{AF507438-7753-43e0-B8FC-AC1667EBCBE1}">
-              <a14:hiddenEffects xmlns:a14="http://schemas.microsoft.com/office/drawing/2010/main" xmlns="">
+              <a14:hiddenEffects xmlns="" xmlns:a14="http://schemas.microsoft.com/office/drawing/2010/main">
                 <a:effectLst>
                   <a:outerShdw blurRad="63500" dist="38099" dir="2700000" algn="ctr" rotWithShape="0">
                     <a:srgbClr val="000000">
@@ -1285,7 +1287,7 @@
           <a:ln/>
           <a:extLst>
             <a:ext uri="{AF507438-7753-43e0-B8FC-AC1667EBCBE1}">
-              <a14:hiddenEffects xmlns:a14="http://schemas.microsoft.com/office/drawing/2010/main" xmlns="">
+              <a14:hiddenEffects xmlns="" xmlns:a14="http://schemas.microsoft.com/office/drawing/2010/main">
                 <a:effectLst>
                   <a:outerShdw blurRad="63500" dist="38099" dir="2700000" algn="ctr" rotWithShape="0">
                     <a:srgbClr val="000000">
@@ -1371,7 +1373,7 @@
               <a:pPr>
                 <a:defRPr/>
               </a:pPr>
-              <a:t>17</a:t>
+              <a:t>19</a:t>
             </a:fld>
             <a:endParaRPr lang="en-US"/>
           </a:p>
@@ -1398,7 +1400,7 @@
           <a:ln/>
           <a:extLst>
             <a:ext uri="{AF507438-7753-43e0-B8FC-AC1667EBCBE1}">
-              <a14:hiddenEffects xmlns:a14="http://schemas.microsoft.com/office/drawing/2010/main" xmlns="">
+              <a14:hiddenEffects xmlns="" xmlns:a14="http://schemas.microsoft.com/office/drawing/2010/main">
                 <a:effectLst>
                   <a:outerShdw blurRad="63500" dist="38099" dir="2700000" algn="ctr" rotWithShape="0">
                     <a:srgbClr val="000000">
@@ -1429,7 +1431,7 @@
           <a:ln/>
           <a:extLst>
             <a:ext uri="{AF507438-7753-43e0-B8FC-AC1667EBCBE1}">
-              <a14:hiddenEffects xmlns:a14="http://schemas.microsoft.com/office/drawing/2010/main" xmlns="">
+              <a14:hiddenEffects xmlns="" xmlns:a14="http://schemas.microsoft.com/office/drawing/2010/main">
                 <a:effectLst>
                   <a:outerShdw blurRad="63500" dist="38099" dir="2700000" algn="ctr" rotWithShape="0">
                     <a:srgbClr val="000000">
@@ -1515,7 +1517,7 @@
               <a:pPr>
                 <a:defRPr/>
               </a:pPr>
-              <a:t>18</a:t>
+              <a:t>20</a:t>
             </a:fld>
             <a:endParaRPr lang="en-US"/>
           </a:p>
@@ -1542,7 +1544,7 @@
           <a:ln/>
           <a:extLst>
             <a:ext uri="{AF507438-7753-43e0-B8FC-AC1667EBCBE1}">
-              <a14:hiddenEffects xmlns:a14="http://schemas.microsoft.com/office/drawing/2010/main" xmlns="">
+              <a14:hiddenEffects xmlns="" xmlns:a14="http://schemas.microsoft.com/office/drawing/2010/main">
                 <a:effectLst>
                   <a:outerShdw blurRad="63500" dist="38099" dir="2700000" algn="ctr" rotWithShape="0">
                     <a:srgbClr val="000000">
@@ -1573,7 +1575,7 @@
           <a:ln/>
           <a:extLst>
             <a:ext uri="{AF507438-7753-43e0-B8FC-AC1667EBCBE1}">
-              <a14:hiddenEffects xmlns:a14="http://schemas.microsoft.com/office/drawing/2010/main" xmlns="">
+              <a14:hiddenEffects xmlns="" xmlns:a14="http://schemas.microsoft.com/office/drawing/2010/main">
                 <a:effectLst>
                   <a:outerShdw blurRad="63500" dist="38099" dir="2700000" algn="ctr" rotWithShape="0">
                     <a:srgbClr val="000000">
@@ -1659,7 +1661,7 @@
               <a:pPr>
                 <a:defRPr/>
               </a:pPr>
-              <a:t>19</a:t>
+              <a:t>21</a:t>
             </a:fld>
             <a:endParaRPr lang="en-US"/>
           </a:p>
@@ -1686,7 +1688,7 @@
           <a:ln/>
           <a:extLst>
             <a:ext uri="{AF507438-7753-43e0-B8FC-AC1667EBCBE1}">
-              <a14:hiddenEffects xmlns:a14="http://schemas.microsoft.com/office/drawing/2010/main" xmlns="">
+              <a14:hiddenEffects xmlns="" xmlns:a14="http://schemas.microsoft.com/office/drawing/2010/main">
                 <a:effectLst>
                   <a:outerShdw blurRad="63500" dist="38099" dir="2700000" algn="ctr" rotWithShape="0">
                     <a:srgbClr val="000000">
@@ -1717,7 +1719,7 @@
           <a:ln/>
           <a:extLst>
             <a:ext uri="{AF507438-7753-43e0-B8FC-AC1667EBCBE1}">
-              <a14:hiddenEffects xmlns:a14="http://schemas.microsoft.com/office/drawing/2010/main" xmlns="">
+              <a14:hiddenEffects xmlns="" xmlns:a14="http://schemas.microsoft.com/office/drawing/2010/main">
                 <a:effectLst>
                   <a:outerShdw blurRad="63500" dist="38099" dir="2700000" algn="ctr" rotWithShape="0">
                     <a:srgbClr val="000000">
@@ -1803,7 +1805,7 @@
               <a:pPr>
                 <a:defRPr/>
               </a:pPr>
-              <a:t>20</a:t>
+              <a:t>22</a:t>
             </a:fld>
             <a:endParaRPr lang="en-US"/>
           </a:p>
@@ -1830,7 +1832,7 @@
           <a:ln/>
           <a:extLst>
             <a:ext uri="{AF507438-7753-43e0-B8FC-AC1667EBCBE1}">
-              <a14:hiddenEffects xmlns:a14="http://schemas.microsoft.com/office/drawing/2010/main" xmlns="">
+              <a14:hiddenEffects xmlns="" xmlns:a14="http://schemas.microsoft.com/office/drawing/2010/main">
                 <a:effectLst>
                   <a:outerShdw blurRad="63500" dist="38099" dir="2700000" algn="ctr" rotWithShape="0">
                     <a:srgbClr val="000000">
@@ -1861,7 +1863,7 @@
           <a:ln/>
           <a:extLst>
             <a:ext uri="{AF507438-7753-43e0-B8FC-AC1667EBCBE1}">
-              <a14:hiddenEffects xmlns:a14="http://schemas.microsoft.com/office/drawing/2010/main" xmlns="">
+              <a14:hiddenEffects xmlns="" xmlns:a14="http://schemas.microsoft.com/office/drawing/2010/main">
                 <a:effectLst>
                   <a:outerShdw blurRad="63500" dist="38099" dir="2700000" algn="ctr" rotWithShape="0">
                     <a:srgbClr val="000000">
@@ -1947,7 +1949,7 @@
               <a:pPr>
                 <a:defRPr/>
               </a:pPr>
-              <a:t>21</a:t>
+              <a:t>23</a:t>
             </a:fld>
             <a:endParaRPr lang="en-US"/>
           </a:p>
@@ -1974,7 +1976,7 @@
           <a:ln/>
           <a:extLst>
             <a:ext uri="{AF507438-7753-43e0-B8FC-AC1667EBCBE1}">
-              <a14:hiddenEffects xmlns:a14="http://schemas.microsoft.com/office/drawing/2010/main" xmlns="">
+              <a14:hiddenEffects xmlns="" xmlns:a14="http://schemas.microsoft.com/office/drawing/2010/main">
                 <a:effectLst>
                   <a:outerShdw blurRad="63500" dist="38099" dir="2700000" algn="ctr" rotWithShape="0">
                     <a:srgbClr val="000000">
@@ -2005,7 +2007,7 @@
           <a:ln/>
           <a:extLst>
             <a:ext uri="{AF507438-7753-43e0-B8FC-AC1667EBCBE1}">
-              <a14:hiddenEffects xmlns:a14="http://schemas.microsoft.com/office/drawing/2010/main" xmlns="">
+              <a14:hiddenEffects xmlns="" xmlns:a14="http://schemas.microsoft.com/office/drawing/2010/main">
                 <a:effectLst>
                   <a:outerShdw blurRad="63500" dist="38099" dir="2700000" algn="ctr" rotWithShape="0">
                     <a:srgbClr val="000000">
@@ -2091,7 +2093,7 @@
               <a:pPr>
                 <a:defRPr/>
               </a:pPr>
-              <a:t>22</a:t>
+              <a:t>24</a:t>
             </a:fld>
             <a:endParaRPr lang="en-US"/>
           </a:p>
@@ -2118,7 +2120,7 @@
           <a:ln/>
           <a:extLst>
             <a:ext uri="{AF507438-7753-43e0-B8FC-AC1667EBCBE1}">
-              <a14:hiddenEffects xmlns:a14="http://schemas.microsoft.com/office/drawing/2010/main" xmlns="">
+              <a14:hiddenEffects xmlns="" xmlns:a14="http://schemas.microsoft.com/office/drawing/2010/main">
                 <a:effectLst>
                   <a:outerShdw blurRad="63500" dist="38099" dir="2700000" algn="ctr" rotWithShape="0">
                     <a:srgbClr val="000000">
@@ -2149,7 +2151,7 @@
           <a:ln/>
           <a:extLst>
             <a:ext uri="{AF507438-7753-43e0-B8FC-AC1667EBCBE1}">
-              <a14:hiddenEffects xmlns:a14="http://schemas.microsoft.com/office/drawing/2010/main" xmlns="">
+              <a14:hiddenEffects xmlns="" xmlns:a14="http://schemas.microsoft.com/office/drawing/2010/main">
                 <a:effectLst>
                   <a:outerShdw blurRad="63500" dist="38099" dir="2700000" algn="ctr" rotWithShape="0">
                     <a:srgbClr val="000000">
@@ -2235,7 +2237,7 @@
               <a:pPr>
                 <a:defRPr/>
               </a:pPr>
-              <a:t>23</a:t>
+              <a:t>25</a:t>
             </a:fld>
             <a:endParaRPr lang="en-US"/>
           </a:p>
@@ -2262,7 +2264,7 @@
           <a:ln/>
           <a:extLst>
             <a:ext uri="{AF507438-7753-43e0-B8FC-AC1667EBCBE1}">
-              <a14:hiddenEffects xmlns:a14="http://schemas.microsoft.com/office/drawing/2010/main" xmlns="">
+              <a14:hiddenEffects xmlns="" xmlns:a14="http://schemas.microsoft.com/office/drawing/2010/main">
                 <a:effectLst>
                   <a:outerShdw blurRad="63500" dist="38099" dir="2700000" algn="ctr" rotWithShape="0">
                     <a:srgbClr val="000000">
@@ -2293,7 +2295,7 @@
           <a:ln/>
           <a:extLst>
             <a:ext uri="{AF507438-7753-43e0-B8FC-AC1667EBCBE1}">
-              <a14:hiddenEffects xmlns:a14="http://schemas.microsoft.com/office/drawing/2010/main" xmlns="">
+              <a14:hiddenEffects xmlns="" xmlns:a14="http://schemas.microsoft.com/office/drawing/2010/main">
                 <a:effectLst>
                   <a:outerShdw blurRad="63500" dist="38099" dir="2700000" algn="ctr" rotWithShape="0">
                     <a:srgbClr val="000000">
@@ -2518,7 +2520,7 @@
           <a:p>
             <a:fld id="{2691D6E4-0F7A-0249-86EF-226720E50E4C}" type="datetimeFigureOut">
               <a:rPr lang="en-US" smtClean="0"/>
-              <a:t>1/13/20</a:t>
+              <a:t>1/12/21</a:t>
             </a:fld>
             <a:endParaRPr lang="en-US"/>
           </a:p>
@@ -2710,7 +2712,7 @@
           <a:p>
             <a:fld id="{2691D6E4-0F7A-0249-86EF-226720E50E4C}" type="datetimeFigureOut">
               <a:rPr lang="en-US" smtClean="0"/>
-              <a:t>1/13/20</a:t>
+              <a:t>1/12/21</a:t>
             </a:fld>
             <a:endParaRPr lang="en-US"/>
           </a:p>
@@ -2912,7 +2914,7 @@
           <a:p>
             <a:fld id="{2691D6E4-0F7A-0249-86EF-226720E50E4C}" type="datetimeFigureOut">
               <a:rPr lang="en-US" smtClean="0"/>
-              <a:t>1/13/20</a:t>
+              <a:t>1/12/21</a:t>
             </a:fld>
             <a:endParaRPr lang="en-US"/>
           </a:p>
@@ -3104,7 +3106,7 @@
           <a:p>
             <a:fld id="{2691D6E4-0F7A-0249-86EF-226720E50E4C}" type="datetimeFigureOut">
               <a:rPr lang="en-US" smtClean="0"/>
-              <a:t>1/13/20</a:t>
+              <a:t>1/12/21</a:t>
             </a:fld>
             <a:endParaRPr lang="en-US"/>
           </a:p>
@@ -3373,7 +3375,7 @@
           <a:p>
             <a:fld id="{2691D6E4-0F7A-0249-86EF-226720E50E4C}" type="datetimeFigureOut">
               <a:rPr lang="en-US" smtClean="0"/>
-              <a:t>1/13/20</a:t>
+              <a:t>1/12/21</a:t>
             </a:fld>
             <a:endParaRPr lang="en-US"/>
           </a:p>
@@ -3682,7 +3684,7 @@
           <a:p>
             <a:fld id="{2691D6E4-0F7A-0249-86EF-226720E50E4C}" type="datetimeFigureOut">
               <a:rPr lang="en-US" smtClean="0"/>
-              <a:t>1/13/20</a:t>
+              <a:t>1/12/21</a:t>
             </a:fld>
             <a:endParaRPr lang="en-US"/>
           </a:p>
@@ -4125,7 +4127,7 @@
           <a:p>
             <a:fld id="{2691D6E4-0F7A-0249-86EF-226720E50E4C}" type="datetimeFigureOut">
               <a:rPr lang="en-US" smtClean="0"/>
-              <a:t>1/13/20</a:t>
+              <a:t>1/12/21</a:t>
             </a:fld>
             <a:endParaRPr lang="en-US"/>
           </a:p>
@@ -4266,7 +4268,7 @@
           <a:p>
             <a:fld id="{2691D6E4-0F7A-0249-86EF-226720E50E4C}" type="datetimeFigureOut">
               <a:rPr lang="en-US" smtClean="0"/>
-              <a:t>1/13/20</a:t>
+              <a:t>1/12/21</a:t>
             </a:fld>
             <a:endParaRPr lang="en-US"/>
           </a:p>
@@ -4385,7 +4387,7 @@
           <a:p>
             <a:fld id="{2691D6E4-0F7A-0249-86EF-226720E50E4C}" type="datetimeFigureOut">
               <a:rPr lang="en-US" smtClean="0"/>
-              <a:t>1/13/20</a:t>
+              <a:t>1/12/21</a:t>
             </a:fld>
             <a:endParaRPr lang="en-US"/>
           </a:p>
@@ -4684,7 +4686,7 @@
           <a:p>
             <a:fld id="{2691D6E4-0F7A-0249-86EF-226720E50E4C}" type="datetimeFigureOut">
               <a:rPr lang="en-US" smtClean="0"/>
-              <a:t>1/13/20</a:t>
+              <a:t>1/12/21</a:t>
             </a:fld>
             <a:endParaRPr lang="en-US"/>
           </a:p>
@@ -4960,7 +4962,7 @@
           <a:p>
             <a:fld id="{2691D6E4-0F7A-0249-86EF-226720E50E4C}" type="datetimeFigureOut">
               <a:rPr lang="en-US" smtClean="0"/>
-              <a:t>1/13/20</a:t>
+              <a:t>1/12/21</a:t>
             </a:fld>
             <a:endParaRPr lang="en-US"/>
           </a:p>
@@ -6080,2617 +6082,6 @@
           <a:bodyPr/>
           <a:lstStyle/>
           <a:p>
-            <a:endParaRPr lang="en-US"/>
-          </a:p>
-        </p:txBody>
-      </p:sp>
-      <p:pic>
-        <p:nvPicPr>
-          <p:cNvPr id="4" name="Picture 3"/>
-          <p:cNvPicPr>
-            <a:picLocks noChangeAspect="1"/>
-          </p:cNvPicPr>
-          <p:nvPr/>
-        </p:nvPicPr>
-        <p:blipFill>
-          <a:blip r:embed="rId2"/>
-          <a:stretch>
-            <a:fillRect/>
-          </a:stretch>
-        </p:blipFill>
-        <p:spPr>
-          <a:xfrm>
-            <a:off x="2254250" y="1747536"/>
-            <a:ext cx="4635500" cy="4762500"/>
-          </a:xfrm>
-          <a:prstGeom prst="rect">
-            <a:avLst/>
-          </a:prstGeom>
-        </p:spPr>
-      </p:pic>
-    </p:spTree>
-    <p:extLst>
-      <p:ext uri="{BB962C8B-B14F-4D97-AF65-F5344CB8AC3E}">
-        <p14:creationId xmlns:p14="http://schemas.microsoft.com/office/powerpoint/2010/main" val="261644260"/>
-      </p:ext>
-    </p:extLst>
-  </p:cSld>
-  <p:clrMapOvr>
-    <a:masterClrMapping/>
-  </p:clrMapOvr>
-</p:sld>
-</file>
-
-<file path=ppt/slides/slide11.xml><?xml version="1.0" encoding="utf-8"?>
-<p:sld xmlns:a="http://schemas.openxmlformats.org/drawingml/2006/main" xmlns:r="http://schemas.openxmlformats.org/officeDocument/2006/relationships" xmlns:p="http://schemas.openxmlformats.org/presentationml/2006/main">
-  <p:cSld>
-    <p:spTree>
-      <p:nvGrpSpPr>
-        <p:cNvPr id="1" name=""/>
-        <p:cNvGrpSpPr/>
-        <p:nvPr/>
-      </p:nvGrpSpPr>
-      <p:grpSpPr>
-        <a:xfrm>
-          <a:off x="0" y="0"/>
-          <a:ext cx="0" cy="0"/>
-          <a:chOff x="0" y="0"/>
-          <a:chExt cx="0" cy="0"/>
-        </a:xfrm>
-      </p:grpSpPr>
-      <p:sp>
-        <p:nvSpPr>
-          <p:cNvPr id="2" name="Title 1"/>
-          <p:cNvSpPr>
-            <a:spLocks noGrp="1"/>
-          </p:cNvSpPr>
-          <p:nvPr>
-            <p:ph type="title"/>
-          </p:nvPr>
-        </p:nvSpPr>
-        <p:spPr/>
-        <p:txBody>
-          <a:bodyPr/>
-          <a:lstStyle/>
-          <a:p>
-            <a:r>
-              <a:rPr lang="en-US" dirty="0"/>
-              <a:t>Why do I need version control?</a:t>
-            </a:r>
-          </a:p>
-        </p:txBody>
-      </p:sp>
-      <p:sp>
-        <p:nvSpPr>
-          <p:cNvPr id="3" name="Content Placeholder 2"/>
-          <p:cNvSpPr>
-            <a:spLocks noGrp="1"/>
-          </p:cNvSpPr>
-          <p:nvPr>
-            <p:ph idx="1"/>
-          </p:nvPr>
-        </p:nvSpPr>
-        <p:spPr/>
-        <p:txBody>
-          <a:bodyPr/>
-          <a:lstStyle/>
-          <a:p>
-            <a:endParaRPr lang="en-US"/>
-          </a:p>
-        </p:txBody>
-      </p:sp>
-      <p:pic>
-        <p:nvPicPr>
-          <p:cNvPr id="4" name="Picture 3"/>
-          <p:cNvPicPr>
-            <a:picLocks noChangeAspect="1"/>
-          </p:cNvPicPr>
-          <p:nvPr/>
-        </p:nvPicPr>
-        <p:blipFill>
-          <a:blip r:embed="rId2"/>
-          <a:stretch>
-            <a:fillRect/>
-          </a:stretch>
-        </p:blipFill>
-        <p:spPr>
-          <a:xfrm>
-            <a:off x="2133600" y="1717072"/>
-            <a:ext cx="4876800" cy="4940300"/>
-          </a:xfrm>
-          <a:prstGeom prst="rect">
-            <a:avLst/>
-          </a:prstGeom>
-        </p:spPr>
-      </p:pic>
-      <p:sp>
-        <p:nvSpPr>
-          <p:cNvPr id="5" name="TextBox 4"/>
-          <p:cNvSpPr txBox="1"/>
-          <p:nvPr/>
-        </p:nvSpPr>
-        <p:spPr>
-          <a:xfrm>
-            <a:off x="1219200" y="2364772"/>
-            <a:ext cx="868597" cy="461665"/>
-          </a:xfrm>
-          <a:prstGeom prst="rect">
-            <a:avLst/>
-          </a:prstGeom>
-          <a:noFill/>
-        </p:spPr>
-        <p:txBody>
-          <a:bodyPr wrap="none" rtlCol="0">
-            <a:spAutoFit/>
-          </a:bodyPr>
-          <a:lstStyle/>
-          <a:p>
-            <a:r>
-              <a:rPr lang="en-US" dirty="0">
-                <a:solidFill>
-                  <a:schemeClr val="tx1"/>
-                </a:solidFill>
-              </a:rPr>
-              <a:t>Mary</a:t>
-            </a:r>
-          </a:p>
-        </p:txBody>
-      </p:sp>
-      <p:sp>
-        <p:nvSpPr>
-          <p:cNvPr id="6" name="TextBox 5"/>
-          <p:cNvSpPr txBox="1"/>
-          <p:nvPr/>
-        </p:nvSpPr>
-        <p:spPr>
-          <a:xfrm>
-            <a:off x="1219200" y="4650772"/>
-            <a:ext cx="864590" cy="461665"/>
-          </a:xfrm>
-          <a:prstGeom prst="rect">
-            <a:avLst/>
-          </a:prstGeom>
-          <a:noFill/>
-        </p:spPr>
-        <p:txBody>
-          <a:bodyPr wrap="none" rtlCol="0">
-            <a:spAutoFit/>
-          </a:bodyPr>
-          <a:lstStyle/>
-          <a:p>
-            <a:r>
-              <a:rPr lang="en-US" dirty="0">
-                <a:solidFill>
-                  <a:schemeClr val="tx1"/>
-                </a:solidFill>
-              </a:rPr>
-              <a:t>Alice</a:t>
-            </a:r>
-          </a:p>
-        </p:txBody>
-      </p:sp>
-    </p:spTree>
-    <p:extLst>
-      <p:ext uri="{BB962C8B-B14F-4D97-AF65-F5344CB8AC3E}">
-        <p14:creationId xmlns:p14="http://schemas.microsoft.com/office/powerpoint/2010/main" val="594885862"/>
-      </p:ext>
-    </p:extLst>
-  </p:cSld>
-  <p:clrMapOvr>
-    <a:masterClrMapping/>
-  </p:clrMapOvr>
-</p:sld>
-</file>
-
-<file path=ppt/slides/slide12.xml><?xml version="1.0" encoding="utf-8"?>
-<p:sld xmlns:a="http://schemas.openxmlformats.org/drawingml/2006/main" xmlns:r="http://schemas.openxmlformats.org/officeDocument/2006/relationships" xmlns:p="http://schemas.openxmlformats.org/presentationml/2006/main">
-  <p:cSld>
-    <p:spTree>
-      <p:nvGrpSpPr>
-        <p:cNvPr id="1" name=""/>
-        <p:cNvGrpSpPr/>
-        <p:nvPr/>
-      </p:nvGrpSpPr>
-      <p:grpSpPr>
-        <a:xfrm>
-          <a:off x="0" y="0"/>
-          <a:ext cx="0" cy="0"/>
-          <a:chOff x="0" y="0"/>
-          <a:chExt cx="0" cy="0"/>
-        </a:xfrm>
-      </p:grpSpPr>
-      <p:sp>
-        <p:nvSpPr>
-          <p:cNvPr id="2" name="Title 1"/>
-          <p:cNvSpPr>
-            <a:spLocks noGrp="1"/>
-          </p:cNvSpPr>
-          <p:nvPr>
-            <p:ph type="title"/>
-          </p:nvPr>
-        </p:nvSpPr>
-        <p:spPr/>
-        <p:txBody>
-          <a:bodyPr/>
-          <a:lstStyle/>
-          <a:p>
-            <a:r>
-              <a:rPr lang="en-US" dirty="0"/>
-              <a:t>Why else?</a:t>
-            </a:r>
-          </a:p>
-        </p:txBody>
-      </p:sp>
-      <p:sp>
-        <p:nvSpPr>
-          <p:cNvPr id="3" name="Content Placeholder 2"/>
-          <p:cNvSpPr>
-            <a:spLocks noGrp="1"/>
-          </p:cNvSpPr>
-          <p:nvPr>
-            <p:ph idx="1"/>
-          </p:nvPr>
-        </p:nvSpPr>
-        <p:spPr/>
-        <p:txBody>
-          <a:bodyPr/>
-          <a:lstStyle/>
-          <a:p>
-            <a:pPr>
-              <a:spcBef>
-                <a:spcPts val="800"/>
-              </a:spcBef>
-              <a:buFont typeface="Arial" charset="0"/>
-              <a:buChar char="•"/>
-              <a:defRPr/>
-            </a:pPr>
-            <a:r>
-              <a:rPr lang="en-US" dirty="0">
-                <a:latin typeface="Calibri" charset="0"/>
-              </a:rPr>
-              <a:t>You want a job</a:t>
-            </a:r>
-          </a:p>
-          <a:p>
-            <a:pPr lvl="1">
-              <a:spcBef>
-                <a:spcPts val="800"/>
-              </a:spcBef>
-              <a:buFont typeface="Arial" charset="0"/>
-              <a:buChar char="•"/>
-              <a:defRPr/>
-            </a:pPr>
-            <a:r>
-              <a:rPr lang="en-US" sz="3200" dirty="0">
-                <a:latin typeface="Calibri" charset="0"/>
-              </a:rPr>
-              <a:t>No one will hire a software developer that doesn’t know how to use version control</a:t>
-            </a:r>
-          </a:p>
-          <a:p>
-            <a:endParaRPr lang="en-US" dirty="0"/>
-          </a:p>
-        </p:txBody>
-      </p:sp>
-    </p:spTree>
-    <p:extLst>
-      <p:ext uri="{BB962C8B-B14F-4D97-AF65-F5344CB8AC3E}">
-        <p14:creationId xmlns:p14="http://schemas.microsoft.com/office/powerpoint/2010/main" val="591837602"/>
-      </p:ext>
-    </p:extLst>
-  </p:cSld>
-  <p:clrMapOvr>
-    <a:masterClrMapping/>
-  </p:clrMapOvr>
-</p:sld>
-</file>
-
-<file path=ppt/slides/slide13.xml><?xml version="1.0" encoding="utf-8"?>
-<p:sld xmlns:a="http://schemas.openxmlformats.org/drawingml/2006/main" xmlns:r="http://schemas.openxmlformats.org/officeDocument/2006/relationships" xmlns:p="http://schemas.openxmlformats.org/presentationml/2006/main">
-  <p:cSld>
-    <p:spTree>
-      <p:nvGrpSpPr>
-        <p:cNvPr id="1" name=""/>
-        <p:cNvGrpSpPr/>
-        <p:nvPr/>
-      </p:nvGrpSpPr>
-      <p:grpSpPr>
-        <a:xfrm>
-          <a:off x="0" y="0"/>
-          <a:ext cx="0" cy="0"/>
-          <a:chOff x="0" y="0"/>
-          <a:chExt cx="0" cy="0"/>
-        </a:xfrm>
-      </p:grpSpPr>
-      <p:sp>
-        <p:nvSpPr>
-          <p:cNvPr id="2" name="Title 1"/>
-          <p:cNvSpPr>
-            <a:spLocks noGrp="1"/>
-          </p:cNvSpPr>
-          <p:nvPr>
-            <p:ph type="title"/>
-          </p:nvPr>
-        </p:nvSpPr>
-        <p:spPr/>
-        <p:txBody>
-          <a:bodyPr/>
-          <a:lstStyle/>
-          <a:p>
-            <a:r>
-              <a:rPr lang="en-US" dirty="0"/>
-              <a:t>What is </a:t>
-            </a:r>
-            <a:r>
-              <a:rPr lang="en-US" dirty="0" err="1"/>
-              <a:t>git</a:t>
-            </a:r>
-            <a:r>
-              <a:rPr lang="en-US" dirty="0"/>
-              <a:t>?</a:t>
-            </a:r>
-          </a:p>
-        </p:txBody>
-      </p:sp>
-      <p:sp>
-        <p:nvSpPr>
-          <p:cNvPr id="3" name="Content Placeholder 2"/>
-          <p:cNvSpPr>
-            <a:spLocks noGrp="1"/>
-          </p:cNvSpPr>
-          <p:nvPr>
-            <p:ph idx="1"/>
-          </p:nvPr>
-        </p:nvSpPr>
-        <p:spPr/>
-        <p:txBody>
-          <a:bodyPr/>
-          <a:lstStyle/>
-          <a:p>
-            <a:pPr>
-              <a:spcBef>
-                <a:spcPts val="800"/>
-              </a:spcBef>
-              <a:buFont typeface="Arial" charset="0"/>
-              <a:buChar char="•"/>
-              <a:defRPr/>
-            </a:pPr>
-            <a:r>
-              <a:rPr lang="en-US" dirty="0" err="1">
-                <a:latin typeface="Calibri" charset="0"/>
-              </a:rPr>
-              <a:t>Git</a:t>
-            </a:r>
-            <a:r>
-              <a:rPr lang="en-US" dirty="0">
-                <a:latin typeface="Calibri" charset="0"/>
-              </a:rPr>
-              <a:t> is the most popular version control software</a:t>
-            </a:r>
-          </a:p>
-          <a:p>
-            <a:pPr>
-              <a:spcBef>
-                <a:spcPts val="800"/>
-              </a:spcBef>
-              <a:buFont typeface="Arial" charset="0"/>
-              <a:buChar char="•"/>
-              <a:defRPr/>
-            </a:pPr>
-            <a:r>
-              <a:rPr lang="en-US" dirty="0" err="1">
-                <a:latin typeface="Calibri" charset="0"/>
-              </a:rPr>
-              <a:t>Git</a:t>
-            </a:r>
-            <a:r>
-              <a:rPr lang="en-US" dirty="0">
-                <a:latin typeface="Calibri" charset="0"/>
-              </a:rPr>
-              <a:t> is open source</a:t>
-            </a:r>
-          </a:p>
-          <a:p>
-            <a:pPr>
-              <a:spcBef>
-                <a:spcPts val="800"/>
-              </a:spcBef>
-              <a:buFont typeface="Arial" charset="0"/>
-              <a:buChar char="•"/>
-              <a:defRPr/>
-            </a:pPr>
-            <a:r>
-              <a:rPr lang="en-US" dirty="0" err="1">
-                <a:latin typeface="Calibri" charset="0"/>
-              </a:rPr>
-              <a:t>Git</a:t>
-            </a:r>
-            <a:r>
-              <a:rPr lang="en-US" dirty="0">
-                <a:latin typeface="Calibri" charset="0"/>
-              </a:rPr>
-              <a:t> runs on every platform</a:t>
-            </a:r>
-          </a:p>
-          <a:p>
-            <a:pPr lvl="1">
-              <a:spcBef>
-                <a:spcPts val="800"/>
-              </a:spcBef>
-              <a:buFont typeface="Arial" charset="0"/>
-              <a:buChar char="•"/>
-              <a:defRPr/>
-            </a:pPr>
-            <a:r>
-              <a:rPr lang="en-US" sz="3200" dirty="0">
-                <a:latin typeface="Calibri" charset="0"/>
-              </a:rPr>
-              <a:t>even Plan 9 From Outer Space</a:t>
-            </a:r>
-          </a:p>
-          <a:p>
-            <a:pPr>
-              <a:spcBef>
-                <a:spcPts val="800"/>
-              </a:spcBef>
-              <a:buFont typeface="Arial" charset="0"/>
-              <a:buChar char="•"/>
-              <a:defRPr/>
-            </a:pPr>
-            <a:r>
-              <a:rPr lang="en-US" dirty="0" err="1">
-                <a:latin typeface="Calibri" charset="0"/>
-              </a:rPr>
-              <a:t>Git</a:t>
-            </a:r>
-            <a:r>
-              <a:rPr lang="en-US" dirty="0">
-                <a:latin typeface="Calibri" charset="0"/>
-              </a:rPr>
-              <a:t> is better than all previous version control tools (in my opinion, and I’ve used quite a few)</a:t>
-            </a:r>
-          </a:p>
-          <a:p>
-            <a:pPr>
-              <a:spcBef>
-                <a:spcPts val="800"/>
-              </a:spcBef>
-              <a:buFont typeface="Arial" charset="0"/>
-              <a:buChar char="•"/>
-              <a:defRPr/>
-            </a:pPr>
-            <a:endParaRPr lang="en-US" dirty="0">
-              <a:latin typeface="Calibri" charset="0"/>
-            </a:endParaRPr>
-          </a:p>
-          <a:p>
-            <a:endParaRPr lang="en-US" dirty="0"/>
-          </a:p>
-        </p:txBody>
-      </p:sp>
-    </p:spTree>
-    <p:extLst>
-      <p:ext uri="{BB962C8B-B14F-4D97-AF65-F5344CB8AC3E}">
-        <p14:creationId xmlns:p14="http://schemas.microsoft.com/office/powerpoint/2010/main" val="503709198"/>
-      </p:ext>
-    </p:extLst>
-  </p:cSld>
-  <p:clrMapOvr>
-    <a:masterClrMapping/>
-  </p:clrMapOvr>
-</p:sld>
-</file>
-
-<file path=ppt/slides/slide14.xml><?xml version="1.0" encoding="utf-8"?>
-<p:sld xmlns:a="http://schemas.openxmlformats.org/drawingml/2006/main" xmlns:r="http://schemas.openxmlformats.org/officeDocument/2006/relationships" xmlns:p="http://schemas.openxmlformats.org/presentationml/2006/main">
-  <p:cSld>
-    <p:spTree>
-      <p:nvGrpSpPr>
-        <p:cNvPr id="1" name=""/>
-        <p:cNvGrpSpPr/>
-        <p:nvPr/>
-      </p:nvGrpSpPr>
-      <p:grpSpPr>
-        <a:xfrm>
-          <a:off x="0" y="0"/>
-          <a:ext cx="0" cy="0"/>
-          <a:chOff x="0" y="0"/>
-          <a:chExt cx="0" cy="0"/>
-        </a:xfrm>
-      </p:grpSpPr>
-      <p:sp>
-        <p:nvSpPr>
-          <p:cNvPr id="2" name="Title 1"/>
-          <p:cNvSpPr>
-            <a:spLocks noGrp="1"/>
-          </p:cNvSpPr>
-          <p:nvPr>
-            <p:ph type="title"/>
-          </p:nvPr>
-        </p:nvSpPr>
-        <p:spPr/>
-        <p:txBody>
-          <a:bodyPr/>
-          <a:lstStyle/>
-          <a:p>
-            <a:r>
-              <a:rPr lang="en-US" dirty="0"/>
-              <a:t>What is GitHub?</a:t>
-            </a:r>
-          </a:p>
-        </p:txBody>
-      </p:sp>
-      <p:sp>
-        <p:nvSpPr>
-          <p:cNvPr id="3" name="Content Placeholder 2"/>
-          <p:cNvSpPr>
-            <a:spLocks noGrp="1"/>
-          </p:cNvSpPr>
-          <p:nvPr>
-            <p:ph idx="1"/>
-          </p:nvPr>
-        </p:nvSpPr>
-        <p:spPr/>
-        <p:txBody>
-          <a:bodyPr/>
-          <a:lstStyle/>
-          <a:p>
-            <a:pPr>
-              <a:spcBef>
-                <a:spcPts val="800"/>
-              </a:spcBef>
-              <a:buFont typeface="Arial" charset="0"/>
-              <a:buChar char="•"/>
-              <a:defRPr/>
-            </a:pPr>
-            <a:r>
-              <a:rPr lang="en-US" dirty="0">
-                <a:latin typeface="Calibri" charset="0"/>
-              </a:rPr>
-              <a:t>‘</a:t>
-            </a:r>
-            <a:r>
-              <a:rPr lang="en-US" dirty="0" err="1">
-                <a:latin typeface="Calibri" charset="0"/>
-              </a:rPr>
-              <a:t>Git</a:t>
-            </a:r>
-            <a:r>
-              <a:rPr lang="en-US" dirty="0">
-                <a:latin typeface="Calibri" charset="0"/>
-              </a:rPr>
-              <a:t> in the cloud’</a:t>
-            </a:r>
-          </a:p>
-          <a:p>
-            <a:pPr lvl="1">
-              <a:spcBef>
-                <a:spcPts val="800"/>
-              </a:spcBef>
-              <a:buFont typeface="Arial" charset="0"/>
-              <a:buChar char="•"/>
-              <a:defRPr/>
-            </a:pPr>
-            <a:r>
-              <a:rPr lang="en-US" sz="3200" dirty="0">
-                <a:latin typeface="Calibri" charset="0"/>
-              </a:rPr>
-              <a:t>Your </a:t>
-            </a:r>
-            <a:r>
-              <a:rPr lang="en-US" sz="3200" dirty="0" err="1">
-                <a:latin typeface="Calibri" charset="0"/>
-              </a:rPr>
-              <a:t>git</a:t>
-            </a:r>
-            <a:r>
-              <a:rPr lang="en-US" sz="3200" dirty="0">
-                <a:latin typeface="Calibri" charset="0"/>
-              </a:rPr>
-              <a:t> repository lives on </a:t>
-            </a:r>
-            <a:r>
-              <a:rPr lang="en-US" sz="3200" dirty="0" err="1">
-                <a:latin typeface="Calibri" charset="0"/>
-              </a:rPr>
-              <a:t>GitHub.com</a:t>
-            </a:r>
-            <a:endParaRPr lang="en-US" sz="3200" dirty="0">
-              <a:latin typeface="Calibri" charset="0"/>
-            </a:endParaRPr>
-          </a:p>
-          <a:p>
-            <a:pPr lvl="1">
-              <a:spcBef>
-                <a:spcPts val="800"/>
-              </a:spcBef>
-              <a:buFont typeface="Arial" charset="0"/>
-              <a:buChar char="•"/>
-              <a:defRPr/>
-            </a:pPr>
-            <a:r>
-              <a:rPr lang="en-US" sz="3200" dirty="0">
-                <a:latin typeface="Calibri" charset="0"/>
-              </a:rPr>
-              <a:t>Other people can download and use your code</a:t>
-            </a:r>
-          </a:p>
-          <a:p>
-            <a:pPr lvl="1">
-              <a:spcBef>
-                <a:spcPts val="800"/>
-              </a:spcBef>
-              <a:buFont typeface="Arial" charset="0"/>
-              <a:buChar char="•"/>
-              <a:defRPr/>
-            </a:pPr>
-            <a:r>
-              <a:rPr lang="en-US" sz="3200" dirty="0">
-                <a:latin typeface="Calibri" charset="0"/>
-              </a:rPr>
-              <a:t>There is an issue tracker for your code</a:t>
-            </a:r>
-          </a:p>
-          <a:p>
-            <a:pPr lvl="1">
-              <a:spcBef>
-                <a:spcPts val="800"/>
-              </a:spcBef>
-              <a:buFont typeface="Arial" charset="0"/>
-              <a:buChar char="•"/>
-              <a:defRPr/>
-            </a:pPr>
-            <a:r>
-              <a:rPr lang="en-US" sz="3200" dirty="0">
-                <a:latin typeface="Calibri" charset="0"/>
-              </a:rPr>
-              <a:t>You can develop code collaboratively using GitHub</a:t>
-            </a:r>
-          </a:p>
-          <a:p>
-            <a:endParaRPr lang="en-US" dirty="0"/>
-          </a:p>
-        </p:txBody>
-      </p:sp>
-    </p:spTree>
-    <p:extLst>
-      <p:ext uri="{BB962C8B-B14F-4D97-AF65-F5344CB8AC3E}">
-        <p14:creationId xmlns:p14="http://schemas.microsoft.com/office/powerpoint/2010/main" val="1819760004"/>
-      </p:ext>
-    </p:extLst>
-  </p:cSld>
-  <p:clrMapOvr>
-    <a:masterClrMapping/>
-  </p:clrMapOvr>
-</p:sld>
-</file>
-
-<file path=ppt/slides/slide15.xml><?xml version="1.0" encoding="utf-8"?>
-<p:sld xmlns:a="http://schemas.openxmlformats.org/drawingml/2006/main" xmlns:r="http://schemas.openxmlformats.org/officeDocument/2006/relationships" xmlns:p="http://schemas.openxmlformats.org/presentationml/2006/main">
-  <p:cSld>
-    <p:spTree>
-      <p:nvGrpSpPr>
-        <p:cNvPr id="1" name=""/>
-        <p:cNvGrpSpPr/>
-        <p:nvPr/>
-      </p:nvGrpSpPr>
-      <p:grpSpPr>
-        <a:xfrm>
-          <a:off x="0" y="0"/>
-          <a:ext cx="0" cy="0"/>
-          <a:chOff x="0" y="0"/>
-          <a:chExt cx="0" cy="0"/>
-        </a:xfrm>
-      </p:grpSpPr>
-      <p:sp>
-        <p:nvSpPr>
-          <p:cNvPr id="2" name="Title 1"/>
-          <p:cNvSpPr>
-            <a:spLocks noGrp="1"/>
-          </p:cNvSpPr>
-          <p:nvPr>
-            <p:ph type="title"/>
-          </p:nvPr>
-        </p:nvSpPr>
-        <p:spPr/>
-        <p:txBody>
-          <a:bodyPr/>
-          <a:lstStyle/>
-          <a:p>
-            <a:r>
-              <a:rPr lang="en-US" dirty="0"/>
-              <a:t>Hands on demo!</a:t>
-            </a:r>
-          </a:p>
-        </p:txBody>
-      </p:sp>
-      <p:sp>
-        <p:nvSpPr>
-          <p:cNvPr id="3" name="Content Placeholder 2"/>
-          <p:cNvSpPr>
-            <a:spLocks noGrp="1"/>
-          </p:cNvSpPr>
-          <p:nvPr>
-            <p:ph idx="1"/>
-          </p:nvPr>
-        </p:nvSpPr>
-        <p:spPr/>
-        <p:txBody>
-          <a:bodyPr/>
-          <a:lstStyle/>
-          <a:p>
-            <a:pPr>
-              <a:spcBef>
-                <a:spcPts val="800"/>
-              </a:spcBef>
-              <a:buFont typeface="Arial" charset="0"/>
-              <a:buChar char="•"/>
-              <a:defRPr/>
-            </a:pPr>
-            <a:r>
-              <a:rPr lang="en-US" dirty="0">
-                <a:latin typeface="Calibri" charset="0"/>
-              </a:rPr>
-              <a:t>Open a terminal!</a:t>
-            </a:r>
-            <a:endParaRPr lang="en-US" sz="3200" dirty="0">
-              <a:latin typeface="Calibri" charset="0"/>
-            </a:endParaRPr>
-          </a:p>
-          <a:p>
-            <a:endParaRPr lang="en-US" dirty="0"/>
-          </a:p>
-        </p:txBody>
-      </p:sp>
-    </p:spTree>
-    <p:extLst>
-      <p:ext uri="{BB962C8B-B14F-4D97-AF65-F5344CB8AC3E}">
-        <p14:creationId xmlns:p14="http://schemas.microsoft.com/office/powerpoint/2010/main" val="3801672573"/>
-      </p:ext>
-    </p:extLst>
-  </p:cSld>
-  <p:clrMapOvr>
-    <a:masterClrMapping/>
-  </p:clrMapOvr>
-</p:sld>
-</file>
-
-<file path=ppt/slides/slide16.xml><?xml version="1.0" encoding="utf-8"?>
-<p:sld xmlns:a="http://schemas.openxmlformats.org/drawingml/2006/main" xmlns:r="http://schemas.openxmlformats.org/officeDocument/2006/relationships" xmlns:p="http://schemas.openxmlformats.org/presentationml/2006/main">
-  <p:cSld>
-    <p:spTree>
-      <p:nvGrpSpPr>
-        <p:cNvPr id="1" name=""/>
-        <p:cNvGrpSpPr/>
-        <p:nvPr/>
-      </p:nvGrpSpPr>
-      <p:grpSpPr>
-        <a:xfrm>
-          <a:off x="0" y="0"/>
-          <a:ext cx="0" cy="0"/>
-          <a:chOff x="0" y="0"/>
-          <a:chExt cx="0" cy="0"/>
-        </a:xfrm>
-      </p:grpSpPr>
-      <p:pic>
-        <p:nvPicPr>
-          <p:cNvPr id="2" name="Picture 1"/>
-          <p:cNvPicPr>
-            <a:picLocks noChangeAspect="1"/>
-          </p:cNvPicPr>
-          <p:nvPr/>
-        </p:nvPicPr>
-        <p:blipFill>
-          <a:blip r:embed="rId3"/>
-          <a:stretch>
-            <a:fillRect/>
-          </a:stretch>
-        </p:blipFill>
-        <p:spPr>
-          <a:xfrm>
-            <a:off x="673100" y="1778000"/>
-            <a:ext cx="7785100" cy="3302000"/>
-          </a:xfrm>
-          <a:prstGeom prst="rect">
-            <a:avLst/>
-          </a:prstGeom>
-        </p:spPr>
-      </p:pic>
-    </p:spTree>
-    <p:extLst>
-      <p:ext uri="{BB962C8B-B14F-4D97-AF65-F5344CB8AC3E}">
-        <p14:creationId xmlns:p14="http://schemas.microsoft.com/office/powerpoint/2010/main" val="939614745"/>
-      </p:ext>
-    </p:extLst>
-  </p:cSld>
-  <p:clrMapOvr>
-    <a:masterClrMapping/>
-  </p:clrMapOvr>
-  <p:transition spd="med"/>
-  <p:timing>
-    <p:tnLst>
-      <p:par>
-        <p:cTn id="1" dur="indefinite" restart="never" nodeType="tmRoot">
-          <p:childTnLst>
-            <p:seq concurrent="1" nextAc="seek">
-              <p:cTn id="2" dur="0" nodeType="mainSeq"/>
-              <p:prevCondLst>
-                <p:cond evt="onPrev" delay="0">
-                  <p:tgtEl>
-                    <p:sldTgt/>
-                  </p:tgtEl>
-                </p:cond>
-              </p:prevCondLst>
-              <p:nextCondLst>
-                <p:cond evt="onNext" delay="0">
-                  <p:tgtEl>
-                    <p:sldTgt/>
-                  </p:tgtEl>
-                </p:cond>
-              </p:nextCondLst>
-            </p:seq>
-          </p:childTnLst>
-        </p:cTn>
-      </p:par>
-    </p:tnLst>
-  </p:timing>
-</p:sld>
-</file>
-
-<file path=ppt/slides/slide17.xml><?xml version="1.0" encoding="utf-8"?>
-<p:sld xmlns:a="http://schemas.openxmlformats.org/drawingml/2006/main" xmlns:r="http://schemas.openxmlformats.org/officeDocument/2006/relationships" xmlns:p="http://schemas.openxmlformats.org/presentationml/2006/main">
-  <p:cSld>
-    <p:spTree>
-      <p:nvGrpSpPr>
-        <p:cNvPr id="1" name=""/>
-        <p:cNvGrpSpPr/>
-        <p:nvPr/>
-      </p:nvGrpSpPr>
-      <p:grpSpPr>
-        <a:xfrm>
-          <a:off x="0" y="0"/>
-          <a:ext cx="0" cy="0"/>
-          <a:chOff x="0" y="0"/>
-          <a:chExt cx="0" cy="0"/>
-        </a:xfrm>
-      </p:grpSpPr>
-      <p:pic>
-        <p:nvPicPr>
-          <p:cNvPr id="4" name="Picture 3"/>
-          <p:cNvPicPr>
-            <a:picLocks noChangeAspect="1"/>
-          </p:cNvPicPr>
-          <p:nvPr/>
-        </p:nvPicPr>
-        <p:blipFill>
-          <a:blip r:embed="rId3"/>
-          <a:stretch>
-            <a:fillRect/>
-          </a:stretch>
-        </p:blipFill>
-        <p:spPr>
-          <a:xfrm>
-            <a:off x="508000" y="977900"/>
-            <a:ext cx="8115300" cy="4902200"/>
-          </a:xfrm>
-          <a:prstGeom prst="rect">
-            <a:avLst/>
-          </a:prstGeom>
-        </p:spPr>
-      </p:pic>
-    </p:spTree>
-    <p:extLst>
-      <p:ext uri="{BB962C8B-B14F-4D97-AF65-F5344CB8AC3E}">
-        <p14:creationId xmlns:p14="http://schemas.microsoft.com/office/powerpoint/2010/main" val="566946790"/>
-      </p:ext>
-    </p:extLst>
-  </p:cSld>
-  <p:clrMapOvr>
-    <a:masterClrMapping/>
-  </p:clrMapOvr>
-  <p:transition spd="med"/>
-  <p:timing>
-    <p:tnLst>
-      <p:par>
-        <p:cTn id="1" dur="indefinite" restart="never" nodeType="tmRoot">
-          <p:childTnLst>
-            <p:seq concurrent="1" nextAc="seek">
-              <p:cTn id="2" dur="0" nodeType="mainSeq"/>
-              <p:prevCondLst>
-                <p:cond evt="onPrev" delay="0">
-                  <p:tgtEl>
-                    <p:sldTgt/>
-                  </p:tgtEl>
-                </p:cond>
-              </p:prevCondLst>
-              <p:nextCondLst>
-                <p:cond evt="onNext" delay="0">
-                  <p:tgtEl>
-                    <p:sldTgt/>
-                  </p:tgtEl>
-                </p:cond>
-              </p:nextCondLst>
-            </p:seq>
-          </p:childTnLst>
-        </p:cTn>
-      </p:par>
-    </p:tnLst>
-  </p:timing>
-</p:sld>
-</file>
-
-<file path=ppt/slides/slide18.xml><?xml version="1.0" encoding="utf-8"?>
-<p:sld xmlns:a="http://schemas.openxmlformats.org/drawingml/2006/main" xmlns:r="http://schemas.openxmlformats.org/officeDocument/2006/relationships" xmlns:p="http://schemas.openxmlformats.org/presentationml/2006/main">
-  <p:cSld>
-    <p:spTree>
-      <p:nvGrpSpPr>
-        <p:cNvPr id="1" name=""/>
-        <p:cNvGrpSpPr/>
-        <p:nvPr/>
-      </p:nvGrpSpPr>
-      <p:grpSpPr>
-        <a:xfrm>
-          <a:off x="0" y="0"/>
-          <a:ext cx="0" cy="0"/>
-          <a:chOff x="0" y="0"/>
-          <a:chExt cx="0" cy="0"/>
-        </a:xfrm>
-      </p:grpSpPr>
-      <p:pic>
-        <p:nvPicPr>
-          <p:cNvPr id="2" name="Picture 1"/>
-          <p:cNvPicPr>
-            <a:picLocks noChangeAspect="1"/>
-          </p:cNvPicPr>
-          <p:nvPr/>
-        </p:nvPicPr>
-        <p:blipFill>
-          <a:blip r:embed="rId3"/>
-          <a:stretch>
-            <a:fillRect/>
-          </a:stretch>
-        </p:blipFill>
-        <p:spPr>
-          <a:xfrm>
-            <a:off x="901700" y="952500"/>
-            <a:ext cx="7340600" cy="4940300"/>
-          </a:xfrm>
-          <a:prstGeom prst="rect">
-            <a:avLst/>
-          </a:prstGeom>
-        </p:spPr>
-      </p:pic>
-    </p:spTree>
-    <p:extLst>
-      <p:ext uri="{BB962C8B-B14F-4D97-AF65-F5344CB8AC3E}">
-        <p14:creationId xmlns:p14="http://schemas.microsoft.com/office/powerpoint/2010/main" val="1613765588"/>
-      </p:ext>
-    </p:extLst>
-  </p:cSld>
-  <p:clrMapOvr>
-    <a:masterClrMapping/>
-  </p:clrMapOvr>
-  <p:transition spd="med"/>
-  <p:timing>
-    <p:tnLst>
-      <p:par>
-        <p:cTn id="1" dur="indefinite" restart="never" nodeType="tmRoot">
-          <p:childTnLst>
-            <p:seq concurrent="1" nextAc="seek">
-              <p:cTn id="2" dur="0" nodeType="mainSeq"/>
-              <p:prevCondLst>
-                <p:cond evt="onPrev" delay="0">
-                  <p:tgtEl>
-                    <p:sldTgt/>
-                  </p:tgtEl>
-                </p:cond>
-              </p:prevCondLst>
-              <p:nextCondLst>
-                <p:cond evt="onNext" delay="0">
-                  <p:tgtEl>
-                    <p:sldTgt/>
-                  </p:tgtEl>
-                </p:cond>
-              </p:nextCondLst>
-            </p:seq>
-          </p:childTnLst>
-        </p:cTn>
-      </p:par>
-    </p:tnLst>
-  </p:timing>
-</p:sld>
-</file>
-
-<file path=ppt/slides/slide19.xml><?xml version="1.0" encoding="utf-8"?>
-<p:sld xmlns:a="http://schemas.openxmlformats.org/drawingml/2006/main" xmlns:r="http://schemas.openxmlformats.org/officeDocument/2006/relationships" xmlns:p="http://schemas.openxmlformats.org/presentationml/2006/main">
-  <p:cSld>
-    <p:spTree>
-      <p:nvGrpSpPr>
-        <p:cNvPr id="1" name=""/>
-        <p:cNvGrpSpPr/>
-        <p:nvPr/>
-      </p:nvGrpSpPr>
-      <p:grpSpPr>
-        <a:xfrm>
-          <a:off x="0" y="0"/>
-          <a:ext cx="0" cy="0"/>
-          <a:chOff x="0" y="0"/>
-          <a:chExt cx="0" cy="0"/>
-        </a:xfrm>
-      </p:grpSpPr>
-      <p:pic>
-        <p:nvPicPr>
-          <p:cNvPr id="4" name="Picture 3"/>
-          <p:cNvPicPr>
-            <a:picLocks noChangeAspect="1"/>
-          </p:cNvPicPr>
-          <p:nvPr/>
-        </p:nvPicPr>
-        <p:blipFill>
-          <a:blip r:embed="rId3"/>
-          <a:stretch>
-            <a:fillRect/>
-          </a:stretch>
-        </p:blipFill>
-        <p:spPr>
-          <a:xfrm>
-            <a:off x="0" y="2336800"/>
-            <a:ext cx="9144000" cy="2163223"/>
-          </a:xfrm>
-          <a:prstGeom prst="rect">
-            <a:avLst/>
-          </a:prstGeom>
-        </p:spPr>
-      </p:pic>
-    </p:spTree>
-    <p:extLst>
-      <p:ext uri="{BB962C8B-B14F-4D97-AF65-F5344CB8AC3E}">
-        <p14:creationId xmlns:p14="http://schemas.microsoft.com/office/powerpoint/2010/main" val="58145480"/>
-      </p:ext>
-    </p:extLst>
-  </p:cSld>
-  <p:clrMapOvr>
-    <a:masterClrMapping/>
-  </p:clrMapOvr>
-  <p:transition spd="med"/>
-  <p:timing>
-    <p:tnLst>
-      <p:par>
-        <p:cTn id="1" dur="indefinite" restart="never" nodeType="tmRoot">
-          <p:childTnLst>
-            <p:seq concurrent="1" nextAc="seek">
-              <p:cTn id="2" dur="0" nodeType="mainSeq"/>
-              <p:prevCondLst>
-                <p:cond evt="onPrev" delay="0">
-                  <p:tgtEl>
-                    <p:sldTgt/>
-                  </p:tgtEl>
-                </p:cond>
-              </p:prevCondLst>
-              <p:nextCondLst>
-                <p:cond evt="onNext" delay="0">
-                  <p:tgtEl>
-                    <p:sldTgt/>
-                  </p:tgtEl>
-                </p:cond>
-              </p:nextCondLst>
-            </p:seq>
-          </p:childTnLst>
-        </p:cTn>
-      </p:par>
-    </p:tnLst>
-  </p:timing>
-</p:sld>
-</file>
-
-<file path=ppt/slides/slide2.xml><?xml version="1.0" encoding="utf-8"?>
-<p:sld xmlns:a="http://schemas.openxmlformats.org/drawingml/2006/main" xmlns:r="http://schemas.openxmlformats.org/officeDocument/2006/relationships" xmlns:p="http://schemas.openxmlformats.org/presentationml/2006/main">
-  <p:cSld>
-    <p:spTree>
-      <p:nvGrpSpPr>
-        <p:cNvPr id="1" name=""/>
-        <p:cNvGrpSpPr/>
-        <p:nvPr/>
-      </p:nvGrpSpPr>
-      <p:grpSpPr>
-        <a:xfrm>
-          <a:off x="0" y="0"/>
-          <a:ext cx="0" cy="0"/>
-          <a:chOff x="0" y="0"/>
-          <a:chExt cx="0" cy="0"/>
-        </a:xfrm>
-      </p:grpSpPr>
-      <p:sp>
-        <p:nvSpPr>
-          <p:cNvPr id="2" name="Title 1"/>
-          <p:cNvSpPr>
-            <a:spLocks noGrp="1"/>
-          </p:cNvSpPr>
-          <p:nvPr>
-            <p:ph type="title"/>
-          </p:nvPr>
-        </p:nvSpPr>
-        <p:spPr/>
-        <p:txBody>
-          <a:bodyPr/>
-          <a:lstStyle/>
-          <a:p>
-            <a:r>
-              <a:rPr lang="en-US" dirty="0"/>
-              <a:t>Questions?</a:t>
-            </a:r>
-          </a:p>
-        </p:txBody>
-      </p:sp>
-      <p:sp>
-        <p:nvSpPr>
-          <p:cNvPr id="3" name="Content Placeholder 2"/>
-          <p:cNvSpPr>
-            <a:spLocks noGrp="1"/>
-          </p:cNvSpPr>
-          <p:nvPr>
-            <p:ph idx="1"/>
-          </p:nvPr>
-        </p:nvSpPr>
-        <p:spPr/>
-        <p:txBody>
-          <a:bodyPr/>
-          <a:lstStyle/>
-          <a:p>
-            <a:pPr>
-              <a:spcBef>
-                <a:spcPts val="800"/>
-              </a:spcBef>
-              <a:buFont typeface="Arial" charset="0"/>
-              <a:buChar char="•"/>
-              <a:defRPr/>
-            </a:pPr>
-            <a:r>
-              <a:rPr lang="en-US" dirty="0">
-                <a:latin typeface="Calibri" charset="0"/>
-              </a:rPr>
-              <a:t>Content from last week?</a:t>
-            </a:r>
-          </a:p>
-          <a:p>
-            <a:pPr>
-              <a:spcBef>
-                <a:spcPts val="800"/>
-              </a:spcBef>
-              <a:buFont typeface="Arial" charset="0"/>
-              <a:buChar char="•"/>
-              <a:defRPr/>
-            </a:pPr>
-            <a:endParaRPr lang="en-US" dirty="0">
-              <a:latin typeface="Calibri" charset="0"/>
-            </a:endParaRPr>
-          </a:p>
-          <a:p>
-            <a:pPr>
-              <a:spcBef>
-                <a:spcPts val="800"/>
-              </a:spcBef>
-              <a:buFont typeface="Arial" charset="0"/>
-              <a:buChar char="•"/>
-              <a:defRPr/>
-            </a:pPr>
-            <a:r>
-              <a:rPr lang="en-US" dirty="0">
-                <a:latin typeface="Calibri" charset="0"/>
-              </a:rPr>
-              <a:t>Homework?</a:t>
-            </a:r>
-          </a:p>
-          <a:p>
-            <a:pPr>
-              <a:spcBef>
-                <a:spcPts val="800"/>
-              </a:spcBef>
-              <a:buFont typeface="Arial" charset="0"/>
-              <a:buChar char="•"/>
-              <a:defRPr/>
-            </a:pPr>
-            <a:endParaRPr lang="en-US" dirty="0">
-              <a:latin typeface="Calibri" charset="0"/>
-            </a:endParaRPr>
-          </a:p>
-          <a:p>
-            <a:pPr>
-              <a:spcBef>
-                <a:spcPts val="800"/>
-              </a:spcBef>
-              <a:buFont typeface="Arial" charset="0"/>
-              <a:buChar char="•"/>
-              <a:defRPr/>
-            </a:pPr>
-            <a:r>
-              <a:rPr lang="en-US" dirty="0">
-                <a:latin typeface="Calibri" charset="0"/>
-              </a:rPr>
-              <a:t>Really need you to fill in your info on </a:t>
-            </a:r>
-            <a:r>
-              <a:rPr lang="en-US">
-                <a:latin typeface="Calibri" charset="0"/>
-              </a:rPr>
-              <a:t>the GitHub to UW NetID map!</a:t>
-            </a:r>
-            <a:endParaRPr lang="en-US" dirty="0">
-              <a:latin typeface="Calibri" charset="0"/>
-            </a:endParaRPr>
-          </a:p>
-          <a:p>
-            <a:endParaRPr lang="en-US" dirty="0"/>
-          </a:p>
-        </p:txBody>
-      </p:sp>
-    </p:spTree>
-    <p:extLst>
-      <p:ext uri="{BB962C8B-B14F-4D97-AF65-F5344CB8AC3E}">
-        <p14:creationId xmlns:p14="http://schemas.microsoft.com/office/powerpoint/2010/main" val="994220001"/>
-      </p:ext>
-    </p:extLst>
-  </p:cSld>
-  <p:clrMapOvr>
-    <a:masterClrMapping/>
-  </p:clrMapOvr>
-</p:sld>
-</file>
-
-<file path=ppt/slides/slide20.xml><?xml version="1.0" encoding="utf-8"?>
-<p:sld xmlns:a="http://schemas.openxmlformats.org/drawingml/2006/main" xmlns:r="http://schemas.openxmlformats.org/officeDocument/2006/relationships" xmlns:p="http://schemas.openxmlformats.org/presentationml/2006/main">
-  <p:cSld>
-    <p:spTree>
-      <p:nvGrpSpPr>
-        <p:cNvPr id="1" name=""/>
-        <p:cNvGrpSpPr/>
-        <p:nvPr/>
-      </p:nvGrpSpPr>
-      <p:grpSpPr>
-        <a:xfrm>
-          <a:off x="0" y="0"/>
-          <a:ext cx="0" cy="0"/>
-          <a:chOff x="0" y="0"/>
-          <a:chExt cx="0" cy="0"/>
-        </a:xfrm>
-      </p:grpSpPr>
-      <p:pic>
-        <p:nvPicPr>
-          <p:cNvPr id="2" name="Picture 1"/>
-          <p:cNvPicPr>
-            <a:picLocks noChangeAspect="1"/>
-          </p:cNvPicPr>
-          <p:nvPr/>
-        </p:nvPicPr>
-        <p:blipFill>
-          <a:blip r:embed="rId3"/>
-          <a:stretch>
-            <a:fillRect/>
-          </a:stretch>
-        </p:blipFill>
-        <p:spPr>
-          <a:xfrm>
-            <a:off x="0" y="774700"/>
-            <a:ext cx="9144000" cy="5294489"/>
-          </a:xfrm>
-          <a:prstGeom prst="rect">
-            <a:avLst/>
-          </a:prstGeom>
-        </p:spPr>
-      </p:pic>
-    </p:spTree>
-    <p:extLst>
-      <p:ext uri="{BB962C8B-B14F-4D97-AF65-F5344CB8AC3E}">
-        <p14:creationId xmlns:p14="http://schemas.microsoft.com/office/powerpoint/2010/main" val="1781815951"/>
-      </p:ext>
-    </p:extLst>
-  </p:cSld>
-  <p:clrMapOvr>
-    <a:masterClrMapping/>
-  </p:clrMapOvr>
-  <p:transition spd="med"/>
-  <p:timing>
-    <p:tnLst>
-      <p:par>
-        <p:cTn id="1" dur="indefinite" restart="never" nodeType="tmRoot">
-          <p:childTnLst>
-            <p:seq concurrent="1" nextAc="seek">
-              <p:cTn id="2" dur="0" nodeType="mainSeq"/>
-              <p:prevCondLst>
-                <p:cond evt="onPrev" delay="0">
-                  <p:tgtEl>
-                    <p:sldTgt/>
-                  </p:tgtEl>
-                </p:cond>
-              </p:prevCondLst>
-              <p:nextCondLst>
-                <p:cond evt="onNext" delay="0">
-                  <p:tgtEl>
-                    <p:sldTgt/>
-                  </p:tgtEl>
-                </p:cond>
-              </p:nextCondLst>
-            </p:seq>
-          </p:childTnLst>
-        </p:cTn>
-      </p:par>
-    </p:tnLst>
-  </p:timing>
-</p:sld>
-</file>
-
-<file path=ppt/slides/slide21.xml><?xml version="1.0" encoding="utf-8"?>
-<p:sld xmlns:a="http://schemas.openxmlformats.org/drawingml/2006/main" xmlns:r="http://schemas.openxmlformats.org/officeDocument/2006/relationships" xmlns:p="http://schemas.openxmlformats.org/presentationml/2006/main">
-  <p:cSld>
-    <p:spTree>
-      <p:nvGrpSpPr>
-        <p:cNvPr id="1" name=""/>
-        <p:cNvGrpSpPr/>
-        <p:nvPr/>
-      </p:nvGrpSpPr>
-      <p:grpSpPr>
-        <a:xfrm>
-          <a:off x="0" y="0"/>
-          <a:ext cx="0" cy="0"/>
-          <a:chOff x="0" y="0"/>
-          <a:chExt cx="0" cy="0"/>
-        </a:xfrm>
-      </p:grpSpPr>
-      <p:pic>
-        <p:nvPicPr>
-          <p:cNvPr id="4" name="Picture 3"/>
-          <p:cNvPicPr>
-            <a:picLocks noChangeAspect="1"/>
-          </p:cNvPicPr>
-          <p:nvPr/>
-        </p:nvPicPr>
-        <p:blipFill>
-          <a:blip r:embed="rId3"/>
-          <a:stretch>
-            <a:fillRect/>
-          </a:stretch>
-        </p:blipFill>
-        <p:spPr>
-          <a:xfrm>
-            <a:off x="0" y="800100"/>
-            <a:ext cx="9144000" cy="5235048"/>
-          </a:xfrm>
-          <a:prstGeom prst="rect">
-            <a:avLst/>
-          </a:prstGeom>
-        </p:spPr>
-      </p:pic>
-    </p:spTree>
-    <p:extLst>
-      <p:ext uri="{BB962C8B-B14F-4D97-AF65-F5344CB8AC3E}">
-        <p14:creationId xmlns:p14="http://schemas.microsoft.com/office/powerpoint/2010/main" val="156234336"/>
-      </p:ext>
-    </p:extLst>
-  </p:cSld>
-  <p:clrMapOvr>
-    <a:masterClrMapping/>
-  </p:clrMapOvr>
-  <p:transition spd="med"/>
-  <p:timing>
-    <p:tnLst>
-      <p:par>
-        <p:cTn id="1" dur="indefinite" restart="never" nodeType="tmRoot">
-          <p:childTnLst>
-            <p:seq concurrent="1" nextAc="seek">
-              <p:cTn id="2" dur="0" nodeType="mainSeq"/>
-              <p:prevCondLst>
-                <p:cond evt="onPrev" delay="0">
-                  <p:tgtEl>
-                    <p:sldTgt/>
-                  </p:tgtEl>
-                </p:cond>
-              </p:prevCondLst>
-              <p:nextCondLst>
-                <p:cond evt="onNext" delay="0">
-                  <p:tgtEl>
-                    <p:sldTgt/>
-                  </p:tgtEl>
-                </p:cond>
-              </p:nextCondLst>
-            </p:seq>
-          </p:childTnLst>
-        </p:cTn>
-      </p:par>
-    </p:tnLst>
-  </p:timing>
-</p:sld>
-</file>
-
-<file path=ppt/slides/slide22.xml><?xml version="1.0" encoding="utf-8"?>
-<p:sld xmlns:a="http://schemas.openxmlformats.org/drawingml/2006/main" xmlns:r="http://schemas.openxmlformats.org/officeDocument/2006/relationships" xmlns:p="http://schemas.openxmlformats.org/presentationml/2006/main">
-  <p:cSld>
-    <p:spTree>
-      <p:nvGrpSpPr>
-        <p:cNvPr id="1" name=""/>
-        <p:cNvGrpSpPr/>
-        <p:nvPr/>
-      </p:nvGrpSpPr>
-      <p:grpSpPr>
-        <a:xfrm>
-          <a:off x="0" y="0"/>
-          <a:ext cx="0" cy="0"/>
-          <a:chOff x="0" y="0"/>
-          <a:chExt cx="0" cy="0"/>
-        </a:xfrm>
-      </p:grpSpPr>
-      <p:pic>
-        <p:nvPicPr>
-          <p:cNvPr id="2" name="Picture 1"/>
-          <p:cNvPicPr>
-            <a:picLocks noChangeAspect="1"/>
-          </p:cNvPicPr>
-          <p:nvPr/>
-        </p:nvPicPr>
-        <p:blipFill>
-          <a:blip r:embed="rId3"/>
-          <a:stretch>
-            <a:fillRect/>
-          </a:stretch>
-        </p:blipFill>
-        <p:spPr>
-          <a:xfrm>
-            <a:off x="444500" y="12700"/>
-            <a:ext cx="8255000" cy="6819900"/>
-          </a:xfrm>
-          <a:prstGeom prst="rect">
-            <a:avLst/>
-          </a:prstGeom>
-        </p:spPr>
-      </p:pic>
-    </p:spTree>
-    <p:extLst>
-      <p:ext uri="{BB962C8B-B14F-4D97-AF65-F5344CB8AC3E}">
-        <p14:creationId xmlns:p14="http://schemas.microsoft.com/office/powerpoint/2010/main" val="2124841118"/>
-      </p:ext>
-    </p:extLst>
-  </p:cSld>
-  <p:clrMapOvr>
-    <a:masterClrMapping/>
-  </p:clrMapOvr>
-  <p:transition spd="med"/>
-  <p:timing>
-    <p:tnLst>
-      <p:par>
-        <p:cTn id="1" dur="indefinite" restart="never" nodeType="tmRoot">
-          <p:childTnLst>
-            <p:seq concurrent="1" nextAc="seek">
-              <p:cTn id="2" dur="0" nodeType="mainSeq"/>
-              <p:prevCondLst>
-                <p:cond evt="onPrev" delay="0">
-                  <p:tgtEl>
-                    <p:sldTgt/>
-                  </p:tgtEl>
-                </p:cond>
-              </p:prevCondLst>
-              <p:nextCondLst>
-                <p:cond evt="onNext" delay="0">
-                  <p:tgtEl>
-                    <p:sldTgt/>
-                  </p:tgtEl>
-                </p:cond>
-              </p:nextCondLst>
-            </p:seq>
-          </p:childTnLst>
-        </p:cTn>
-      </p:par>
-    </p:tnLst>
-  </p:timing>
-</p:sld>
-</file>
-
-<file path=ppt/slides/slide23.xml><?xml version="1.0" encoding="utf-8"?>
-<p:sld xmlns:a="http://schemas.openxmlformats.org/drawingml/2006/main" xmlns:r="http://schemas.openxmlformats.org/officeDocument/2006/relationships" xmlns:p="http://schemas.openxmlformats.org/presentationml/2006/main">
-  <p:cSld>
-    <p:spTree>
-      <p:nvGrpSpPr>
-        <p:cNvPr id="1" name=""/>
-        <p:cNvGrpSpPr/>
-        <p:nvPr/>
-      </p:nvGrpSpPr>
-      <p:grpSpPr>
-        <a:xfrm>
-          <a:off x="0" y="0"/>
-          <a:ext cx="0" cy="0"/>
-          <a:chOff x="0" y="0"/>
-          <a:chExt cx="0" cy="0"/>
-        </a:xfrm>
-      </p:grpSpPr>
-      <p:pic>
-        <p:nvPicPr>
-          <p:cNvPr id="5" name="Picture 4"/>
-          <p:cNvPicPr>
-            <a:picLocks noChangeAspect="1"/>
-          </p:cNvPicPr>
-          <p:nvPr/>
-        </p:nvPicPr>
-        <p:blipFill>
-          <a:blip r:embed="rId3"/>
-          <a:stretch>
-            <a:fillRect/>
-          </a:stretch>
-        </p:blipFill>
-        <p:spPr>
-          <a:xfrm>
-            <a:off x="3238500" y="2286000"/>
-            <a:ext cx="2654300" cy="2286000"/>
-          </a:xfrm>
-          <a:prstGeom prst="rect">
-            <a:avLst/>
-          </a:prstGeom>
-        </p:spPr>
-      </p:pic>
-    </p:spTree>
-    <p:extLst>
-      <p:ext uri="{BB962C8B-B14F-4D97-AF65-F5344CB8AC3E}">
-        <p14:creationId xmlns:p14="http://schemas.microsoft.com/office/powerpoint/2010/main" val="1755294082"/>
-      </p:ext>
-    </p:extLst>
-  </p:cSld>
-  <p:clrMapOvr>
-    <a:masterClrMapping/>
-  </p:clrMapOvr>
-  <p:transition spd="med"/>
-  <p:timing>
-    <p:tnLst>
-      <p:par>
-        <p:cTn id="1" dur="indefinite" restart="never" nodeType="tmRoot">
-          <p:childTnLst>
-            <p:seq concurrent="1" nextAc="seek">
-              <p:cTn id="2" dur="0" nodeType="mainSeq"/>
-              <p:prevCondLst>
-                <p:cond evt="onPrev" delay="0">
-                  <p:tgtEl>
-                    <p:sldTgt/>
-                  </p:tgtEl>
-                </p:cond>
-              </p:prevCondLst>
-              <p:nextCondLst>
-                <p:cond evt="onNext" delay="0">
-                  <p:tgtEl>
-                    <p:sldTgt/>
-                  </p:tgtEl>
-                </p:cond>
-              </p:nextCondLst>
-            </p:seq>
-          </p:childTnLst>
-        </p:cTn>
-      </p:par>
-    </p:tnLst>
-  </p:timing>
-</p:sld>
-</file>
-
-<file path=ppt/slides/slide24.xml><?xml version="1.0" encoding="utf-8"?>
-<p:sld xmlns:a="http://schemas.openxmlformats.org/drawingml/2006/main" xmlns:r="http://schemas.openxmlformats.org/officeDocument/2006/relationships" xmlns:p="http://schemas.openxmlformats.org/presentationml/2006/main">
-  <p:cSld>
-    <p:spTree>
-      <p:nvGrpSpPr>
-        <p:cNvPr id="1" name=""/>
-        <p:cNvGrpSpPr/>
-        <p:nvPr/>
-      </p:nvGrpSpPr>
-      <p:grpSpPr>
-        <a:xfrm>
-          <a:off x="0" y="0"/>
-          <a:ext cx="0" cy="0"/>
-          <a:chOff x="0" y="0"/>
-          <a:chExt cx="0" cy="0"/>
-        </a:xfrm>
-      </p:grpSpPr>
-      <p:pic>
-        <p:nvPicPr>
-          <p:cNvPr id="2" name="Picture 1"/>
-          <p:cNvPicPr>
-            <a:picLocks noChangeAspect="1"/>
-          </p:cNvPicPr>
-          <p:nvPr/>
-        </p:nvPicPr>
-        <p:blipFill>
-          <a:blip r:embed="rId3"/>
-          <a:stretch>
-            <a:fillRect/>
-          </a:stretch>
-        </p:blipFill>
-        <p:spPr>
-          <a:xfrm>
-            <a:off x="0" y="393700"/>
-            <a:ext cx="9144000" cy="6046470"/>
-          </a:xfrm>
-          <a:prstGeom prst="rect">
-            <a:avLst/>
-          </a:prstGeom>
-        </p:spPr>
-      </p:pic>
-    </p:spTree>
-    <p:extLst>
-      <p:ext uri="{BB962C8B-B14F-4D97-AF65-F5344CB8AC3E}">
-        <p14:creationId xmlns:p14="http://schemas.microsoft.com/office/powerpoint/2010/main" val="186980271"/>
-      </p:ext>
-    </p:extLst>
-  </p:cSld>
-  <p:clrMapOvr>
-    <a:masterClrMapping/>
-  </p:clrMapOvr>
-  <p:transition spd="med"/>
-  <p:timing>
-    <p:tnLst>
-      <p:par>
-        <p:cTn id="1" dur="indefinite" restart="never" nodeType="tmRoot">
-          <p:childTnLst>
-            <p:seq concurrent="1" nextAc="seek">
-              <p:cTn id="2" dur="0" nodeType="mainSeq"/>
-              <p:prevCondLst>
-                <p:cond evt="onPrev" delay="0">
-                  <p:tgtEl>
-                    <p:sldTgt/>
-                  </p:tgtEl>
-                </p:cond>
-              </p:prevCondLst>
-              <p:nextCondLst>
-                <p:cond evt="onNext" delay="0">
-                  <p:tgtEl>
-                    <p:sldTgt/>
-                  </p:tgtEl>
-                </p:cond>
-              </p:nextCondLst>
-            </p:seq>
-          </p:childTnLst>
-        </p:cTn>
-      </p:par>
-    </p:tnLst>
-  </p:timing>
-</p:sld>
-</file>
-
-<file path=ppt/slides/slide25.xml><?xml version="1.0" encoding="utf-8"?>
-<p:sld xmlns:a="http://schemas.openxmlformats.org/drawingml/2006/main" xmlns:r="http://schemas.openxmlformats.org/officeDocument/2006/relationships" xmlns:p="http://schemas.openxmlformats.org/presentationml/2006/main">
-  <p:cSld>
-    <p:spTree>
-      <p:nvGrpSpPr>
-        <p:cNvPr id="1" name=""/>
-        <p:cNvGrpSpPr/>
-        <p:nvPr/>
-      </p:nvGrpSpPr>
-      <p:grpSpPr>
-        <a:xfrm>
-          <a:off x="0" y="0"/>
-          <a:ext cx="0" cy="0"/>
-          <a:chOff x="0" y="0"/>
-          <a:chExt cx="0" cy="0"/>
-        </a:xfrm>
-      </p:grpSpPr>
-      <p:pic>
-        <p:nvPicPr>
-          <p:cNvPr id="4" name="Picture 3"/>
-          <p:cNvPicPr>
-            <a:picLocks noChangeAspect="1"/>
-          </p:cNvPicPr>
-          <p:nvPr/>
-        </p:nvPicPr>
-        <p:blipFill>
-          <a:blip r:embed="rId3"/>
-          <a:stretch>
-            <a:fillRect/>
-          </a:stretch>
-        </p:blipFill>
-        <p:spPr>
-          <a:xfrm>
-            <a:off x="0" y="1968500"/>
-            <a:ext cx="9144000" cy="2904024"/>
-          </a:xfrm>
-          <a:prstGeom prst="rect">
-            <a:avLst/>
-          </a:prstGeom>
-        </p:spPr>
-      </p:pic>
-    </p:spTree>
-    <p:extLst>
-      <p:ext uri="{BB962C8B-B14F-4D97-AF65-F5344CB8AC3E}">
-        <p14:creationId xmlns:p14="http://schemas.microsoft.com/office/powerpoint/2010/main" val="587873242"/>
-      </p:ext>
-    </p:extLst>
-  </p:cSld>
-  <p:clrMapOvr>
-    <a:masterClrMapping/>
-  </p:clrMapOvr>
-  <p:transition spd="med"/>
-  <p:timing>
-    <p:tnLst>
-      <p:par>
-        <p:cTn id="1" dur="indefinite" restart="never" nodeType="tmRoot">
-          <p:childTnLst>
-            <p:seq concurrent="1" nextAc="seek">
-              <p:cTn id="2" dur="0" nodeType="mainSeq"/>
-              <p:prevCondLst>
-                <p:cond evt="onPrev" delay="0">
-                  <p:tgtEl>
-                    <p:sldTgt/>
-                  </p:tgtEl>
-                </p:cond>
-              </p:prevCondLst>
-              <p:nextCondLst>
-                <p:cond evt="onNext" delay="0">
-                  <p:tgtEl>
-                    <p:sldTgt/>
-                  </p:tgtEl>
-                </p:cond>
-              </p:nextCondLst>
-            </p:seq>
-          </p:childTnLst>
-        </p:cTn>
-      </p:par>
-    </p:tnLst>
-  </p:timing>
-</p:sld>
-</file>
-
-<file path=ppt/slides/slide26.xml><?xml version="1.0" encoding="utf-8"?>
-<p:sld xmlns:a="http://schemas.openxmlformats.org/drawingml/2006/main" xmlns:r="http://schemas.openxmlformats.org/officeDocument/2006/relationships" xmlns:p="http://schemas.openxmlformats.org/presentationml/2006/main">
-  <p:cSld>
-    <p:spTree>
-      <p:nvGrpSpPr>
-        <p:cNvPr id="1" name=""/>
-        <p:cNvGrpSpPr/>
-        <p:nvPr/>
-      </p:nvGrpSpPr>
-      <p:grpSpPr>
-        <a:xfrm>
-          <a:off x="0" y="0"/>
-          <a:ext cx="0" cy="0"/>
-          <a:chOff x="0" y="0"/>
-          <a:chExt cx="0" cy="0"/>
-        </a:xfrm>
-      </p:grpSpPr>
-      <p:pic>
-        <p:nvPicPr>
-          <p:cNvPr id="2" name="Picture 1"/>
-          <p:cNvPicPr>
-            <a:picLocks noChangeAspect="1"/>
-          </p:cNvPicPr>
-          <p:nvPr/>
-        </p:nvPicPr>
-        <p:blipFill>
-          <a:blip r:embed="rId3"/>
-          <a:stretch>
-            <a:fillRect/>
-          </a:stretch>
-        </p:blipFill>
-        <p:spPr>
-          <a:xfrm>
-            <a:off x="1104900" y="0"/>
-            <a:ext cx="6910485" cy="6858000"/>
-          </a:xfrm>
-          <a:prstGeom prst="rect">
-            <a:avLst/>
-          </a:prstGeom>
-        </p:spPr>
-      </p:pic>
-    </p:spTree>
-    <p:extLst>
-      <p:ext uri="{BB962C8B-B14F-4D97-AF65-F5344CB8AC3E}">
-        <p14:creationId xmlns:p14="http://schemas.microsoft.com/office/powerpoint/2010/main" val="2064230643"/>
-      </p:ext>
-    </p:extLst>
-  </p:cSld>
-  <p:clrMapOvr>
-    <a:masterClrMapping/>
-  </p:clrMapOvr>
-  <p:transition spd="med"/>
-  <p:timing>
-    <p:tnLst>
-      <p:par>
-        <p:cTn id="1" dur="indefinite" restart="never" nodeType="tmRoot">
-          <p:childTnLst>
-            <p:seq concurrent="1" nextAc="seek">
-              <p:cTn id="2" dur="0" nodeType="mainSeq"/>
-              <p:prevCondLst>
-                <p:cond evt="onPrev" delay="0">
-                  <p:tgtEl>
-                    <p:sldTgt/>
-                  </p:tgtEl>
-                </p:cond>
-              </p:prevCondLst>
-              <p:nextCondLst>
-                <p:cond evt="onNext" delay="0">
-                  <p:tgtEl>
-                    <p:sldTgt/>
-                  </p:tgtEl>
-                </p:cond>
-              </p:nextCondLst>
-            </p:seq>
-          </p:childTnLst>
-        </p:cTn>
-      </p:par>
-    </p:tnLst>
-  </p:timing>
-</p:sld>
-</file>
-
-<file path=ppt/slides/slide27.xml><?xml version="1.0" encoding="utf-8"?>
-<p:sld xmlns:a="http://schemas.openxmlformats.org/drawingml/2006/main" xmlns:r="http://schemas.openxmlformats.org/officeDocument/2006/relationships" xmlns:p="http://schemas.openxmlformats.org/presentationml/2006/main">
-  <p:cSld>
-    <p:spTree>
-      <p:nvGrpSpPr>
-        <p:cNvPr id="1" name=""/>
-        <p:cNvGrpSpPr/>
-        <p:nvPr/>
-      </p:nvGrpSpPr>
-      <p:grpSpPr>
-        <a:xfrm>
-          <a:off x="0" y="0"/>
-          <a:ext cx="0" cy="0"/>
-          <a:chOff x="0" y="0"/>
-          <a:chExt cx="0" cy="0"/>
-        </a:xfrm>
-      </p:grpSpPr>
-      <p:pic>
-        <p:nvPicPr>
-          <p:cNvPr id="4" name="Picture 3"/>
-          <p:cNvPicPr>
-            <a:picLocks noChangeAspect="1"/>
-          </p:cNvPicPr>
-          <p:nvPr/>
-        </p:nvPicPr>
-        <p:blipFill>
-          <a:blip r:embed="rId3"/>
-          <a:stretch>
-            <a:fillRect/>
-          </a:stretch>
-        </p:blipFill>
-        <p:spPr>
-          <a:xfrm>
-            <a:off x="622300" y="0"/>
-            <a:ext cx="7879136" cy="6858000"/>
-          </a:xfrm>
-          <a:prstGeom prst="rect">
-            <a:avLst/>
-          </a:prstGeom>
-        </p:spPr>
-      </p:pic>
-    </p:spTree>
-    <p:extLst>
-      <p:ext uri="{BB962C8B-B14F-4D97-AF65-F5344CB8AC3E}">
-        <p14:creationId xmlns:p14="http://schemas.microsoft.com/office/powerpoint/2010/main" val="2142256303"/>
-      </p:ext>
-    </p:extLst>
-  </p:cSld>
-  <p:clrMapOvr>
-    <a:masterClrMapping/>
-  </p:clrMapOvr>
-  <p:transition spd="med"/>
-  <p:timing>
-    <p:tnLst>
-      <p:par>
-        <p:cTn id="1" dur="indefinite" restart="never" nodeType="tmRoot">
-          <p:childTnLst>
-            <p:seq concurrent="1" nextAc="seek">
-              <p:cTn id="2" dur="0" nodeType="mainSeq"/>
-              <p:prevCondLst>
-                <p:cond evt="onPrev" delay="0">
-                  <p:tgtEl>
-                    <p:sldTgt/>
-                  </p:tgtEl>
-                </p:cond>
-              </p:prevCondLst>
-              <p:nextCondLst>
-                <p:cond evt="onNext" delay="0">
-                  <p:tgtEl>
-                    <p:sldTgt/>
-                  </p:tgtEl>
-                </p:cond>
-              </p:nextCondLst>
-            </p:seq>
-          </p:childTnLst>
-        </p:cTn>
-      </p:par>
-    </p:tnLst>
-  </p:timing>
-</p:sld>
-</file>
-
-<file path=ppt/slides/slide28.xml><?xml version="1.0" encoding="utf-8"?>
-<p:sld xmlns:a="http://schemas.openxmlformats.org/drawingml/2006/main" xmlns:r="http://schemas.openxmlformats.org/officeDocument/2006/relationships" xmlns:p="http://schemas.openxmlformats.org/presentationml/2006/main">
-  <p:cSld>
-    <p:spTree>
-      <p:nvGrpSpPr>
-        <p:cNvPr id="1" name=""/>
-        <p:cNvGrpSpPr/>
-        <p:nvPr/>
-      </p:nvGrpSpPr>
-      <p:grpSpPr>
-        <a:xfrm>
-          <a:off x="0" y="0"/>
-          <a:ext cx="0" cy="0"/>
-          <a:chOff x="0" y="0"/>
-          <a:chExt cx="0" cy="0"/>
-        </a:xfrm>
-      </p:grpSpPr>
-      <p:pic>
-        <p:nvPicPr>
-          <p:cNvPr id="2" name="Picture 1"/>
-          <p:cNvPicPr>
-            <a:picLocks noChangeAspect="1"/>
-          </p:cNvPicPr>
-          <p:nvPr/>
-        </p:nvPicPr>
-        <p:blipFill>
-          <a:blip r:embed="rId2"/>
-          <a:stretch>
-            <a:fillRect/>
-          </a:stretch>
-        </p:blipFill>
-        <p:spPr>
-          <a:xfrm>
-            <a:off x="0" y="234315"/>
-            <a:ext cx="9144000" cy="6389370"/>
-          </a:xfrm>
-          <a:prstGeom prst="rect">
-            <a:avLst/>
-          </a:prstGeom>
-        </p:spPr>
-      </p:pic>
-    </p:spTree>
-    <p:extLst>
-      <p:ext uri="{BB962C8B-B14F-4D97-AF65-F5344CB8AC3E}">
-        <p14:creationId xmlns:p14="http://schemas.microsoft.com/office/powerpoint/2010/main" val="507724585"/>
-      </p:ext>
-    </p:extLst>
-  </p:cSld>
-  <p:clrMapOvr>
-    <a:masterClrMapping/>
-  </p:clrMapOvr>
-</p:sld>
-</file>
-
-<file path=ppt/slides/slide3.xml><?xml version="1.0" encoding="utf-8"?>
-<p:sld xmlns:a="http://schemas.openxmlformats.org/drawingml/2006/main" xmlns:r="http://schemas.openxmlformats.org/officeDocument/2006/relationships" xmlns:p="http://schemas.openxmlformats.org/presentationml/2006/main">
-  <p:cSld>
-    <p:spTree>
-      <p:nvGrpSpPr>
-        <p:cNvPr id="1" name=""/>
-        <p:cNvGrpSpPr/>
-        <p:nvPr/>
-      </p:nvGrpSpPr>
-      <p:grpSpPr>
-        <a:xfrm>
-          <a:off x="0" y="0"/>
-          <a:ext cx="0" cy="0"/>
-          <a:chOff x="0" y="0"/>
-          <a:chExt cx="0" cy="0"/>
-        </a:xfrm>
-      </p:grpSpPr>
-      <p:sp>
-        <p:nvSpPr>
-          <p:cNvPr id="2" name="Title 1"/>
-          <p:cNvSpPr>
-            <a:spLocks noGrp="1"/>
-          </p:cNvSpPr>
-          <p:nvPr>
-            <p:ph type="title"/>
-          </p:nvPr>
-        </p:nvSpPr>
-        <p:spPr/>
-        <p:txBody>
-          <a:bodyPr/>
-          <a:lstStyle/>
-          <a:p>
-            <a:r>
-              <a:rPr lang="en-US" dirty="0"/>
-              <a:t>Overview</a:t>
-            </a:r>
-          </a:p>
-        </p:txBody>
-      </p:sp>
-      <p:sp>
-        <p:nvSpPr>
-          <p:cNvPr id="3" name="Content Placeholder 2"/>
-          <p:cNvSpPr>
-            <a:spLocks noGrp="1"/>
-          </p:cNvSpPr>
-          <p:nvPr>
-            <p:ph idx="1"/>
-          </p:nvPr>
-        </p:nvSpPr>
-        <p:spPr/>
-        <p:txBody>
-          <a:bodyPr/>
-          <a:lstStyle/>
-          <a:p>
-            <a:pPr>
-              <a:spcBef>
-                <a:spcPts val="800"/>
-              </a:spcBef>
-              <a:buFont typeface="Arial" charset="0"/>
-              <a:buChar char="•"/>
-              <a:defRPr/>
-            </a:pPr>
-            <a:r>
-              <a:rPr lang="en-US" dirty="0">
-                <a:latin typeface="Calibri" charset="0"/>
-              </a:rPr>
-              <a:t>What is version control?</a:t>
-            </a:r>
-          </a:p>
-          <a:p>
-            <a:pPr>
-              <a:spcBef>
-                <a:spcPts val="800"/>
-              </a:spcBef>
-              <a:buFont typeface="Arial" charset="0"/>
-              <a:buChar char="•"/>
-              <a:defRPr/>
-            </a:pPr>
-            <a:r>
-              <a:rPr lang="en-US" dirty="0">
-                <a:latin typeface="Calibri" charset="0"/>
-              </a:rPr>
-              <a:t>Why do I need version control?</a:t>
-            </a:r>
-          </a:p>
-          <a:p>
-            <a:pPr>
-              <a:spcBef>
-                <a:spcPts val="800"/>
-              </a:spcBef>
-              <a:buFont typeface="Arial" charset="0"/>
-              <a:buChar char="•"/>
-              <a:defRPr/>
-            </a:pPr>
-            <a:r>
-              <a:rPr lang="en-US" dirty="0">
-                <a:latin typeface="Calibri" charset="0"/>
-              </a:rPr>
-              <a:t>What are </a:t>
-            </a:r>
-            <a:r>
-              <a:rPr lang="en-US" dirty="0" err="1">
-                <a:latin typeface="Calibri" charset="0"/>
-              </a:rPr>
-              <a:t>git</a:t>
-            </a:r>
-            <a:r>
-              <a:rPr lang="en-US" dirty="0">
-                <a:latin typeface="Calibri" charset="0"/>
-              </a:rPr>
-              <a:t> and GitHub?</a:t>
-            </a:r>
-          </a:p>
-          <a:p>
-            <a:pPr>
-              <a:spcBef>
-                <a:spcPts val="800"/>
-              </a:spcBef>
-              <a:buFont typeface="Arial" charset="0"/>
-              <a:buChar char="•"/>
-              <a:defRPr/>
-            </a:pPr>
-            <a:r>
-              <a:rPr lang="en-US" dirty="0">
-                <a:latin typeface="Calibri" charset="0"/>
-              </a:rPr>
-              <a:t>Hands-on guided tour</a:t>
-            </a:r>
-          </a:p>
-          <a:p>
-            <a:endParaRPr lang="en-US" dirty="0"/>
-          </a:p>
-        </p:txBody>
-      </p:sp>
-    </p:spTree>
-    <p:extLst>
-      <p:ext uri="{BB962C8B-B14F-4D97-AF65-F5344CB8AC3E}">
-        <p14:creationId xmlns:p14="http://schemas.microsoft.com/office/powerpoint/2010/main" val="3795621344"/>
-      </p:ext>
-    </p:extLst>
-  </p:cSld>
-  <p:clrMapOvr>
-    <a:masterClrMapping/>
-  </p:clrMapOvr>
-</p:sld>
-</file>
-
-<file path=ppt/slides/slide4.xml><?xml version="1.0" encoding="utf-8"?>
-<p:sld xmlns:a="http://schemas.openxmlformats.org/drawingml/2006/main" xmlns:r="http://schemas.openxmlformats.org/officeDocument/2006/relationships" xmlns:p="http://schemas.openxmlformats.org/presentationml/2006/main">
-  <p:cSld>
-    <p:spTree>
-      <p:nvGrpSpPr>
-        <p:cNvPr id="1" name=""/>
-        <p:cNvGrpSpPr/>
-        <p:nvPr/>
-      </p:nvGrpSpPr>
-      <p:grpSpPr>
-        <a:xfrm>
-          <a:off x="0" y="0"/>
-          <a:ext cx="0" cy="0"/>
-          <a:chOff x="0" y="0"/>
-          <a:chExt cx="0" cy="0"/>
-        </a:xfrm>
-      </p:grpSpPr>
-      <p:sp>
-        <p:nvSpPr>
-          <p:cNvPr id="2" name="Title 1"/>
-          <p:cNvSpPr>
-            <a:spLocks noGrp="1"/>
-          </p:cNvSpPr>
-          <p:nvPr>
-            <p:ph type="title"/>
-          </p:nvPr>
-        </p:nvSpPr>
-        <p:spPr/>
-        <p:txBody>
-          <a:bodyPr/>
-          <a:lstStyle/>
-          <a:p>
-            <a:r>
-              <a:rPr lang="en-US" dirty="0"/>
-              <a:t>What is version control?</a:t>
-            </a:r>
-          </a:p>
-        </p:txBody>
-      </p:sp>
-      <p:sp>
-        <p:nvSpPr>
-          <p:cNvPr id="3" name="Content Placeholder 2"/>
-          <p:cNvSpPr>
-            <a:spLocks noGrp="1"/>
-          </p:cNvSpPr>
-          <p:nvPr>
-            <p:ph idx="1"/>
-          </p:nvPr>
-        </p:nvSpPr>
-        <p:spPr/>
-        <p:txBody>
-          <a:bodyPr/>
-          <a:lstStyle/>
-          <a:p>
-            <a:pPr>
-              <a:spcBef>
-                <a:spcPts val="800"/>
-              </a:spcBef>
-              <a:buFont typeface="Arial" charset="0"/>
-              <a:buChar char="•"/>
-              <a:defRPr/>
-            </a:pPr>
-            <a:r>
-              <a:rPr lang="en-US" dirty="0">
-                <a:latin typeface="Calibri" charset="0"/>
-              </a:rPr>
-              <a:t>Writing a manuscript</a:t>
-            </a:r>
-            <a:r>
-              <a:rPr lang="is-IS" dirty="0">
-                <a:latin typeface="Calibri" charset="0"/>
-              </a:rPr>
-              <a:t>…</a:t>
-            </a:r>
-          </a:p>
-          <a:p>
-            <a:pPr lvl="1">
-              <a:spcBef>
-                <a:spcPts val="800"/>
-              </a:spcBef>
-              <a:buFont typeface="Arial" charset="0"/>
-              <a:buChar char="•"/>
-              <a:defRPr/>
-            </a:pPr>
-            <a:r>
-              <a:rPr lang="is-IS" sz="3200" dirty="0">
-                <a:latin typeface="Calibri" charset="0"/>
-              </a:rPr>
-              <a:t>Use undo to revert to a previous state</a:t>
-            </a:r>
-          </a:p>
-          <a:p>
-            <a:pPr lvl="1">
-              <a:spcBef>
-                <a:spcPts val="800"/>
-              </a:spcBef>
-              <a:buFont typeface="Arial" charset="0"/>
-              <a:buChar char="•"/>
-              <a:defRPr/>
-            </a:pPr>
-            <a:r>
-              <a:rPr lang="is-IS" sz="3200" dirty="0">
-                <a:latin typeface="Calibri" charset="0"/>
-              </a:rPr>
-              <a:t>Use track changes when sharing doc with your advisor</a:t>
-            </a:r>
-          </a:p>
-        </p:txBody>
-      </p:sp>
-    </p:spTree>
-    <p:extLst>
-      <p:ext uri="{BB962C8B-B14F-4D97-AF65-F5344CB8AC3E}">
-        <p14:creationId xmlns:p14="http://schemas.microsoft.com/office/powerpoint/2010/main" val="1500148518"/>
-      </p:ext>
-    </p:extLst>
-  </p:cSld>
-  <p:clrMapOvr>
-    <a:masterClrMapping/>
-  </p:clrMapOvr>
-</p:sld>
-</file>
-
-<file path=ppt/slides/slide5.xml><?xml version="1.0" encoding="utf-8"?>
-<p:sld xmlns:a="http://schemas.openxmlformats.org/drawingml/2006/main" xmlns:r="http://schemas.openxmlformats.org/officeDocument/2006/relationships" xmlns:p="http://schemas.openxmlformats.org/presentationml/2006/main">
-  <p:cSld>
-    <p:spTree>
-      <p:nvGrpSpPr>
-        <p:cNvPr id="1" name=""/>
-        <p:cNvGrpSpPr/>
-        <p:nvPr/>
-      </p:nvGrpSpPr>
-      <p:grpSpPr>
-        <a:xfrm>
-          <a:off x="0" y="0"/>
-          <a:ext cx="0" cy="0"/>
-          <a:chOff x="0" y="0"/>
-          <a:chExt cx="0" cy="0"/>
-        </a:xfrm>
-      </p:grpSpPr>
-      <p:sp>
-        <p:nvSpPr>
-          <p:cNvPr id="2" name="Title 1"/>
-          <p:cNvSpPr>
-            <a:spLocks noGrp="1"/>
-          </p:cNvSpPr>
-          <p:nvPr>
-            <p:ph type="title"/>
-          </p:nvPr>
-        </p:nvSpPr>
-        <p:spPr/>
-        <p:txBody>
-          <a:bodyPr/>
-          <a:lstStyle/>
-          <a:p>
-            <a:endParaRPr lang="en-US"/>
-          </a:p>
-        </p:txBody>
-      </p:sp>
-      <p:sp>
-        <p:nvSpPr>
-          <p:cNvPr id="3" name="Content Placeholder 2"/>
-          <p:cNvSpPr>
-            <a:spLocks noGrp="1"/>
-          </p:cNvSpPr>
-          <p:nvPr>
-            <p:ph idx="1"/>
-          </p:nvPr>
-        </p:nvSpPr>
-        <p:spPr/>
-        <p:txBody>
-          <a:bodyPr/>
-          <a:lstStyle/>
-          <a:p>
-            <a:endParaRPr lang="en-US"/>
-          </a:p>
-        </p:txBody>
-      </p:sp>
-      <p:pic>
-        <p:nvPicPr>
-          <p:cNvPr id="4" name="Picture 3"/>
-          <p:cNvPicPr>
-            <a:picLocks noChangeAspect="1"/>
-          </p:cNvPicPr>
-          <p:nvPr/>
-        </p:nvPicPr>
-        <p:blipFill>
-          <a:blip r:embed="rId2"/>
-          <a:stretch>
-            <a:fillRect/>
-          </a:stretch>
-        </p:blipFill>
-        <p:spPr>
-          <a:xfrm>
-            <a:off x="2000250" y="0"/>
-            <a:ext cx="5143500" cy="6858000"/>
-          </a:xfrm>
-          <a:prstGeom prst="rect">
-            <a:avLst/>
-          </a:prstGeom>
-        </p:spPr>
-      </p:pic>
-    </p:spTree>
-    <p:extLst>
-      <p:ext uri="{BB962C8B-B14F-4D97-AF65-F5344CB8AC3E}">
-        <p14:creationId xmlns:p14="http://schemas.microsoft.com/office/powerpoint/2010/main" val="1415314910"/>
-      </p:ext>
-    </p:extLst>
-  </p:cSld>
-  <p:clrMapOvr>
-    <a:masterClrMapping/>
-  </p:clrMapOvr>
-</p:sld>
-</file>
-
-<file path=ppt/slides/slide6.xml><?xml version="1.0" encoding="utf-8"?>
-<p:sld xmlns:a="http://schemas.openxmlformats.org/drawingml/2006/main" xmlns:r="http://schemas.openxmlformats.org/officeDocument/2006/relationships" xmlns:p="http://schemas.openxmlformats.org/presentationml/2006/main">
-  <p:cSld>
-    <p:spTree>
-      <p:nvGrpSpPr>
-        <p:cNvPr id="1" name=""/>
-        <p:cNvGrpSpPr/>
-        <p:nvPr/>
-      </p:nvGrpSpPr>
-      <p:grpSpPr>
-        <a:xfrm>
-          <a:off x="0" y="0"/>
-          <a:ext cx="0" cy="0"/>
-          <a:chOff x="0" y="0"/>
-          <a:chExt cx="0" cy="0"/>
-        </a:xfrm>
-      </p:grpSpPr>
-      <p:sp>
-        <p:nvSpPr>
-          <p:cNvPr id="2" name="Title 1"/>
-          <p:cNvSpPr>
-            <a:spLocks noGrp="1"/>
-          </p:cNvSpPr>
-          <p:nvPr>
-            <p:ph type="title"/>
-          </p:nvPr>
-        </p:nvSpPr>
-        <p:spPr/>
-        <p:txBody>
-          <a:bodyPr/>
-          <a:lstStyle/>
-          <a:p>
-            <a:r>
-              <a:rPr lang="en-US" dirty="0"/>
-              <a:t>What is version control</a:t>
-            </a:r>
-          </a:p>
-        </p:txBody>
-      </p:sp>
-      <p:sp>
-        <p:nvSpPr>
-          <p:cNvPr id="3" name="Content Placeholder 2"/>
-          <p:cNvSpPr>
-            <a:spLocks noGrp="1"/>
-          </p:cNvSpPr>
-          <p:nvPr>
-            <p:ph idx="1"/>
-          </p:nvPr>
-        </p:nvSpPr>
-        <p:spPr/>
-        <p:txBody>
-          <a:bodyPr/>
-          <a:lstStyle/>
-          <a:p>
-            <a:pPr>
-              <a:spcBef>
-                <a:spcPts val="800"/>
-              </a:spcBef>
-              <a:buFont typeface="Arial" charset="0"/>
-              <a:buChar char="•"/>
-              <a:defRPr/>
-            </a:pPr>
-            <a:r>
-              <a:rPr lang="is-IS" dirty="0">
-                <a:latin typeface="Calibri" charset="0"/>
-              </a:rPr>
-              <a:t>Version control is like a combination of undo and track changes for your code</a:t>
-            </a:r>
-          </a:p>
-          <a:p>
-            <a:pPr lvl="1">
-              <a:spcBef>
-                <a:spcPts val="800"/>
-              </a:spcBef>
-              <a:buFont typeface="Arial" charset="0"/>
-              <a:buChar char="•"/>
-              <a:defRPr/>
-            </a:pPr>
-            <a:r>
-              <a:rPr lang="is-IS" sz="3200" dirty="0">
-                <a:latin typeface="Calibri" charset="0"/>
-              </a:rPr>
-              <a:t>You can revert to previous versions of code</a:t>
-            </a:r>
-          </a:p>
-          <a:p>
-            <a:pPr lvl="1">
-              <a:spcBef>
-                <a:spcPts val="800"/>
-              </a:spcBef>
-              <a:buFont typeface="Arial" charset="0"/>
-              <a:buChar char="•"/>
-              <a:defRPr/>
-            </a:pPr>
-            <a:r>
-              <a:rPr lang="is-IS" sz="3200" dirty="0">
-                <a:latin typeface="Calibri" charset="0"/>
-              </a:rPr>
-              <a:t>You can easily identify who contributed what</a:t>
-            </a:r>
-          </a:p>
-          <a:p>
-            <a:pPr lvl="1">
-              <a:spcBef>
-                <a:spcPts val="800"/>
-              </a:spcBef>
-              <a:buFont typeface="Arial" charset="0"/>
-              <a:buChar char="•"/>
-              <a:defRPr/>
-            </a:pPr>
-            <a:endParaRPr lang="is-IS" sz="3200" dirty="0">
-              <a:latin typeface="Calibri" charset="0"/>
-            </a:endParaRPr>
-          </a:p>
-          <a:p>
-            <a:pPr lvl="1">
-              <a:spcBef>
-                <a:spcPts val="800"/>
-              </a:spcBef>
-              <a:buFont typeface="Arial" charset="0"/>
-              <a:buChar char="•"/>
-              <a:defRPr/>
-            </a:pPr>
-            <a:r>
-              <a:rPr lang="is-IS" sz="3200" dirty="0">
-                <a:latin typeface="Calibri" charset="0"/>
-              </a:rPr>
-              <a:t>Version control is about tracking versions of code and developing software with people</a:t>
-            </a:r>
-            <a:endParaRPr lang="en-US" sz="3200" dirty="0">
-              <a:latin typeface="Calibri" charset="0"/>
-            </a:endParaRPr>
-          </a:p>
-          <a:p>
-            <a:endParaRPr lang="en-US" dirty="0"/>
-          </a:p>
-        </p:txBody>
-      </p:sp>
-    </p:spTree>
-    <p:extLst>
-      <p:ext uri="{BB962C8B-B14F-4D97-AF65-F5344CB8AC3E}">
-        <p14:creationId xmlns:p14="http://schemas.microsoft.com/office/powerpoint/2010/main" val="1380445033"/>
-      </p:ext>
-    </p:extLst>
-  </p:cSld>
-  <p:clrMapOvr>
-    <a:masterClrMapping/>
-  </p:clrMapOvr>
-</p:sld>
-</file>
-
-<file path=ppt/slides/slide7.xml><?xml version="1.0" encoding="utf-8"?>
-<p:sld xmlns:a="http://schemas.openxmlformats.org/drawingml/2006/main" xmlns:r="http://schemas.openxmlformats.org/officeDocument/2006/relationships" xmlns:p="http://schemas.openxmlformats.org/presentationml/2006/main">
-  <p:cSld>
-    <p:spTree>
-      <p:nvGrpSpPr>
-        <p:cNvPr id="1" name=""/>
-        <p:cNvGrpSpPr/>
-        <p:nvPr/>
-      </p:nvGrpSpPr>
-      <p:grpSpPr>
-        <a:xfrm>
-          <a:off x="0" y="0"/>
-          <a:ext cx="0" cy="0"/>
-          <a:chOff x="0" y="0"/>
-          <a:chExt cx="0" cy="0"/>
-        </a:xfrm>
-      </p:grpSpPr>
-      <p:sp>
-        <p:nvSpPr>
-          <p:cNvPr id="2" name="Title 1"/>
-          <p:cNvSpPr>
-            <a:spLocks noGrp="1"/>
-          </p:cNvSpPr>
-          <p:nvPr>
-            <p:ph type="title"/>
-          </p:nvPr>
-        </p:nvSpPr>
-        <p:spPr/>
-        <p:txBody>
-          <a:bodyPr/>
-          <a:lstStyle/>
-          <a:p>
-            <a:r>
-              <a:rPr lang="en-US" dirty="0"/>
-              <a:t>What is version control?</a:t>
-            </a:r>
-          </a:p>
-        </p:txBody>
-      </p:sp>
-      <p:pic>
-        <p:nvPicPr>
-          <p:cNvPr id="4" name="Content Placeholder 3"/>
-          <p:cNvPicPr>
-            <a:picLocks noGrp="1" noChangeAspect="1"/>
-          </p:cNvPicPr>
-          <p:nvPr>
-            <p:ph idx="1"/>
-          </p:nvPr>
-        </p:nvPicPr>
-        <p:blipFill>
-          <a:blip r:embed="rId2"/>
-          <a:stretch>
-            <a:fillRect/>
-          </a:stretch>
-        </p:blipFill>
-        <p:spPr>
-          <a:xfrm>
-            <a:off x="895350" y="2820987"/>
-            <a:ext cx="7353300" cy="2616200"/>
-          </a:xfrm>
-          <a:prstGeom prst="rect">
-            <a:avLst/>
-          </a:prstGeom>
-        </p:spPr>
-      </p:pic>
-    </p:spTree>
-    <p:extLst>
-      <p:ext uri="{BB962C8B-B14F-4D97-AF65-F5344CB8AC3E}">
-        <p14:creationId xmlns:p14="http://schemas.microsoft.com/office/powerpoint/2010/main" val="1249623642"/>
-      </p:ext>
-    </p:extLst>
-  </p:cSld>
-  <p:clrMapOvr>
-    <a:masterClrMapping/>
-  </p:clrMapOvr>
-</p:sld>
-</file>
-
-<file path=ppt/slides/slide8.xml><?xml version="1.0" encoding="utf-8"?>
-<p:sld xmlns:a="http://schemas.openxmlformats.org/drawingml/2006/main" xmlns:r="http://schemas.openxmlformats.org/officeDocument/2006/relationships" xmlns:p="http://schemas.openxmlformats.org/presentationml/2006/main">
-  <p:cSld>
-    <p:spTree>
-      <p:nvGrpSpPr>
-        <p:cNvPr id="1" name=""/>
-        <p:cNvGrpSpPr/>
-        <p:nvPr/>
-      </p:nvGrpSpPr>
-      <p:grpSpPr>
-        <a:xfrm>
-          <a:off x="0" y="0"/>
-          <a:ext cx="0" cy="0"/>
-          <a:chOff x="0" y="0"/>
-          <a:chExt cx="0" cy="0"/>
-        </a:xfrm>
-      </p:grpSpPr>
-      <p:sp>
-        <p:nvSpPr>
-          <p:cNvPr id="2" name="Title 1"/>
-          <p:cNvSpPr>
-            <a:spLocks noGrp="1"/>
-          </p:cNvSpPr>
-          <p:nvPr>
-            <p:ph type="title"/>
-          </p:nvPr>
-        </p:nvSpPr>
-        <p:spPr/>
-        <p:txBody>
-          <a:bodyPr/>
-          <a:lstStyle/>
-          <a:p>
-            <a:r>
-              <a:rPr lang="en-US" dirty="0"/>
-              <a:t>Why do I need version control?</a:t>
-            </a:r>
-          </a:p>
-        </p:txBody>
-      </p:sp>
-      <p:sp>
-        <p:nvSpPr>
-          <p:cNvPr id="3" name="Content Placeholder 2"/>
-          <p:cNvSpPr>
-            <a:spLocks noGrp="1"/>
-          </p:cNvSpPr>
-          <p:nvPr>
-            <p:ph idx="1"/>
-          </p:nvPr>
-        </p:nvSpPr>
-        <p:spPr/>
-        <p:txBody>
-          <a:bodyPr/>
-          <a:lstStyle/>
-          <a:p>
             <a:pPr>
               <a:spcBef>
                 <a:spcPts val="800"/>
@@ -8812,7 +6203,7 @@
           <a:effectLst/>
           <a:extLst>
             <a:ext uri="{AF507438-7753-43e0-B8FC-AC1667EBCBE1}">
-              <a14:hiddenEffects xmlns:a14="http://schemas.microsoft.com/office/drawing/2010/main" xmlns="">
+              <a14:hiddenEffects xmlns="" xmlns:a14="http://schemas.microsoft.com/office/drawing/2010/main">
                 <a:effectLst>
                   <a:outerShdw blurRad="63500" dist="38099" dir="2700000" algn="ctr" rotWithShape="0">
                     <a:schemeClr val="bg2">
@@ -8913,6 +6304,3491 @@
 </p:sld>
 </file>
 
+<file path=ppt/slides/slide11.xml><?xml version="1.0" encoding="utf-8"?>
+<p:sld xmlns:a="http://schemas.openxmlformats.org/drawingml/2006/main" xmlns:r="http://schemas.openxmlformats.org/officeDocument/2006/relationships" xmlns:p="http://schemas.openxmlformats.org/presentationml/2006/main">
+  <p:cSld>
+    <p:spTree>
+      <p:nvGrpSpPr>
+        <p:cNvPr id="1" name=""/>
+        <p:cNvGrpSpPr/>
+        <p:nvPr/>
+      </p:nvGrpSpPr>
+      <p:grpSpPr>
+        <a:xfrm>
+          <a:off x="0" y="0"/>
+          <a:ext cx="0" cy="0"/>
+          <a:chOff x="0" y="0"/>
+          <a:chExt cx="0" cy="0"/>
+        </a:xfrm>
+      </p:grpSpPr>
+      <p:sp>
+        <p:nvSpPr>
+          <p:cNvPr id="2" name="Title 1"/>
+          <p:cNvSpPr>
+            <a:spLocks noGrp="1"/>
+          </p:cNvSpPr>
+          <p:nvPr>
+            <p:ph type="title"/>
+          </p:nvPr>
+        </p:nvSpPr>
+        <p:spPr/>
+        <p:txBody>
+          <a:bodyPr/>
+          <a:lstStyle/>
+          <a:p>
+            <a:r>
+              <a:rPr lang="en-US" dirty="0"/>
+              <a:t>Why do I need version control?</a:t>
+            </a:r>
+          </a:p>
+        </p:txBody>
+      </p:sp>
+      <p:sp>
+        <p:nvSpPr>
+          <p:cNvPr id="3" name="Content Placeholder 2"/>
+          <p:cNvSpPr>
+            <a:spLocks noGrp="1"/>
+          </p:cNvSpPr>
+          <p:nvPr>
+            <p:ph idx="1"/>
+          </p:nvPr>
+        </p:nvSpPr>
+        <p:spPr/>
+        <p:txBody>
+          <a:bodyPr/>
+          <a:lstStyle/>
+          <a:p>
+            <a:pPr>
+              <a:spcBef>
+                <a:spcPts val="800"/>
+              </a:spcBef>
+              <a:buFont typeface="Arial" charset="0"/>
+              <a:buChar char="•"/>
+              <a:defRPr/>
+            </a:pPr>
+            <a:r>
+              <a:rPr lang="en-US" dirty="0">
+                <a:latin typeface="Calibri" charset="0"/>
+              </a:rPr>
+              <a:t>You are developing software with other people</a:t>
+            </a:r>
+          </a:p>
+          <a:p>
+            <a:pPr lvl="1">
+              <a:spcBef>
+                <a:spcPts val="800"/>
+              </a:spcBef>
+              <a:buFont typeface="Arial" charset="0"/>
+              <a:buChar char="•"/>
+              <a:defRPr/>
+            </a:pPr>
+            <a:r>
+              <a:rPr lang="en-US" sz="3200" dirty="0">
+                <a:latin typeface="Calibri" charset="0"/>
+              </a:rPr>
+              <a:t>You want to be able to identify and resolve conflicts during code development</a:t>
+            </a:r>
+          </a:p>
+          <a:p>
+            <a:pPr lvl="2">
+              <a:spcBef>
+                <a:spcPts val="800"/>
+              </a:spcBef>
+              <a:buFont typeface="Arial" charset="0"/>
+              <a:buChar char="•"/>
+              <a:defRPr/>
+            </a:pPr>
+            <a:r>
+              <a:rPr lang="en-US" sz="3200" dirty="0">
+                <a:latin typeface="Calibri" charset="0"/>
+              </a:rPr>
+              <a:t>Two people working on the same function at the same time</a:t>
+            </a:r>
+          </a:p>
+          <a:p>
+            <a:pPr lvl="1">
+              <a:spcBef>
+                <a:spcPts val="800"/>
+              </a:spcBef>
+              <a:buFont typeface="Arial" charset="0"/>
+              <a:buChar char="•"/>
+              <a:defRPr/>
+            </a:pPr>
+            <a:r>
+              <a:rPr lang="en-US" sz="3200" dirty="0">
+                <a:latin typeface="Calibri" charset="0"/>
+              </a:rPr>
+              <a:t>You need to be able to identify who is responsible for what pieces of code</a:t>
+            </a:r>
+          </a:p>
+          <a:p>
+            <a:pPr lvl="2">
+              <a:spcBef>
+                <a:spcPts val="800"/>
+              </a:spcBef>
+              <a:buFont typeface="Arial" charset="0"/>
+              <a:buChar char="•"/>
+              <a:defRPr/>
+            </a:pPr>
+            <a:endParaRPr lang="en-US" sz="3200" dirty="0">
+              <a:latin typeface="Calibri" charset="0"/>
+            </a:endParaRPr>
+          </a:p>
+          <a:p>
+            <a:endParaRPr lang="en-US" dirty="0"/>
+          </a:p>
+        </p:txBody>
+      </p:sp>
+    </p:spTree>
+    <p:extLst>
+      <p:ext uri="{BB962C8B-B14F-4D97-AF65-F5344CB8AC3E}">
+        <p14:creationId xmlns:p14="http://schemas.microsoft.com/office/powerpoint/2010/main" val="99088052"/>
+      </p:ext>
+    </p:extLst>
+  </p:cSld>
+  <p:clrMapOvr>
+    <a:masterClrMapping/>
+  </p:clrMapOvr>
+</p:sld>
+</file>
+
+<file path=ppt/slides/slide12.xml><?xml version="1.0" encoding="utf-8"?>
+<p:sld xmlns:a="http://schemas.openxmlformats.org/drawingml/2006/main" xmlns:r="http://schemas.openxmlformats.org/officeDocument/2006/relationships" xmlns:p="http://schemas.openxmlformats.org/presentationml/2006/main">
+  <p:cSld>
+    <p:spTree>
+      <p:nvGrpSpPr>
+        <p:cNvPr id="1" name=""/>
+        <p:cNvGrpSpPr/>
+        <p:nvPr/>
+      </p:nvGrpSpPr>
+      <p:grpSpPr>
+        <a:xfrm>
+          <a:off x="0" y="0"/>
+          <a:ext cx="0" cy="0"/>
+          <a:chOff x="0" y="0"/>
+          <a:chExt cx="0" cy="0"/>
+        </a:xfrm>
+      </p:grpSpPr>
+      <p:sp>
+        <p:nvSpPr>
+          <p:cNvPr id="2" name="Title 1"/>
+          <p:cNvSpPr>
+            <a:spLocks noGrp="1"/>
+          </p:cNvSpPr>
+          <p:nvPr>
+            <p:ph type="title"/>
+          </p:nvPr>
+        </p:nvSpPr>
+        <p:spPr/>
+        <p:txBody>
+          <a:bodyPr/>
+          <a:lstStyle/>
+          <a:p>
+            <a:r>
+              <a:rPr lang="en-US" dirty="0"/>
+              <a:t>Why do I need version control?</a:t>
+            </a:r>
+          </a:p>
+        </p:txBody>
+      </p:sp>
+      <p:sp>
+        <p:nvSpPr>
+          <p:cNvPr id="3" name="Content Placeholder 2"/>
+          <p:cNvSpPr>
+            <a:spLocks noGrp="1"/>
+          </p:cNvSpPr>
+          <p:nvPr>
+            <p:ph idx="1"/>
+          </p:nvPr>
+        </p:nvSpPr>
+        <p:spPr/>
+        <p:txBody>
+          <a:bodyPr/>
+          <a:lstStyle/>
+          <a:p>
+            <a:endParaRPr lang="en-US"/>
+          </a:p>
+        </p:txBody>
+      </p:sp>
+      <p:pic>
+        <p:nvPicPr>
+          <p:cNvPr id="4" name="Picture 3"/>
+          <p:cNvPicPr>
+            <a:picLocks noChangeAspect="1"/>
+          </p:cNvPicPr>
+          <p:nvPr/>
+        </p:nvPicPr>
+        <p:blipFill>
+          <a:blip r:embed="rId2"/>
+          <a:stretch>
+            <a:fillRect/>
+          </a:stretch>
+        </p:blipFill>
+        <p:spPr>
+          <a:xfrm>
+            <a:off x="2254250" y="1747536"/>
+            <a:ext cx="4635500" cy="4762500"/>
+          </a:xfrm>
+          <a:prstGeom prst="rect">
+            <a:avLst/>
+          </a:prstGeom>
+        </p:spPr>
+      </p:pic>
+    </p:spTree>
+    <p:extLst>
+      <p:ext uri="{BB962C8B-B14F-4D97-AF65-F5344CB8AC3E}">
+        <p14:creationId xmlns:p14="http://schemas.microsoft.com/office/powerpoint/2010/main" val="261644260"/>
+      </p:ext>
+    </p:extLst>
+  </p:cSld>
+  <p:clrMapOvr>
+    <a:masterClrMapping/>
+  </p:clrMapOvr>
+</p:sld>
+</file>
+
+<file path=ppt/slides/slide13.xml><?xml version="1.0" encoding="utf-8"?>
+<p:sld xmlns:a="http://schemas.openxmlformats.org/drawingml/2006/main" xmlns:r="http://schemas.openxmlformats.org/officeDocument/2006/relationships" xmlns:p="http://schemas.openxmlformats.org/presentationml/2006/main">
+  <p:cSld>
+    <p:spTree>
+      <p:nvGrpSpPr>
+        <p:cNvPr id="1" name=""/>
+        <p:cNvGrpSpPr/>
+        <p:nvPr/>
+      </p:nvGrpSpPr>
+      <p:grpSpPr>
+        <a:xfrm>
+          <a:off x="0" y="0"/>
+          <a:ext cx="0" cy="0"/>
+          <a:chOff x="0" y="0"/>
+          <a:chExt cx="0" cy="0"/>
+        </a:xfrm>
+      </p:grpSpPr>
+      <p:sp>
+        <p:nvSpPr>
+          <p:cNvPr id="2" name="Title 1"/>
+          <p:cNvSpPr>
+            <a:spLocks noGrp="1"/>
+          </p:cNvSpPr>
+          <p:nvPr>
+            <p:ph type="title"/>
+          </p:nvPr>
+        </p:nvSpPr>
+        <p:spPr/>
+        <p:txBody>
+          <a:bodyPr/>
+          <a:lstStyle/>
+          <a:p>
+            <a:r>
+              <a:rPr lang="en-US" dirty="0"/>
+              <a:t>Why do I need version control?</a:t>
+            </a:r>
+          </a:p>
+        </p:txBody>
+      </p:sp>
+      <p:sp>
+        <p:nvSpPr>
+          <p:cNvPr id="3" name="Content Placeholder 2"/>
+          <p:cNvSpPr>
+            <a:spLocks noGrp="1"/>
+          </p:cNvSpPr>
+          <p:nvPr>
+            <p:ph idx="1"/>
+          </p:nvPr>
+        </p:nvSpPr>
+        <p:spPr/>
+        <p:txBody>
+          <a:bodyPr/>
+          <a:lstStyle/>
+          <a:p>
+            <a:endParaRPr lang="en-US"/>
+          </a:p>
+        </p:txBody>
+      </p:sp>
+      <p:pic>
+        <p:nvPicPr>
+          <p:cNvPr id="4" name="Picture 3"/>
+          <p:cNvPicPr>
+            <a:picLocks noChangeAspect="1"/>
+          </p:cNvPicPr>
+          <p:nvPr/>
+        </p:nvPicPr>
+        <p:blipFill>
+          <a:blip r:embed="rId2"/>
+          <a:stretch>
+            <a:fillRect/>
+          </a:stretch>
+        </p:blipFill>
+        <p:spPr>
+          <a:xfrm>
+            <a:off x="2133600" y="1717072"/>
+            <a:ext cx="4876800" cy="4940300"/>
+          </a:xfrm>
+          <a:prstGeom prst="rect">
+            <a:avLst/>
+          </a:prstGeom>
+        </p:spPr>
+      </p:pic>
+      <p:sp>
+        <p:nvSpPr>
+          <p:cNvPr id="5" name="TextBox 4"/>
+          <p:cNvSpPr txBox="1"/>
+          <p:nvPr/>
+        </p:nvSpPr>
+        <p:spPr>
+          <a:xfrm>
+            <a:off x="1219200" y="2364772"/>
+            <a:ext cx="868597" cy="461665"/>
+          </a:xfrm>
+          <a:prstGeom prst="rect">
+            <a:avLst/>
+          </a:prstGeom>
+          <a:noFill/>
+        </p:spPr>
+        <p:txBody>
+          <a:bodyPr wrap="none" rtlCol="0">
+            <a:spAutoFit/>
+          </a:bodyPr>
+          <a:lstStyle/>
+          <a:p>
+            <a:r>
+              <a:rPr lang="en-US" dirty="0">
+                <a:solidFill>
+                  <a:schemeClr val="tx1"/>
+                </a:solidFill>
+              </a:rPr>
+              <a:t>Mary</a:t>
+            </a:r>
+          </a:p>
+        </p:txBody>
+      </p:sp>
+      <p:sp>
+        <p:nvSpPr>
+          <p:cNvPr id="6" name="TextBox 5"/>
+          <p:cNvSpPr txBox="1"/>
+          <p:nvPr/>
+        </p:nvSpPr>
+        <p:spPr>
+          <a:xfrm>
+            <a:off x="1219200" y="4650772"/>
+            <a:ext cx="864590" cy="461665"/>
+          </a:xfrm>
+          <a:prstGeom prst="rect">
+            <a:avLst/>
+          </a:prstGeom>
+          <a:noFill/>
+        </p:spPr>
+        <p:txBody>
+          <a:bodyPr wrap="none" rtlCol="0">
+            <a:spAutoFit/>
+          </a:bodyPr>
+          <a:lstStyle/>
+          <a:p>
+            <a:r>
+              <a:rPr lang="en-US" dirty="0">
+                <a:solidFill>
+                  <a:schemeClr val="tx1"/>
+                </a:solidFill>
+              </a:rPr>
+              <a:t>Alice</a:t>
+            </a:r>
+          </a:p>
+        </p:txBody>
+      </p:sp>
+    </p:spTree>
+    <p:extLst>
+      <p:ext uri="{BB962C8B-B14F-4D97-AF65-F5344CB8AC3E}">
+        <p14:creationId xmlns:p14="http://schemas.microsoft.com/office/powerpoint/2010/main" val="594885862"/>
+      </p:ext>
+    </p:extLst>
+  </p:cSld>
+  <p:clrMapOvr>
+    <a:masterClrMapping/>
+  </p:clrMapOvr>
+</p:sld>
+</file>
+
+<file path=ppt/slides/slide14.xml><?xml version="1.0" encoding="utf-8"?>
+<p:sld xmlns:a="http://schemas.openxmlformats.org/drawingml/2006/main" xmlns:r="http://schemas.openxmlformats.org/officeDocument/2006/relationships" xmlns:p="http://schemas.openxmlformats.org/presentationml/2006/main">
+  <p:cSld>
+    <p:spTree>
+      <p:nvGrpSpPr>
+        <p:cNvPr id="1" name=""/>
+        <p:cNvGrpSpPr/>
+        <p:nvPr/>
+      </p:nvGrpSpPr>
+      <p:grpSpPr>
+        <a:xfrm>
+          <a:off x="0" y="0"/>
+          <a:ext cx="0" cy="0"/>
+          <a:chOff x="0" y="0"/>
+          <a:chExt cx="0" cy="0"/>
+        </a:xfrm>
+      </p:grpSpPr>
+      <p:sp>
+        <p:nvSpPr>
+          <p:cNvPr id="2" name="Title 1"/>
+          <p:cNvSpPr>
+            <a:spLocks noGrp="1"/>
+          </p:cNvSpPr>
+          <p:nvPr>
+            <p:ph type="title"/>
+          </p:nvPr>
+        </p:nvSpPr>
+        <p:spPr/>
+        <p:txBody>
+          <a:bodyPr/>
+          <a:lstStyle/>
+          <a:p>
+            <a:r>
+              <a:rPr lang="en-US" dirty="0"/>
+              <a:t>Why else?</a:t>
+            </a:r>
+          </a:p>
+        </p:txBody>
+      </p:sp>
+      <p:sp>
+        <p:nvSpPr>
+          <p:cNvPr id="3" name="Content Placeholder 2"/>
+          <p:cNvSpPr>
+            <a:spLocks noGrp="1"/>
+          </p:cNvSpPr>
+          <p:nvPr>
+            <p:ph idx="1"/>
+          </p:nvPr>
+        </p:nvSpPr>
+        <p:spPr/>
+        <p:txBody>
+          <a:bodyPr/>
+          <a:lstStyle/>
+          <a:p>
+            <a:pPr>
+              <a:spcBef>
+                <a:spcPts val="800"/>
+              </a:spcBef>
+              <a:buFont typeface="Arial" charset="0"/>
+              <a:buChar char="•"/>
+              <a:defRPr/>
+            </a:pPr>
+            <a:r>
+              <a:rPr lang="en-US" dirty="0">
+                <a:latin typeface="Calibri" charset="0"/>
+              </a:rPr>
+              <a:t>You want a job</a:t>
+            </a:r>
+          </a:p>
+          <a:p>
+            <a:pPr lvl="1">
+              <a:spcBef>
+                <a:spcPts val="800"/>
+              </a:spcBef>
+              <a:buFont typeface="Arial" charset="0"/>
+              <a:buChar char="•"/>
+              <a:defRPr/>
+            </a:pPr>
+            <a:r>
+              <a:rPr lang="en-US" sz="3200" dirty="0">
+                <a:latin typeface="Calibri" charset="0"/>
+              </a:rPr>
+              <a:t>No one will hire a software developer that doesn’t know how to use version control</a:t>
+            </a:r>
+          </a:p>
+          <a:p>
+            <a:endParaRPr lang="en-US" dirty="0"/>
+          </a:p>
+        </p:txBody>
+      </p:sp>
+    </p:spTree>
+    <p:extLst>
+      <p:ext uri="{BB962C8B-B14F-4D97-AF65-F5344CB8AC3E}">
+        <p14:creationId xmlns:p14="http://schemas.microsoft.com/office/powerpoint/2010/main" val="591837602"/>
+      </p:ext>
+    </p:extLst>
+  </p:cSld>
+  <p:clrMapOvr>
+    <a:masterClrMapping/>
+  </p:clrMapOvr>
+</p:sld>
+</file>
+
+<file path=ppt/slides/slide15.xml><?xml version="1.0" encoding="utf-8"?>
+<p:sld xmlns:a="http://schemas.openxmlformats.org/drawingml/2006/main" xmlns:r="http://schemas.openxmlformats.org/officeDocument/2006/relationships" xmlns:p="http://schemas.openxmlformats.org/presentationml/2006/main">
+  <p:cSld>
+    <p:spTree>
+      <p:nvGrpSpPr>
+        <p:cNvPr id="1" name=""/>
+        <p:cNvGrpSpPr/>
+        <p:nvPr/>
+      </p:nvGrpSpPr>
+      <p:grpSpPr>
+        <a:xfrm>
+          <a:off x="0" y="0"/>
+          <a:ext cx="0" cy="0"/>
+          <a:chOff x="0" y="0"/>
+          <a:chExt cx="0" cy="0"/>
+        </a:xfrm>
+      </p:grpSpPr>
+      <p:sp>
+        <p:nvSpPr>
+          <p:cNvPr id="2" name="Title 1"/>
+          <p:cNvSpPr>
+            <a:spLocks noGrp="1"/>
+          </p:cNvSpPr>
+          <p:nvPr>
+            <p:ph type="title"/>
+          </p:nvPr>
+        </p:nvSpPr>
+        <p:spPr/>
+        <p:txBody>
+          <a:bodyPr/>
+          <a:lstStyle/>
+          <a:p>
+            <a:r>
+              <a:rPr lang="en-US" dirty="0"/>
+              <a:t>What is </a:t>
+            </a:r>
+            <a:r>
+              <a:rPr lang="en-US" dirty="0" err="1"/>
+              <a:t>git</a:t>
+            </a:r>
+            <a:r>
+              <a:rPr lang="en-US" dirty="0"/>
+              <a:t>?</a:t>
+            </a:r>
+          </a:p>
+        </p:txBody>
+      </p:sp>
+      <p:sp>
+        <p:nvSpPr>
+          <p:cNvPr id="3" name="Content Placeholder 2"/>
+          <p:cNvSpPr>
+            <a:spLocks noGrp="1"/>
+          </p:cNvSpPr>
+          <p:nvPr>
+            <p:ph idx="1"/>
+          </p:nvPr>
+        </p:nvSpPr>
+        <p:spPr/>
+        <p:txBody>
+          <a:bodyPr/>
+          <a:lstStyle/>
+          <a:p>
+            <a:pPr>
+              <a:spcBef>
+                <a:spcPts val="800"/>
+              </a:spcBef>
+              <a:buFont typeface="Arial" charset="0"/>
+              <a:buChar char="•"/>
+              <a:defRPr/>
+            </a:pPr>
+            <a:r>
+              <a:rPr lang="en-US" dirty="0" err="1">
+                <a:latin typeface="Calibri" charset="0"/>
+              </a:rPr>
+              <a:t>Git</a:t>
+            </a:r>
+            <a:r>
+              <a:rPr lang="en-US" dirty="0">
+                <a:latin typeface="Calibri" charset="0"/>
+              </a:rPr>
+              <a:t> is the most popular version control software</a:t>
+            </a:r>
+          </a:p>
+          <a:p>
+            <a:pPr>
+              <a:spcBef>
+                <a:spcPts val="800"/>
+              </a:spcBef>
+              <a:buFont typeface="Arial" charset="0"/>
+              <a:buChar char="•"/>
+              <a:defRPr/>
+            </a:pPr>
+            <a:r>
+              <a:rPr lang="en-US" dirty="0" err="1">
+                <a:latin typeface="Calibri" charset="0"/>
+              </a:rPr>
+              <a:t>Git</a:t>
+            </a:r>
+            <a:r>
+              <a:rPr lang="en-US" dirty="0">
+                <a:latin typeface="Calibri" charset="0"/>
+              </a:rPr>
+              <a:t> is open source</a:t>
+            </a:r>
+          </a:p>
+          <a:p>
+            <a:pPr>
+              <a:spcBef>
+                <a:spcPts val="800"/>
+              </a:spcBef>
+              <a:buFont typeface="Arial" charset="0"/>
+              <a:buChar char="•"/>
+              <a:defRPr/>
+            </a:pPr>
+            <a:r>
+              <a:rPr lang="en-US" dirty="0" err="1">
+                <a:latin typeface="Calibri" charset="0"/>
+              </a:rPr>
+              <a:t>Git</a:t>
+            </a:r>
+            <a:r>
+              <a:rPr lang="en-US" dirty="0">
+                <a:latin typeface="Calibri" charset="0"/>
+              </a:rPr>
+              <a:t> runs on every platform</a:t>
+            </a:r>
+          </a:p>
+          <a:p>
+            <a:pPr lvl="1">
+              <a:spcBef>
+                <a:spcPts val="800"/>
+              </a:spcBef>
+              <a:buFont typeface="Arial" charset="0"/>
+              <a:buChar char="•"/>
+              <a:defRPr/>
+            </a:pPr>
+            <a:r>
+              <a:rPr lang="en-US" sz="3200" dirty="0">
+                <a:latin typeface="Calibri" charset="0"/>
+              </a:rPr>
+              <a:t>even Plan 9 From Outer Space</a:t>
+            </a:r>
+          </a:p>
+          <a:p>
+            <a:pPr>
+              <a:spcBef>
+                <a:spcPts val="800"/>
+              </a:spcBef>
+              <a:buFont typeface="Arial" charset="0"/>
+              <a:buChar char="•"/>
+              <a:defRPr/>
+            </a:pPr>
+            <a:r>
+              <a:rPr lang="en-US" dirty="0" err="1">
+                <a:latin typeface="Calibri" charset="0"/>
+              </a:rPr>
+              <a:t>Git</a:t>
+            </a:r>
+            <a:r>
+              <a:rPr lang="en-US" dirty="0">
+                <a:latin typeface="Calibri" charset="0"/>
+              </a:rPr>
+              <a:t> is better than all previous version control tools (in my opinion, and I’ve used quite a few)</a:t>
+            </a:r>
+          </a:p>
+          <a:p>
+            <a:pPr>
+              <a:spcBef>
+                <a:spcPts val="800"/>
+              </a:spcBef>
+              <a:buFont typeface="Arial" charset="0"/>
+              <a:buChar char="•"/>
+              <a:defRPr/>
+            </a:pPr>
+            <a:endParaRPr lang="en-US" dirty="0">
+              <a:latin typeface="Calibri" charset="0"/>
+            </a:endParaRPr>
+          </a:p>
+          <a:p>
+            <a:endParaRPr lang="en-US" dirty="0"/>
+          </a:p>
+        </p:txBody>
+      </p:sp>
+    </p:spTree>
+    <p:extLst>
+      <p:ext uri="{BB962C8B-B14F-4D97-AF65-F5344CB8AC3E}">
+        <p14:creationId xmlns:p14="http://schemas.microsoft.com/office/powerpoint/2010/main" val="503709198"/>
+      </p:ext>
+    </p:extLst>
+  </p:cSld>
+  <p:clrMapOvr>
+    <a:masterClrMapping/>
+  </p:clrMapOvr>
+</p:sld>
+</file>
+
+<file path=ppt/slides/slide16.xml><?xml version="1.0" encoding="utf-8"?>
+<p:sld xmlns:a="http://schemas.openxmlformats.org/drawingml/2006/main" xmlns:r="http://schemas.openxmlformats.org/officeDocument/2006/relationships" xmlns:p="http://schemas.openxmlformats.org/presentationml/2006/main">
+  <p:cSld>
+    <p:spTree>
+      <p:nvGrpSpPr>
+        <p:cNvPr id="1" name=""/>
+        <p:cNvGrpSpPr/>
+        <p:nvPr/>
+      </p:nvGrpSpPr>
+      <p:grpSpPr>
+        <a:xfrm>
+          <a:off x="0" y="0"/>
+          <a:ext cx="0" cy="0"/>
+          <a:chOff x="0" y="0"/>
+          <a:chExt cx="0" cy="0"/>
+        </a:xfrm>
+      </p:grpSpPr>
+      <p:sp>
+        <p:nvSpPr>
+          <p:cNvPr id="2" name="Title 1"/>
+          <p:cNvSpPr>
+            <a:spLocks noGrp="1"/>
+          </p:cNvSpPr>
+          <p:nvPr>
+            <p:ph type="title"/>
+          </p:nvPr>
+        </p:nvSpPr>
+        <p:spPr/>
+        <p:txBody>
+          <a:bodyPr/>
+          <a:lstStyle/>
+          <a:p>
+            <a:r>
+              <a:rPr lang="en-US" dirty="0"/>
+              <a:t>What is GitHub?</a:t>
+            </a:r>
+          </a:p>
+        </p:txBody>
+      </p:sp>
+      <p:sp>
+        <p:nvSpPr>
+          <p:cNvPr id="3" name="Content Placeholder 2"/>
+          <p:cNvSpPr>
+            <a:spLocks noGrp="1"/>
+          </p:cNvSpPr>
+          <p:nvPr>
+            <p:ph idx="1"/>
+          </p:nvPr>
+        </p:nvSpPr>
+        <p:spPr/>
+        <p:txBody>
+          <a:bodyPr/>
+          <a:lstStyle/>
+          <a:p>
+            <a:pPr>
+              <a:spcBef>
+                <a:spcPts val="800"/>
+              </a:spcBef>
+              <a:buFont typeface="Arial" charset="0"/>
+              <a:buChar char="•"/>
+              <a:defRPr/>
+            </a:pPr>
+            <a:r>
+              <a:rPr lang="en-US" dirty="0">
+                <a:latin typeface="Calibri" charset="0"/>
+              </a:rPr>
+              <a:t>‘</a:t>
+            </a:r>
+            <a:r>
+              <a:rPr lang="en-US" dirty="0" err="1">
+                <a:latin typeface="Calibri" charset="0"/>
+              </a:rPr>
+              <a:t>Git</a:t>
+            </a:r>
+            <a:r>
+              <a:rPr lang="en-US" dirty="0">
+                <a:latin typeface="Calibri" charset="0"/>
+              </a:rPr>
+              <a:t> in the cloud’</a:t>
+            </a:r>
+          </a:p>
+          <a:p>
+            <a:pPr lvl="1">
+              <a:spcBef>
+                <a:spcPts val="800"/>
+              </a:spcBef>
+              <a:buFont typeface="Arial" charset="0"/>
+              <a:buChar char="•"/>
+              <a:defRPr/>
+            </a:pPr>
+            <a:r>
+              <a:rPr lang="en-US" sz="3200" dirty="0">
+                <a:latin typeface="Calibri" charset="0"/>
+              </a:rPr>
+              <a:t>Your </a:t>
+            </a:r>
+            <a:r>
+              <a:rPr lang="en-US" sz="3200" dirty="0" err="1">
+                <a:latin typeface="Calibri" charset="0"/>
+              </a:rPr>
+              <a:t>git</a:t>
+            </a:r>
+            <a:r>
+              <a:rPr lang="en-US" sz="3200" dirty="0">
+                <a:latin typeface="Calibri" charset="0"/>
+              </a:rPr>
+              <a:t> repository lives on </a:t>
+            </a:r>
+            <a:r>
+              <a:rPr lang="en-US" sz="3200" dirty="0" err="1">
+                <a:latin typeface="Calibri" charset="0"/>
+              </a:rPr>
+              <a:t>GitHub.com</a:t>
+            </a:r>
+            <a:endParaRPr lang="en-US" sz="3200" dirty="0">
+              <a:latin typeface="Calibri" charset="0"/>
+            </a:endParaRPr>
+          </a:p>
+          <a:p>
+            <a:pPr lvl="1">
+              <a:spcBef>
+                <a:spcPts val="800"/>
+              </a:spcBef>
+              <a:buFont typeface="Arial" charset="0"/>
+              <a:buChar char="•"/>
+              <a:defRPr/>
+            </a:pPr>
+            <a:r>
+              <a:rPr lang="en-US" sz="3200" dirty="0">
+                <a:latin typeface="Calibri" charset="0"/>
+              </a:rPr>
+              <a:t>Other people can download and use your code</a:t>
+            </a:r>
+          </a:p>
+          <a:p>
+            <a:pPr lvl="1">
+              <a:spcBef>
+                <a:spcPts val="800"/>
+              </a:spcBef>
+              <a:buFont typeface="Arial" charset="0"/>
+              <a:buChar char="•"/>
+              <a:defRPr/>
+            </a:pPr>
+            <a:r>
+              <a:rPr lang="en-US" sz="3200" dirty="0">
+                <a:latin typeface="Calibri" charset="0"/>
+              </a:rPr>
+              <a:t>There is an issue tracker for your code</a:t>
+            </a:r>
+          </a:p>
+          <a:p>
+            <a:pPr lvl="1">
+              <a:spcBef>
+                <a:spcPts val="800"/>
+              </a:spcBef>
+              <a:buFont typeface="Arial" charset="0"/>
+              <a:buChar char="•"/>
+              <a:defRPr/>
+            </a:pPr>
+            <a:r>
+              <a:rPr lang="en-US" sz="3200" dirty="0">
+                <a:latin typeface="Calibri" charset="0"/>
+              </a:rPr>
+              <a:t>You can develop code collaboratively using GitHub</a:t>
+            </a:r>
+          </a:p>
+          <a:p>
+            <a:endParaRPr lang="en-US" dirty="0"/>
+          </a:p>
+        </p:txBody>
+      </p:sp>
+    </p:spTree>
+    <p:extLst>
+      <p:ext uri="{BB962C8B-B14F-4D97-AF65-F5344CB8AC3E}">
+        <p14:creationId xmlns:p14="http://schemas.microsoft.com/office/powerpoint/2010/main" val="1819760004"/>
+      </p:ext>
+    </p:extLst>
+  </p:cSld>
+  <p:clrMapOvr>
+    <a:masterClrMapping/>
+  </p:clrMapOvr>
+</p:sld>
+</file>
+
+<file path=ppt/slides/slide17.xml><?xml version="1.0" encoding="utf-8"?>
+<p:sld xmlns:a="http://schemas.openxmlformats.org/drawingml/2006/main" xmlns:r="http://schemas.openxmlformats.org/officeDocument/2006/relationships" xmlns:p="http://schemas.openxmlformats.org/presentationml/2006/main">
+  <p:cSld>
+    <p:spTree>
+      <p:nvGrpSpPr>
+        <p:cNvPr id="1" name=""/>
+        <p:cNvGrpSpPr/>
+        <p:nvPr/>
+      </p:nvGrpSpPr>
+      <p:grpSpPr>
+        <a:xfrm>
+          <a:off x="0" y="0"/>
+          <a:ext cx="0" cy="0"/>
+          <a:chOff x="0" y="0"/>
+          <a:chExt cx="0" cy="0"/>
+        </a:xfrm>
+      </p:grpSpPr>
+      <p:sp>
+        <p:nvSpPr>
+          <p:cNvPr id="2" name="Title 1"/>
+          <p:cNvSpPr>
+            <a:spLocks noGrp="1"/>
+          </p:cNvSpPr>
+          <p:nvPr>
+            <p:ph type="title"/>
+          </p:nvPr>
+        </p:nvSpPr>
+        <p:spPr/>
+        <p:txBody>
+          <a:bodyPr/>
+          <a:lstStyle/>
+          <a:p>
+            <a:r>
+              <a:rPr lang="en-US" dirty="0"/>
+              <a:t>Hands on demo!</a:t>
+            </a:r>
+          </a:p>
+        </p:txBody>
+      </p:sp>
+      <p:sp>
+        <p:nvSpPr>
+          <p:cNvPr id="3" name="Content Placeholder 2"/>
+          <p:cNvSpPr>
+            <a:spLocks noGrp="1"/>
+          </p:cNvSpPr>
+          <p:nvPr>
+            <p:ph idx="1"/>
+          </p:nvPr>
+        </p:nvSpPr>
+        <p:spPr/>
+        <p:txBody>
+          <a:bodyPr/>
+          <a:lstStyle/>
+          <a:p>
+            <a:pPr>
+              <a:spcBef>
+                <a:spcPts val="800"/>
+              </a:spcBef>
+              <a:buFont typeface="Arial" charset="0"/>
+              <a:buChar char="•"/>
+              <a:defRPr/>
+            </a:pPr>
+            <a:r>
+              <a:rPr lang="en-US" dirty="0">
+                <a:latin typeface="Calibri" charset="0"/>
+              </a:rPr>
+              <a:t>Open a terminal!</a:t>
+            </a:r>
+            <a:endParaRPr lang="en-US" sz="3200" dirty="0">
+              <a:latin typeface="Calibri" charset="0"/>
+            </a:endParaRPr>
+          </a:p>
+          <a:p>
+            <a:endParaRPr lang="en-US" dirty="0"/>
+          </a:p>
+        </p:txBody>
+      </p:sp>
+    </p:spTree>
+    <p:extLst>
+      <p:ext uri="{BB962C8B-B14F-4D97-AF65-F5344CB8AC3E}">
+        <p14:creationId xmlns:p14="http://schemas.microsoft.com/office/powerpoint/2010/main" val="3801672573"/>
+      </p:ext>
+    </p:extLst>
+  </p:cSld>
+  <p:clrMapOvr>
+    <a:masterClrMapping/>
+  </p:clrMapOvr>
+</p:sld>
+</file>
+
+<file path=ppt/slides/slide18.xml><?xml version="1.0" encoding="utf-8"?>
+<p:sld xmlns:a="http://schemas.openxmlformats.org/drawingml/2006/main" xmlns:r="http://schemas.openxmlformats.org/officeDocument/2006/relationships" xmlns:p="http://schemas.openxmlformats.org/presentationml/2006/main">
+  <p:cSld>
+    <p:spTree>
+      <p:nvGrpSpPr>
+        <p:cNvPr id="1" name=""/>
+        <p:cNvGrpSpPr/>
+        <p:nvPr/>
+      </p:nvGrpSpPr>
+      <p:grpSpPr>
+        <a:xfrm>
+          <a:off x="0" y="0"/>
+          <a:ext cx="0" cy="0"/>
+          <a:chOff x="0" y="0"/>
+          <a:chExt cx="0" cy="0"/>
+        </a:xfrm>
+      </p:grpSpPr>
+      <p:pic>
+        <p:nvPicPr>
+          <p:cNvPr id="2" name="Picture 1"/>
+          <p:cNvPicPr>
+            <a:picLocks noChangeAspect="1"/>
+          </p:cNvPicPr>
+          <p:nvPr/>
+        </p:nvPicPr>
+        <p:blipFill>
+          <a:blip r:embed="rId3"/>
+          <a:stretch>
+            <a:fillRect/>
+          </a:stretch>
+        </p:blipFill>
+        <p:spPr>
+          <a:xfrm>
+            <a:off x="673100" y="1778000"/>
+            <a:ext cx="7785100" cy="3302000"/>
+          </a:xfrm>
+          <a:prstGeom prst="rect">
+            <a:avLst/>
+          </a:prstGeom>
+        </p:spPr>
+      </p:pic>
+    </p:spTree>
+    <p:extLst>
+      <p:ext uri="{BB962C8B-B14F-4D97-AF65-F5344CB8AC3E}">
+        <p14:creationId xmlns:p14="http://schemas.microsoft.com/office/powerpoint/2010/main" val="939614745"/>
+      </p:ext>
+    </p:extLst>
+  </p:cSld>
+  <p:clrMapOvr>
+    <a:masterClrMapping/>
+  </p:clrMapOvr>
+  <p:transition spd="med"/>
+  <p:timing>
+    <p:tnLst>
+      <p:par>
+        <p:cTn id="1" dur="indefinite" restart="never" nodeType="tmRoot">
+          <p:childTnLst>
+            <p:seq concurrent="1" nextAc="seek">
+              <p:cTn id="2" dur="0" nodeType="mainSeq"/>
+              <p:prevCondLst>
+                <p:cond evt="onPrev" delay="0">
+                  <p:tgtEl>
+                    <p:sldTgt/>
+                  </p:tgtEl>
+                </p:cond>
+              </p:prevCondLst>
+              <p:nextCondLst>
+                <p:cond evt="onNext" delay="0">
+                  <p:tgtEl>
+                    <p:sldTgt/>
+                  </p:tgtEl>
+                </p:cond>
+              </p:nextCondLst>
+            </p:seq>
+          </p:childTnLst>
+        </p:cTn>
+      </p:par>
+    </p:tnLst>
+  </p:timing>
+</p:sld>
+</file>
+
+<file path=ppt/slides/slide19.xml><?xml version="1.0" encoding="utf-8"?>
+<p:sld xmlns:a="http://schemas.openxmlformats.org/drawingml/2006/main" xmlns:r="http://schemas.openxmlformats.org/officeDocument/2006/relationships" xmlns:p="http://schemas.openxmlformats.org/presentationml/2006/main">
+  <p:cSld>
+    <p:spTree>
+      <p:nvGrpSpPr>
+        <p:cNvPr id="1" name=""/>
+        <p:cNvGrpSpPr/>
+        <p:nvPr/>
+      </p:nvGrpSpPr>
+      <p:grpSpPr>
+        <a:xfrm>
+          <a:off x="0" y="0"/>
+          <a:ext cx="0" cy="0"/>
+          <a:chOff x="0" y="0"/>
+          <a:chExt cx="0" cy="0"/>
+        </a:xfrm>
+      </p:grpSpPr>
+      <p:pic>
+        <p:nvPicPr>
+          <p:cNvPr id="4" name="Picture 3"/>
+          <p:cNvPicPr>
+            <a:picLocks noChangeAspect="1"/>
+          </p:cNvPicPr>
+          <p:nvPr/>
+        </p:nvPicPr>
+        <p:blipFill>
+          <a:blip r:embed="rId3"/>
+          <a:stretch>
+            <a:fillRect/>
+          </a:stretch>
+        </p:blipFill>
+        <p:spPr>
+          <a:xfrm>
+            <a:off x="508000" y="977900"/>
+            <a:ext cx="8115300" cy="4902200"/>
+          </a:xfrm>
+          <a:prstGeom prst="rect">
+            <a:avLst/>
+          </a:prstGeom>
+        </p:spPr>
+      </p:pic>
+    </p:spTree>
+    <p:extLst>
+      <p:ext uri="{BB962C8B-B14F-4D97-AF65-F5344CB8AC3E}">
+        <p14:creationId xmlns:p14="http://schemas.microsoft.com/office/powerpoint/2010/main" val="566946790"/>
+      </p:ext>
+    </p:extLst>
+  </p:cSld>
+  <p:clrMapOvr>
+    <a:masterClrMapping/>
+  </p:clrMapOvr>
+  <p:transition spd="med"/>
+  <p:timing>
+    <p:tnLst>
+      <p:par>
+        <p:cTn id="1" dur="indefinite" restart="never" nodeType="tmRoot">
+          <p:childTnLst>
+            <p:seq concurrent="1" nextAc="seek">
+              <p:cTn id="2" dur="0" nodeType="mainSeq"/>
+              <p:prevCondLst>
+                <p:cond evt="onPrev" delay="0">
+                  <p:tgtEl>
+                    <p:sldTgt/>
+                  </p:tgtEl>
+                </p:cond>
+              </p:prevCondLst>
+              <p:nextCondLst>
+                <p:cond evt="onNext" delay="0">
+                  <p:tgtEl>
+                    <p:sldTgt/>
+                  </p:tgtEl>
+                </p:cond>
+              </p:nextCondLst>
+            </p:seq>
+          </p:childTnLst>
+        </p:cTn>
+      </p:par>
+    </p:tnLst>
+  </p:timing>
+</p:sld>
+</file>
+
+<file path=ppt/slides/slide2.xml><?xml version="1.0" encoding="utf-8"?>
+<p:sld xmlns:a="http://schemas.openxmlformats.org/drawingml/2006/main" xmlns:r="http://schemas.openxmlformats.org/officeDocument/2006/relationships" xmlns:p="http://schemas.openxmlformats.org/presentationml/2006/main">
+  <p:cSld>
+    <p:spTree>
+      <p:nvGrpSpPr>
+        <p:cNvPr id="1" name=""/>
+        <p:cNvGrpSpPr/>
+        <p:nvPr/>
+      </p:nvGrpSpPr>
+      <p:grpSpPr>
+        <a:xfrm>
+          <a:off x="0" y="0"/>
+          <a:ext cx="0" cy="0"/>
+          <a:chOff x="0" y="0"/>
+          <a:chExt cx="0" cy="0"/>
+        </a:xfrm>
+      </p:grpSpPr>
+      <p:sp>
+        <p:nvSpPr>
+          <p:cNvPr id="2" name="Title 1"/>
+          <p:cNvSpPr>
+            <a:spLocks noGrp="1"/>
+          </p:cNvSpPr>
+          <p:nvPr>
+            <p:ph type="title"/>
+          </p:nvPr>
+        </p:nvSpPr>
+        <p:spPr/>
+        <p:txBody>
+          <a:bodyPr/>
+          <a:lstStyle/>
+          <a:p>
+            <a:r>
+              <a:rPr lang="en-US" dirty="0"/>
+              <a:t>Before we begin…</a:t>
+            </a:r>
+          </a:p>
+        </p:txBody>
+      </p:sp>
+      <p:sp>
+        <p:nvSpPr>
+          <p:cNvPr id="3" name="Content Placeholder 2"/>
+          <p:cNvSpPr>
+            <a:spLocks noGrp="1"/>
+          </p:cNvSpPr>
+          <p:nvPr>
+            <p:ph idx="1"/>
+          </p:nvPr>
+        </p:nvSpPr>
+        <p:spPr/>
+        <p:txBody>
+          <a:bodyPr/>
+          <a:lstStyle/>
+          <a:p>
+            <a:pPr>
+              <a:spcBef>
+                <a:spcPts val="800"/>
+              </a:spcBef>
+              <a:buFont typeface="Arial" charset="0"/>
+              <a:buChar char="•"/>
+              <a:defRPr/>
+            </a:pPr>
+            <a:r>
+              <a:rPr lang="en-US" dirty="0">
+                <a:latin typeface="Calibri" charset="0"/>
+              </a:rPr>
+              <a:t>Thank you for filling in the GitHub to Student survey</a:t>
+            </a:r>
+          </a:p>
+          <a:p>
+            <a:endParaRPr lang="en-US" dirty="0"/>
+          </a:p>
+        </p:txBody>
+      </p:sp>
+      <p:pic>
+        <p:nvPicPr>
+          <p:cNvPr id="5" name="Picture 4">
+            <a:extLst>
+              <a:ext uri="{FF2B5EF4-FFF2-40B4-BE49-F238E27FC236}">
+                <a16:creationId xmlns:a16="http://schemas.microsoft.com/office/drawing/2014/main" id="{D6AABC0A-84C2-884E-B25D-870DF8093B97}"/>
+              </a:ext>
+            </a:extLst>
+          </p:cNvPr>
+          <p:cNvPicPr>
+            <a:picLocks noChangeAspect="1"/>
+          </p:cNvPicPr>
+          <p:nvPr/>
+        </p:nvPicPr>
+        <p:blipFill>
+          <a:blip r:embed="rId2"/>
+          <a:stretch>
+            <a:fillRect/>
+          </a:stretch>
+        </p:blipFill>
+        <p:spPr>
+          <a:xfrm>
+            <a:off x="742462" y="2583960"/>
+            <a:ext cx="7534030" cy="4201671"/>
+          </a:xfrm>
+          <a:prstGeom prst="rect">
+            <a:avLst/>
+          </a:prstGeom>
+        </p:spPr>
+      </p:pic>
+    </p:spTree>
+    <p:extLst>
+      <p:ext uri="{BB962C8B-B14F-4D97-AF65-F5344CB8AC3E}">
+        <p14:creationId xmlns:p14="http://schemas.microsoft.com/office/powerpoint/2010/main" val="3795621344"/>
+      </p:ext>
+    </p:extLst>
+  </p:cSld>
+  <p:clrMapOvr>
+    <a:masterClrMapping/>
+  </p:clrMapOvr>
+</p:sld>
+</file>
+
+<file path=ppt/slides/slide20.xml><?xml version="1.0" encoding="utf-8"?>
+<p:sld xmlns:a="http://schemas.openxmlformats.org/drawingml/2006/main" xmlns:r="http://schemas.openxmlformats.org/officeDocument/2006/relationships" xmlns:p="http://schemas.openxmlformats.org/presentationml/2006/main">
+  <p:cSld>
+    <p:spTree>
+      <p:nvGrpSpPr>
+        <p:cNvPr id="1" name=""/>
+        <p:cNvGrpSpPr/>
+        <p:nvPr/>
+      </p:nvGrpSpPr>
+      <p:grpSpPr>
+        <a:xfrm>
+          <a:off x="0" y="0"/>
+          <a:ext cx="0" cy="0"/>
+          <a:chOff x="0" y="0"/>
+          <a:chExt cx="0" cy="0"/>
+        </a:xfrm>
+      </p:grpSpPr>
+      <p:pic>
+        <p:nvPicPr>
+          <p:cNvPr id="2" name="Picture 1"/>
+          <p:cNvPicPr>
+            <a:picLocks noChangeAspect="1"/>
+          </p:cNvPicPr>
+          <p:nvPr/>
+        </p:nvPicPr>
+        <p:blipFill>
+          <a:blip r:embed="rId3"/>
+          <a:stretch>
+            <a:fillRect/>
+          </a:stretch>
+        </p:blipFill>
+        <p:spPr>
+          <a:xfrm>
+            <a:off x="901700" y="952500"/>
+            <a:ext cx="7340600" cy="4940300"/>
+          </a:xfrm>
+          <a:prstGeom prst="rect">
+            <a:avLst/>
+          </a:prstGeom>
+        </p:spPr>
+      </p:pic>
+    </p:spTree>
+    <p:extLst>
+      <p:ext uri="{BB962C8B-B14F-4D97-AF65-F5344CB8AC3E}">
+        <p14:creationId xmlns:p14="http://schemas.microsoft.com/office/powerpoint/2010/main" val="1613765588"/>
+      </p:ext>
+    </p:extLst>
+  </p:cSld>
+  <p:clrMapOvr>
+    <a:masterClrMapping/>
+  </p:clrMapOvr>
+  <p:transition spd="med"/>
+  <p:timing>
+    <p:tnLst>
+      <p:par>
+        <p:cTn id="1" dur="indefinite" restart="never" nodeType="tmRoot">
+          <p:childTnLst>
+            <p:seq concurrent="1" nextAc="seek">
+              <p:cTn id="2" dur="0" nodeType="mainSeq"/>
+              <p:prevCondLst>
+                <p:cond evt="onPrev" delay="0">
+                  <p:tgtEl>
+                    <p:sldTgt/>
+                  </p:tgtEl>
+                </p:cond>
+              </p:prevCondLst>
+              <p:nextCondLst>
+                <p:cond evt="onNext" delay="0">
+                  <p:tgtEl>
+                    <p:sldTgt/>
+                  </p:tgtEl>
+                </p:cond>
+              </p:nextCondLst>
+            </p:seq>
+          </p:childTnLst>
+        </p:cTn>
+      </p:par>
+    </p:tnLst>
+  </p:timing>
+</p:sld>
+</file>
+
+<file path=ppt/slides/slide21.xml><?xml version="1.0" encoding="utf-8"?>
+<p:sld xmlns:a="http://schemas.openxmlformats.org/drawingml/2006/main" xmlns:r="http://schemas.openxmlformats.org/officeDocument/2006/relationships" xmlns:p="http://schemas.openxmlformats.org/presentationml/2006/main">
+  <p:cSld>
+    <p:spTree>
+      <p:nvGrpSpPr>
+        <p:cNvPr id="1" name=""/>
+        <p:cNvGrpSpPr/>
+        <p:nvPr/>
+      </p:nvGrpSpPr>
+      <p:grpSpPr>
+        <a:xfrm>
+          <a:off x="0" y="0"/>
+          <a:ext cx="0" cy="0"/>
+          <a:chOff x="0" y="0"/>
+          <a:chExt cx="0" cy="0"/>
+        </a:xfrm>
+      </p:grpSpPr>
+      <p:pic>
+        <p:nvPicPr>
+          <p:cNvPr id="4" name="Picture 3"/>
+          <p:cNvPicPr>
+            <a:picLocks noChangeAspect="1"/>
+          </p:cNvPicPr>
+          <p:nvPr/>
+        </p:nvPicPr>
+        <p:blipFill>
+          <a:blip r:embed="rId3"/>
+          <a:stretch>
+            <a:fillRect/>
+          </a:stretch>
+        </p:blipFill>
+        <p:spPr>
+          <a:xfrm>
+            <a:off x="0" y="2336800"/>
+            <a:ext cx="9144000" cy="2163223"/>
+          </a:xfrm>
+          <a:prstGeom prst="rect">
+            <a:avLst/>
+          </a:prstGeom>
+        </p:spPr>
+      </p:pic>
+    </p:spTree>
+    <p:extLst>
+      <p:ext uri="{BB962C8B-B14F-4D97-AF65-F5344CB8AC3E}">
+        <p14:creationId xmlns:p14="http://schemas.microsoft.com/office/powerpoint/2010/main" val="58145480"/>
+      </p:ext>
+    </p:extLst>
+  </p:cSld>
+  <p:clrMapOvr>
+    <a:masterClrMapping/>
+  </p:clrMapOvr>
+  <p:transition spd="med"/>
+  <p:timing>
+    <p:tnLst>
+      <p:par>
+        <p:cTn id="1" dur="indefinite" restart="never" nodeType="tmRoot">
+          <p:childTnLst>
+            <p:seq concurrent="1" nextAc="seek">
+              <p:cTn id="2" dur="0" nodeType="mainSeq"/>
+              <p:prevCondLst>
+                <p:cond evt="onPrev" delay="0">
+                  <p:tgtEl>
+                    <p:sldTgt/>
+                  </p:tgtEl>
+                </p:cond>
+              </p:prevCondLst>
+              <p:nextCondLst>
+                <p:cond evt="onNext" delay="0">
+                  <p:tgtEl>
+                    <p:sldTgt/>
+                  </p:tgtEl>
+                </p:cond>
+              </p:nextCondLst>
+            </p:seq>
+          </p:childTnLst>
+        </p:cTn>
+      </p:par>
+    </p:tnLst>
+  </p:timing>
+</p:sld>
+</file>
+
+<file path=ppt/slides/slide22.xml><?xml version="1.0" encoding="utf-8"?>
+<p:sld xmlns:a="http://schemas.openxmlformats.org/drawingml/2006/main" xmlns:r="http://schemas.openxmlformats.org/officeDocument/2006/relationships" xmlns:p="http://schemas.openxmlformats.org/presentationml/2006/main">
+  <p:cSld>
+    <p:spTree>
+      <p:nvGrpSpPr>
+        <p:cNvPr id="1" name=""/>
+        <p:cNvGrpSpPr/>
+        <p:nvPr/>
+      </p:nvGrpSpPr>
+      <p:grpSpPr>
+        <a:xfrm>
+          <a:off x="0" y="0"/>
+          <a:ext cx="0" cy="0"/>
+          <a:chOff x="0" y="0"/>
+          <a:chExt cx="0" cy="0"/>
+        </a:xfrm>
+      </p:grpSpPr>
+      <p:pic>
+        <p:nvPicPr>
+          <p:cNvPr id="2" name="Picture 1"/>
+          <p:cNvPicPr>
+            <a:picLocks noChangeAspect="1"/>
+          </p:cNvPicPr>
+          <p:nvPr/>
+        </p:nvPicPr>
+        <p:blipFill>
+          <a:blip r:embed="rId3"/>
+          <a:stretch>
+            <a:fillRect/>
+          </a:stretch>
+        </p:blipFill>
+        <p:spPr>
+          <a:xfrm>
+            <a:off x="0" y="774700"/>
+            <a:ext cx="9144000" cy="5294489"/>
+          </a:xfrm>
+          <a:prstGeom prst="rect">
+            <a:avLst/>
+          </a:prstGeom>
+        </p:spPr>
+      </p:pic>
+    </p:spTree>
+    <p:extLst>
+      <p:ext uri="{BB962C8B-B14F-4D97-AF65-F5344CB8AC3E}">
+        <p14:creationId xmlns:p14="http://schemas.microsoft.com/office/powerpoint/2010/main" val="1781815951"/>
+      </p:ext>
+    </p:extLst>
+  </p:cSld>
+  <p:clrMapOvr>
+    <a:masterClrMapping/>
+  </p:clrMapOvr>
+  <p:transition spd="med"/>
+  <p:timing>
+    <p:tnLst>
+      <p:par>
+        <p:cTn id="1" dur="indefinite" restart="never" nodeType="tmRoot">
+          <p:childTnLst>
+            <p:seq concurrent="1" nextAc="seek">
+              <p:cTn id="2" dur="0" nodeType="mainSeq"/>
+              <p:prevCondLst>
+                <p:cond evt="onPrev" delay="0">
+                  <p:tgtEl>
+                    <p:sldTgt/>
+                  </p:tgtEl>
+                </p:cond>
+              </p:prevCondLst>
+              <p:nextCondLst>
+                <p:cond evt="onNext" delay="0">
+                  <p:tgtEl>
+                    <p:sldTgt/>
+                  </p:tgtEl>
+                </p:cond>
+              </p:nextCondLst>
+            </p:seq>
+          </p:childTnLst>
+        </p:cTn>
+      </p:par>
+    </p:tnLst>
+  </p:timing>
+</p:sld>
+</file>
+
+<file path=ppt/slides/slide23.xml><?xml version="1.0" encoding="utf-8"?>
+<p:sld xmlns:a="http://schemas.openxmlformats.org/drawingml/2006/main" xmlns:r="http://schemas.openxmlformats.org/officeDocument/2006/relationships" xmlns:p="http://schemas.openxmlformats.org/presentationml/2006/main">
+  <p:cSld>
+    <p:spTree>
+      <p:nvGrpSpPr>
+        <p:cNvPr id="1" name=""/>
+        <p:cNvGrpSpPr/>
+        <p:nvPr/>
+      </p:nvGrpSpPr>
+      <p:grpSpPr>
+        <a:xfrm>
+          <a:off x="0" y="0"/>
+          <a:ext cx="0" cy="0"/>
+          <a:chOff x="0" y="0"/>
+          <a:chExt cx="0" cy="0"/>
+        </a:xfrm>
+      </p:grpSpPr>
+      <p:pic>
+        <p:nvPicPr>
+          <p:cNvPr id="4" name="Picture 3"/>
+          <p:cNvPicPr>
+            <a:picLocks noChangeAspect="1"/>
+          </p:cNvPicPr>
+          <p:nvPr/>
+        </p:nvPicPr>
+        <p:blipFill>
+          <a:blip r:embed="rId3"/>
+          <a:stretch>
+            <a:fillRect/>
+          </a:stretch>
+        </p:blipFill>
+        <p:spPr>
+          <a:xfrm>
+            <a:off x="0" y="800100"/>
+            <a:ext cx="9144000" cy="5235048"/>
+          </a:xfrm>
+          <a:prstGeom prst="rect">
+            <a:avLst/>
+          </a:prstGeom>
+        </p:spPr>
+      </p:pic>
+    </p:spTree>
+    <p:extLst>
+      <p:ext uri="{BB962C8B-B14F-4D97-AF65-F5344CB8AC3E}">
+        <p14:creationId xmlns:p14="http://schemas.microsoft.com/office/powerpoint/2010/main" val="156234336"/>
+      </p:ext>
+    </p:extLst>
+  </p:cSld>
+  <p:clrMapOvr>
+    <a:masterClrMapping/>
+  </p:clrMapOvr>
+  <p:transition spd="med"/>
+  <p:timing>
+    <p:tnLst>
+      <p:par>
+        <p:cTn id="1" dur="indefinite" restart="never" nodeType="tmRoot">
+          <p:childTnLst>
+            <p:seq concurrent="1" nextAc="seek">
+              <p:cTn id="2" dur="0" nodeType="mainSeq"/>
+              <p:prevCondLst>
+                <p:cond evt="onPrev" delay="0">
+                  <p:tgtEl>
+                    <p:sldTgt/>
+                  </p:tgtEl>
+                </p:cond>
+              </p:prevCondLst>
+              <p:nextCondLst>
+                <p:cond evt="onNext" delay="0">
+                  <p:tgtEl>
+                    <p:sldTgt/>
+                  </p:tgtEl>
+                </p:cond>
+              </p:nextCondLst>
+            </p:seq>
+          </p:childTnLst>
+        </p:cTn>
+      </p:par>
+    </p:tnLst>
+  </p:timing>
+</p:sld>
+</file>
+
+<file path=ppt/slides/slide24.xml><?xml version="1.0" encoding="utf-8"?>
+<p:sld xmlns:a="http://schemas.openxmlformats.org/drawingml/2006/main" xmlns:r="http://schemas.openxmlformats.org/officeDocument/2006/relationships" xmlns:p="http://schemas.openxmlformats.org/presentationml/2006/main">
+  <p:cSld>
+    <p:spTree>
+      <p:nvGrpSpPr>
+        <p:cNvPr id="1" name=""/>
+        <p:cNvGrpSpPr/>
+        <p:nvPr/>
+      </p:nvGrpSpPr>
+      <p:grpSpPr>
+        <a:xfrm>
+          <a:off x="0" y="0"/>
+          <a:ext cx="0" cy="0"/>
+          <a:chOff x="0" y="0"/>
+          <a:chExt cx="0" cy="0"/>
+        </a:xfrm>
+      </p:grpSpPr>
+      <p:pic>
+        <p:nvPicPr>
+          <p:cNvPr id="2" name="Picture 1"/>
+          <p:cNvPicPr>
+            <a:picLocks noChangeAspect="1"/>
+          </p:cNvPicPr>
+          <p:nvPr/>
+        </p:nvPicPr>
+        <p:blipFill>
+          <a:blip r:embed="rId3"/>
+          <a:stretch>
+            <a:fillRect/>
+          </a:stretch>
+        </p:blipFill>
+        <p:spPr>
+          <a:xfrm>
+            <a:off x="444500" y="12700"/>
+            <a:ext cx="8255000" cy="6819900"/>
+          </a:xfrm>
+          <a:prstGeom prst="rect">
+            <a:avLst/>
+          </a:prstGeom>
+        </p:spPr>
+      </p:pic>
+    </p:spTree>
+    <p:extLst>
+      <p:ext uri="{BB962C8B-B14F-4D97-AF65-F5344CB8AC3E}">
+        <p14:creationId xmlns:p14="http://schemas.microsoft.com/office/powerpoint/2010/main" val="2124841118"/>
+      </p:ext>
+    </p:extLst>
+  </p:cSld>
+  <p:clrMapOvr>
+    <a:masterClrMapping/>
+  </p:clrMapOvr>
+  <p:transition spd="med"/>
+  <p:timing>
+    <p:tnLst>
+      <p:par>
+        <p:cTn id="1" dur="indefinite" restart="never" nodeType="tmRoot">
+          <p:childTnLst>
+            <p:seq concurrent="1" nextAc="seek">
+              <p:cTn id="2" dur="0" nodeType="mainSeq"/>
+              <p:prevCondLst>
+                <p:cond evt="onPrev" delay="0">
+                  <p:tgtEl>
+                    <p:sldTgt/>
+                  </p:tgtEl>
+                </p:cond>
+              </p:prevCondLst>
+              <p:nextCondLst>
+                <p:cond evt="onNext" delay="0">
+                  <p:tgtEl>
+                    <p:sldTgt/>
+                  </p:tgtEl>
+                </p:cond>
+              </p:nextCondLst>
+            </p:seq>
+          </p:childTnLst>
+        </p:cTn>
+      </p:par>
+    </p:tnLst>
+  </p:timing>
+</p:sld>
+</file>
+
+<file path=ppt/slides/slide25.xml><?xml version="1.0" encoding="utf-8"?>
+<p:sld xmlns:a="http://schemas.openxmlformats.org/drawingml/2006/main" xmlns:r="http://schemas.openxmlformats.org/officeDocument/2006/relationships" xmlns:p="http://schemas.openxmlformats.org/presentationml/2006/main">
+  <p:cSld>
+    <p:spTree>
+      <p:nvGrpSpPr>
+        <p:cNvPr id="1" name=""/>
+        <p:cNvGrpSpPr/>
+        <p:nvPr/>
+      </p:nvGrpSpPr>
+      <p:grpSpPr>
+        <a:xfrm>
+          <a:off x="0" y="0"/>
+          <a:ext cx="0" cy="0"/>
+          <a:chOff x="0" y="0"/>
+          <a:chExt cx="0" cy="0"/>
+        </a:xfrm>
+      </p:grpSpPr>
+      <p:pic>
+        <p:nvPicPr>
+          <p:cNvPr id="5" name="Picture 4"/>
+          <p:cNvPicPr>
+            <a:picLocks noChangeAspect="1"/>
+          </p:cNvPicPr>
+          <p:nvPr/>
+        </p:nvPicPr>
+        <p:blipFill>
+          <a:blip r:embed="rId3"/>
+          <a:stretch>
+            <a:fillRect/>
+          </a:stretch>
+        </p:blipFill>
+        <p:spPr>
+          <a:xfrm>
+            <a:off x="3238500" y="2286000"/>
+            <a:ext cx="2654300" cy="2286000"/>
+          </a:xfrm>
+          <a:prstGeom prst="rect">
+            <a:avLst/>
+          </a:prstGeom>
+        </p:spPr>
+      </p:pic>
+    </p:spTree>
+    <p:extLst>
+      <p:ext uri="{BB962C8B-B14F-4D97-AF65-F5344CB8AC3E}">
+        <p14:creationId xmlns:p14="http://schemas.microsoft.com/office/powerpoint/2010/main" val="1755294082"/>
+      </p:ext>
+    </p:extLst>
+  </p:cSld>
+  <p:clrMapOvr>
+    <a:masterClrMapping/>
+  </p:clrMapOvr>
+  <p:transition spd="med"/>
+  <p:timing>
+    <p:tnLst>
+      <p:par>
+        <p:cTn id="1" dur="indefinite" restart="never" nodeType="tmRoot">
+          <p:childTnLst>
+            <p:seq concurrent="1" nextAc="seek">
+              <p:cTn id="2" dur="0" nodeType="mainSeq"/>
+              <p:prevCondLst>
+                <p:cond evt="onPrev" delay="0">
+                  <p:tgtEl>
+                    <p:sldTgt/>
+                  </p:tgtEl>
+                </p:cond>
+              </p:prevCondLst>
+              <p:nextCondLst>
+                <p:cond evt="onNext" delay="0">
+                  <p:tgtEl>
+                    <p:sldTgt/>
+                  </p:tgtEl>
+                </p:cond>
+              </p:nextCondLst>
+            </p:seq>
+          </p:childTnLst>
+        </p:cTn>
+      </p:par>
+    </p:tnLst>
+  </p:timing>
+</p:sld>
+</file>
+
+<file path=ppt/slides/slide26.xml><?xml version="1.0" encoding="utf-8"?>
+<p:sld xmlns:a="http://schemas.openxmlformats.org/drawingml/2006/main" xmlns:r="http://schemas.openxmlformats.org/officeDocument/2006/relationships" xmlns:p="http://schemas.openxmlformats.org/presentationml/2006/main">
+  <p:cSld>
+    <p:spTree>
+      <p:nvGrpSpPr>
+        <p:cNvPr id="1" name=""/>
+        <p:cNvGrpSpPr/>
+        <p:nvPr/>
+      </p:nvGrpSpPr>
+      <p:grpSpPr>
+        <a:xfrm>
+          <a:off x="0" y="0"/>
+          <a:ext cx="0" cy="0"/>
+          <a:chOff x="0" y="0"/>
+          <a:chExt cx="0" cy="0"/>
+        </a:xfrm>
+      </p:grpSpPr>
+      <p:pic>
+        <p:nvPicPr>
+          <p:cNvPr id="2" name="Picture 1"/>
+          <p:cNvPicPr>
+            <a:picLocks noChangeAspect="1"/>
+          </p:cNvPicPr>
+          <p:nvPr/>
+        </p:nvPicPr>
+        <p:blipFill>
+          <a:blip r:embed="rId3"/>
+          <a:stretch>
+            <a:fillRect/>
+          </a:stretch>
+        </p:blipFill>
+        <p:spPr>
+          <a:xfrm>
+            <a:off x="0" y="393700"/>
+            <a:ext cx="9144000" cy="6046470"/>
+          </a:xfrm>
+          <a:prstGeom prst="rect">
+            <a:avLst/>
+          </a:prstGeom>
+        </p:spPr>
+      </p:pic>
+    </p:spTree>
+    <p:extLst>
+      <p:ext uri="{BB962C8B-B14F-4D97-AF65-F5344CB8AC3E}">
+        <p14:creationId xmlns:p14="http://schemas.microsoft.com/office/powerpoint/2010/main" val="186980271"/>
+      </p:ext>
+    </p:extLst>
+  </p:cSld>
+  <p:clrMapOvr>
+    <a:masterClrMapping/>
+  </p:clrMapOvr>
+  <p:transition spd="med"/>
+  <p:timing>
+    <p:tnLst>
+      <p:par>
+        <p:cTn id="1" dur="indefinite" restart="never" nodeType="tmRoot">
+          <p:childTnLst>
+            <p:seq concurrent="1" nextAc="seek">
+              <p:cTn id="2" dur="0" nodeType="mainSeq"/>
+              <p:prevCondLst>
+                <p:cond evt="onPrev" delay="0">
+                  <p:tgtEl>
+                    <p:sldTgt/>
+                  </p:tgtEl>
+                </p:cond>
+              </p:prevCondLst>
+              <p:nextCondLst>
+                <p:cond evt="onNext" delay="0">
+                  <p:tgtEl>
+                    <p:sldTgt/>
+                  </p:tgtEl>
+                </p:cond>
+              </p:nextCondLst>
+            </p:seq>
+          </p:childTnLst>
+        </p:cTn>
+      </p:par>
+    </p:tnLst>
+  </p:timing>
+</p:sld>
+</file>
+
+<file path=ppt/slides/slide27.xml><?xml version="1.0" encoding="utf-8"?>
+<p:sld xmlns:a="http://schemas.openxmlformats.org/drawingml/2006/main" xmlns:r="http://schemas.openxmlformats.org/officeDocument/2006/relationships" xmlns:p="http://schemas.openxmlformats.org/presentationml/2006/main">
+  <p:cSld>
+    <p:spTree>
+      <p:nvGrpSpPr>
+        <p:cNvPr id="1" name=""/>
+        <p:cNvGrpSpPr/>
+        <p:nvPr/>
+      </p:nvGrpSpPr>
+      <p:grpSpPr>
+        <a:xfrm>
+          <a:off x="0" y="0"/>
+          <a:ext cx="0" cy="0"/>
+          <a:chOff x="0" y="0"/>
+          <a:chExt cx="0" cy="0"/>
+        </a:xfrm>
+      </p:grpSpPr>
+      <p:pic>
+        <p:nvPicPr>
+          <p:cNvPr id="4" name="Picture 3"/>
+          <p:cNvPicPr>
+            <a:picLocks noChangeAspect="1"/>
+          </p:cNvPicPr>
+          <p:nvPr/>
+        </p:nvPicPr>
+        <p:blipFill>
+          <a:blip r:embed="rId3"/>
+          <a:stretch>
+            <a:fillRect/>
+          </a:stretch>
+        </p:blipFill>
+        <p:spPr>
+          <a:xfrm>
+            <a:off x="0" y="1968500"/>
+            <a:ext cx="9144000" cy="2904024"/>
+          </a:xfrm>
+          <a:prstGeom prst="rect">
+            <a:avLst/>
+          </a:prstGeom>
+        </p:spPr>
+      </p:pic>
+    </p:spTree>
+    <p:extLst>
+      <p:ext uri="{BB962C8B-B14F-4D97-AF65-F5344CB8AC3E}">
+        <p14:creationId xmlns:p14="http://schemas.microsoft.com/office/powerpoint/2010/main" val="587873242"/>
+      </p:ext>
+    </p:extLst>
+  </p:cSld>
+  <p:clrMapOvr>
+    <a:masterClrMapping/>
+  </p:clrMapOvr>
+  <p:transition spd="med"/>
+  <p:timing>
+    <p:tnLst>
+      <p:par>
+        <p:cTn id="1" dur="indefinite" restart="never" nodeType="tmRoot">
+          <p:childTnLst>
+            <p:seq concurrent="1" nextAc="seek">
+              <p:cTn id="2" dur="0" nodeType="mainSeq"/>
+              <p:prevCondLst>
+                <p:cond evt="onPrev" delay="0">
+                  <p:tgtEl>
+                    <p:sldTgt/>
+                  </p:tgtEl>
+                </p:cond>
+              </p:prevCondLst>
+              <p:nextCondLst>
+                <p:cond evt="onNext" delay="0">
+                  <p:tgtEl>
+                    <p:sldTgt/>
+                  </p:tgtEl>
+                </p:cond>
+              </p:nextCondLst>
+            </p:seq>
+          </p:childTnLst>
+        </p:cTn>
+      </p:par>
+    </p:tnLst>
+  </p:timing>
+</p:sld>
+</file>
+
+<file path=ppt/slides/slide28.xml><?xml version="1.0" encoding="utf-8"?>
+<p:sld xmlns:a="http://schemas.openxmlformats.org/drawingml/2006/main" xmlns:r="http://schemas.openxmlformats.org/officeDocument/2006/relationships" xmlns:p="http://schemas.openxmlformats.org/presentationml/2006/main">
+  <p:cSld>
+    <p:spTree>
+      <p:nvGrpSpPr>
+        <p:cNvPr id="1" name=""/>
+        <p:cNvGrpSpPr/>
+        <p:nvPr/>
+      </p:nvGrpSpPr>
+      <p:grpSpPr>
+        <a:xfrm>
+          <a:off x="0" y="0"/>
+          <a:ext cx="0" cy="0"/>
+          <a:chOff x="0" y="0"/>
+          <a:chExt cx="0" cy="0"/>
+        </a:xfrm>
+      </p:grpSpPr>
+      <p:pic>
+        <p:nvPicPr>
+          <p:cNvPr id="2" name="Picture 1"/>
+          <p:cNvPicPr>
+            <a:picLocks noChangeAspect="1"/>
+          </p:cNvPicPr>
+          <p:nvPr/>
+        </p:nvPicPr>
+        <p:blipFill>
+          <a:blip r:embed="rId3"/>
+          <a:stretch>
+            <a:fillRect/>
+          </a:stretch>
+        </p:blipFill>
+        <p:spPr>
+          <a:xfrm>
+            <a:off x="1104900" y="0"/>
+            <a:ext cx="6910485" cy="6858000"/>
+          </a:xfrm>
+          <a:prstGeom prst="rect">
+            <a:avLst/>
+          </a:prstGeom>
+        </p:spPr>
+      </p:pic>
+    </p:spTree>
+    <p:extLst>
+      <p:ext uri="{BB962C8B-B14F-4D97-AF65-F5344CB8AC3E}">
+        <p14:creationId xmlns:p14="http://schemas.microsoft.com/office/powerpoint/2010/main" val="2064230643"/>
+      </p:ext>
+    </p:extLst>
+  </p:cSld>
+  <p:clrMapOvr>
+    <a:masterClrMapping/>
+  </p:clrMapOvr>
+  <p:transition spd="med"/>
+  <p:timing>
+    <p:tnLst>
+      <p:par>
+        <p:cTn id="1" dur="indefinite" restart="never" nodeType="tmRoot">
+          <p:childTnLst>
+            <p:seq concurrent="1" nextAc="seek">
+              <p:cTn id="2" dur="0" nodeType="mainSeq"/>
+              <p:prevCondLst>
+                <p:cond evt="onPrev" delay="0">
+                  <p:tgtEl>
+                    <p:sldTgt/>
+                  </p:tgtEl>
+                </p:cond>
+              </p:prevCondLst>
+              <p:nextCondLst>
+                <p:cond evt="onNext" delay="0">
+                  <p:tgtEl>
+                    <p:sldTgt/>
+                  </p:tgtEl>
+                </p:cond>
+              </p:nextCondLst>
+            </p:seq>
+          </p:childTnLst>
+        </p:cTn>
+      </p:par>
+    </p:tnLst>
+  </p:timing>
+</p:sld>
+</file>
+
+<file path=ppt/slides/slide29.xml><?xml version="1.0" encoding="utf-8"?>
+<p:sld xmlns:a="http://schemas.openxmlformats.org/drawingml/2006/main" xmlns:r="http://schemas.openxmlformats.org/officeDocument/2006/relationships" xmlns:p="http://schemas.openxmlformats.org/presentationml/2006/main">
+  <p:cSld>
+    <p:spTree>
+      <p:nvGrpSpPr>
+        <p:cNvPr id="1" name=""/>
+        <p:cNvGrpSpPr/>
+        <p:nvPr/>
+      </p:nvGrpSpPr>
+      <p:grpSpPr>
+        <a:xfrm>
+          <a:off x="0" y="0"/>
+          <a:ext cx="0" cy="0"/>
+          <a:chOff x="0" y="0"/>
+          <a:chExt cx="0" cy="0"/>
+        </a:xfrm>
+      </p:grpSpPr>
+      <p:pic>
+        <p:nvPicPr>
+          <p:cNvPr id="4" name="Picture 3"/>
+          <p:cNvPicPr>
+            <a:picLocks noChangeAspect="1"/>
+          </p:cNvPicPr>
+          <p:nvPr/>
+        </p:nvPicPr>
+        <p:blipFill>
+          <a:blip r:embed="rId3"/>
+          <a:stretch>
+            <a:fillRect/>
+          </a:stretch>
+        </p:blipFill>
+        <p:spPr>
+          <a:xfrm>
+            <a:off x="622300" y="0"/>
+            <a:ext cx="7879136" cy="6858000"/>
+          </a:xfrm>
+          <a:prstGeom prst="rect">
+            <a:avLst/>
+          </a:prstGeom>
+        </p:spPr>
+      </p:pic>
+    </p:spTree>
+    <p:extLst>
+      <p:ext uri="{BB962C8B-B14F-4D97-AF65-F5344CB8AC3E}">
+        <p14:creationId xmlns:p14="http://schemas.microsoft.com/office/powerpoint/2010/main" val="2142256303"/>
+      </p:ext>
+    </p:extLst>
+  </p:cSld>
+  <p:clrMapOvr>
+    <a:masterClrMapping/>
+  </p:clrMapOvr>
+  <p:transition spd="med"/>
+  <p:timing>
+    <p:tnLst>
+      <p:par>
+        <p:cTn id="1" dur="indefinite" restart="never" nodeType="tmRoot">
+          <p:childTnLst>
+            <p:seq concurrent="1" nextAc="seek">
+              <p:cTn id="2" dur="0" nodeType="mainSeq"/>
+              <p:prevCondLst>
+                <p:cond evt="onPrev" delay="0">
+                  <p:tgtEl>
+                    <p:sldTgt/>
+                  </p:tgtEl>
+                </p:cond>
+              </p:prevCondLst>
+              <p:nextCondLst>
+                <p:cond evt="onNext" delay="0">
+                  <p:tgtEl>
+                    <p:sldTgt/>
+                  </p:tgtEl>
+                </p:cond>
+              </p:nextCondLst>
+            </p:seq>
+          </p:childTnLst>
+        </p:cTn>
+      </p:par>
+    </p:tnLst>
+  </p:timing>
+</p:sld>
+</file>
+
+<file path=ppt/slides/slide3.xml><?xml version="1.0" encoding="utf-8"?>
+<p:sld xmlns:a="http://schemas.openxmlformats.org/drawingml/2006/main" xmlns:r="http://schemas.openxmlformats.org/officeDocument/2006/relationships" xmlns:p="http://schemas.openxmlformats.org/presentationml/2006/main">
+  <p:cSld>
+    <p:spTree>
+      <p:nvGrpSpPr>
+        <p:cNvPr id="1" name=""/>
+        <p:cNvGrpSpPr/>
+        <p:nvPr/>
+      </p:nvGrpSpPr>
+      <p:grpSpPr>
+        <a:xfrm>
+          <a:off x="0" y="0"/>
+          <a:ext cx="0" cy="0"/>
+          <a:chOff x="0" y="0"/>
+          <a:chExt cx="0" cy="0"/>
+        </a:xfrm>
+      </p:grpSpPr>
+      <p:sp>
+        <p:nvSpPr>
+          <p:cNvPr id="2" name="Title 1"/>
+          <p:cNvSpPr>
+            <a:spLocks noGrp="1"/>
+          </p:cNvSpPr>
+          <p:nvPr>
+            <p:ph type="title"/>
+          </p:nvPr>
+        </p:nvSpPr>
+        <p:spPr/>
+        <p:txBody>
+          <a:bodyPr/>
+          <a:lstStyle/>
+          <a:p>
+            <a:r>
+              <a:rPr lang="en-US" dirty="0"/>
+              <a:t>Before we begin…</a:t>
+            </a:r>
+          </a:p>
+        </p:txBody>
+      </p:sp>
+      <p:sp>
+        <p:nvSpPr>
+          <p:cNvPr id="3" name="Content Placeholder 2"/>
+          <p:cNvSpPr>
+            <a:spLocks noGrp="1"/>
+          </p:cNvSpPr>
+          <p:nvPr>
+            <p:ph idx="1"/>
+          </p:nvPr>
+        </p:nvSpPr>
+        <p:spPr/>
+        <p:txBody>
+          <a:bodyPr/>
+          <a:lstStyle/>
+          <a:p>
+            <a:pPr>
+              <a:spcBef>
+                <a:spcPts val="800"/>
+              </a:spcBef>
+              <a:buFont typeface="Arial" charset="0"/>
+              <a:buChar char="•"/>
+              <a:defRPr/>
+            </a:pPr>
+            <a:r>
+              <a:rPr lang="en-US" dirty="0">
+                <a:latin typeface="Calibri" charset="0"/>
+              </a:rPr>
+              <a:t>Thank you for taking the class organization survey</a:t>
+            </a:r>
+          </a:p>
+          <a:p>
+            <a:endParaRPr lang="en-US" dirty="0"/>
+          </a:p>
+        </p:txBody>
+      </p:sp>
+      <p:pic>
+        <p:nvPicPr>
+          <p:cNvPr id="4" name="Picture 3">
+            <a:extLst>
+              <a:ext uri="{FF2B5EF4-FFF2-40B4-BE49-F238E27FC236}">
+                <a16:creationId xmlns:a16="http://schemas.microsoft.com/office/drawing/2014/main" id="{E184CBA3-275A-CB4B-B56D-C9B42605029D}"/>
+              </a:ext>
+            </a:extLst>
+          </p:cNvPr>
+          <p:cNvPicPr>
+            <a:picLocks noChangeAspect="1"/>
+          </p:cNvPicPr>
+          <p:nvPr/>
+        </p:nvPicPr>
+        <p:blipFill>
+          <a:blip r:embed="rId2"/>
+          <a:stretch>
+            <a:fillRect/>
+          </a:stretch>
+        </p:blipFill>
+        <p:spPr>
+          <a:xfrm>
+            <a:off x="859691" y="2590800"/>
+            <a:ext cx="7651531" cy="4267200"/>
+          </a:xfrm>
+          <a:prstGeom prst="rect">
+            <a:avLst/>
+          </a:prstGeom>
+        </p:spPr>
+      </p:pic>
+    </p:spTree>
+    <p:extLst>
+      <p:ext uri="{BB962C8B-B14F-4D97-AF65-F5344CB8AC3E}">
+        <p14:creationId xmlns:p14="http://schemas.microsoft.com/office/powerpoint/2010/main" val="3620178978"/>
+      </p:ext>
+    </p:extLst>
+  </p:cSld>
+  <p:clrMapOvr>
+    <a:masterClrMapping/>
+  </p:clrMapOvr>
+</p:sld>
+</file>
+
+<file path=ppt/slides/slide30.xml><?xml version="1.0" encoding="utf-8"?>
+<p:sld xmlns:a="http://schemas.openxmlformats.org/drawingml/2006/main" xmlns:r="http://schemas.openxmlformats.org/officeDocument/2006/relationships" xmlns:p="http://schemas.openxmlformats.org/presentationml/2006/main">
+  <p:cSld>
+    <p:spTree>
+      <p:nvGrpSpPr>
+        <p:cNvPr id="1" name=""/>
+        <p:cNvGrpSpPr/>
+        <p:nvPr/>
+      </p:nvGrpSpPr>
+      <p:grpSpPr>
+        <a:xfrm>
+          <a:off x="0" y="0"/>
+          <a:ext cx="0" cy="0"/>
+          <a:chOff x="0" y="0"/>
+          <a:chExt cx="0" cy="0"/>
+        </a:xfrm>
+      </p:grpSpPr>
+      <p:pic>
+        <p:nvPicPr>
+          <p:cNvPr id="2" name="Picture 1"/>
+          <p:cNvPicPr>
+            <a:picLocks noChangeAspect="1"/>
+          </p:cNvPicPr>
+          <p:nvPr/>
+        </p:nvPicPr>
+        <p:blipFill>
+          <a:blip r:embed="rId2"/>
+          <a:stretch>
+            <a:fillRect/>
+          </a:stretch>
+        </p:blipFill>
+        <p:spPr>
+          <a:xfrm>
+            <a:off x="0" y="234315"/>
+            <a:ext cx="9144000" cy="6389370"/>
+          </a:xfrm>
+          <a:prstGeom prst="rect">
+            <a:avLst/>
+          </a:prstGeom>
+        </p:spPr>
+      </p:pic>
+    </p:spTree>
+    <p:extLst>
+      <p:ext uri="{BB962C8B-B14F-4D97-AF65-F5344CB8AC3E}">
+        <p14:creationId xmlns:p14="http://schemas.microsoft.com/office/powerpoint/2010/main" val="507724585"/>
+      </p:ext>
+    </p:extLst>
+  </p:cSld>
+  <p:clrMapOvr>
+    <a:masterClrMapping/>
+  </p:clrMapOvr>
+</p:sld>
+</file>
+
+<file path=ppt/slides/slide4.xml><?xml version="1.0" encoding="utf-8"?>
+<p:sld xmlns:a="http://schemas.openxmlformats.org/drawingml/2006/main" xmlns:r="http://schemas.openxmlformats.org/officeDocument/2006/relationships" xmlns:p="http://schemas.openxmlformats.org/presentationml/2006/main">
+  <p:cSld>
+    <p:spTree>
+      <p:nvGrpSpPr>
+        <p:cNvPr id="1" name=""/>
+        <p:cNvGrpSpPr/>
+        <p:nvPr/>
+      </p:nvGrpSpPr>
+      <p:grpSpPr>
+        <a:xfrm>
+          <a:off x="0" y="0"/>
+          <a:ext cx="0" cy="0"/>
+          <a:chOff x="0" y="0"/>
+          <a:chExt cx="0" cy="0"/>
+        </a:xfrm>
+      </p:grpSpPr>
+      <p:sp>
+        <p:nvSpPr>
+          <p:cNvPr id="2" name="Title 1">
+            <a:extLst>
+              <a:ext uri="{FF2B5EF4-FFF2-40B4-BE49-F238E27FC236}">
+                <a16:creationId xmlns:a16="http://schemas.microsoft.com/office/drawing/2014/main" id="{9CC228E7-5284-4144-994C-871CC702FAD0}"/>
+              </a:ext>
+            </a:extLst>
+          </p:cNvPr>
+          <p:cNvSpPr>
+            <a:spLocks noGrp="1"/>
+          </p:cNvSpPr>
+          <p:nvPr>
+            <p:ph type="title"/>
+          </p:nvPr>
+        </p:nvSpPr>
+        <p:spPr/>
+        <p:txBody>
+          <a:bodyPr/>
+          <a:lstStyle/>
+          <a:p>
+            <a:r>
+              <a:rPr lang="en-US" dirty="0"/>
+              <a:t>On bits and bytes</a:t>
+            </a:r>
+          </a:p>
+        </p:txBody>
+      </p:sp>
+      <p:pic>
+        <p:nvPicPr>
+          <p:cNvPr id="4" name="Content Placeholder 3">
+            <a:extLst>
+              <a:ext uri="{FF2B5EF4-FFF2-40B4-BE49-F238E27FC236}">
+                <a16:creationId xmlns:a16="http://schemas.microsoft.com/office/drawing/2014/main" id="{0C74489A-4C55-DC4A-A898-5337F13159F8}"/>
+              </a:ext>
+            </a:extLst>
+          </p:cNvPr>
+          <p:cNvPicPr>
+            <a:picLocks noGrp="1" noChangeAspect="1"/>
+          </p:cNvPicPr>
+          <p:nvPr>
+            <p:ph idx="1"/>
+          </p:nvPr>
+        </p:nvPicPr>
+        <p:blipFill>
+          <a:blip r:embed="rId2"/>
+          <a:stretch>
+            <a:fillRect/>
+          </a:stretch>
+        </p:blipFill>
+        <p:spPr>
+          <a:xfrm>
+            <a:off x="586154" y="1994210"/>
+            <a:ext cx="8229600" cy="1841862"/>
+          </a:xfrm>
+          <a:prstGeom prst="rect">
+            <a:avLst/>
+          </a:prstGeom>
+        </p:spPr>
+      </p:pic>
+      <p:sp>
+        <p:nvSpPr>
+          <p:cNvPr id="5" name="Rectangle 4">
+            <a:extLst>
+              <a:ext uri="{FF2B5EF4-FFF2-40B4-BE49-F238E27FC236}">
+                <a16:creationId xmlns:a16="http://schemas.microsoft.com/office/drawing/2014/main" id="{8029AE9C-8A2B-2541-9DF4-6F4F6D2D972F}"/>
+              </a:ext>
+            </a:extLst>
+          </p:cNvPr>
+          <p:cNvSpPr/>
+          <p:nvPr/>
+        </p:nvSpPr>
+        <p:spPr>
+          <a:xfrm>
+            <a:off x="2297723" y="1994210"/>
+            <a:ext cx="304800" cy="730798"/>
+          </a:xfrm>
+          <a:prstGeom prst="rect">
+            <a:avLst/>
+          </a:prstGeom>
+          <a:solidFill>
+            <a:schemeClr val="bg1"/>
+          </a:solidFill>
+          <a:ln>
+            <a:noFill/>
+          </a:ln>
+          <a:effectLst/>
+        </p:spPr>
+        <p:style>
+          <a:lnRef idx="1">
+            <a:schemeClr val="accent1"/>
+          </a:lnRef>
+          <a:fillRef idx="3">
+            <a:schemeClr val="accent1"/>
+          </a:fillRef>
+          <a:effectRef idx="2">
+            <a:schemeClr val="accent1"/>
+          </a:effectRef>
+          <a:fontRef idx="minor">
+            <a:schemeClr val="lt1"/>
+          </a:fontRef>
+        </p:style>
+        <p:txBody>
+          <a:bodyPr rtlCol="0" anchor="ctr"/>
+          <a:lstStyle/>
+          <a:p>
+            <a:pPr algn="ctr"/>
+            <a:endParaRPr lang="en-US" dirty="0"/>
+          </a:p>
+        </p:txBody>
+      </p:sp>
+      <p:sp>
+        <p:nvSpPr>
+          <p:cNvPr id="6" name="Rectangle 5">
+            <a:extLst>
+              <a:ext uri="{FF2B5EF4-FFF2-40B4-BE49-F238E27FC236}">
+                <a16:creationId xmlns:a16="http://schemas.microsoft.com/office/drawing/2014/main" id="{C7ADC1DF-EC58-8945-BA49-AA505AFC5DDD}"/>
+              </a:ext>
+            </a:extLst>
+          </p:cNvPr>
+          <p:cNvSpPr/>
+          <p:nvPr/>
+        </p:nvSpPr>
+        <p:spPr>
+          <a:xfrm>
+            <a:off x="586154" y="1994210"/>
+            <a:ext cx="832338" cy="730798"/>
+          </a:xfrm>
+          <a:prstGeom prst="rect">
+            <a:avLst/>
+          </a:prstGeom>
+          <a:solidFill>
+            <a:schemeClr val="bg1"/>
+          </a:solidFill>
+          <a:ln>
+            <a:noFill/>
+          </a:ln>
+          <a:effectLst/>
+        </p:spPr>
+        <p:style>
+          <a:lnRef idx="1">
+            <a:schemeClr val="accent1"/>
+          </a:lnRef>
+          <a:fillRef idx="3">
+            <a:schemeClr val="accent1"/>
+          </a:fillRef>
+          <a:effectRef idx="2">
+            <a:schemeClr val="accent1"/>
+          </a:effectRef>
+          <a:fontRef idx="minor">
+            <a:schemeClr val="lt1"/>
+          </a:fontRef>
+        </p:style>
+        <p:txBody>
+          <a:bodyPr rtlCol="0" anchor="ctr"/>
+          <a:lstStyle/>
+          <a:p>
+            <a:pPr algn="ctr"/>
+            <a:endParaRPr lang="en-US" dirty="0"/>
+          </a:p>
+        </p:txBody>
+      </p:sp>
+      <p:sp>
+        <p:nvSpPr>
+          <p:cNvPr id="7" name="Rectangle 6">
+            <a:extLst>
+              <a:ext uri="{FF2B5EF4-FFF2-40B4-BE49-F238E27FC236}">
+                <a16:creationId xmlns:a16="http://schemas.microsoft.com/office/drawing/2014/main" id="{B0C9A803-0299-244D-AE60-177E2F878610}"/>
+              </a:ext>
+            </a:extLst>
+          </p:cNvPr>
+          <p:cNvSpPr/>
+          <p:nvPr/>
+        </p:nvSpPr>
+        <p:spPr>
+          <a:xfrm>
+            <a:off x="597877" y="3147038"/>
+            <a:ext cx="1793631" cy="304801"/>
+          </a:xfrm>
+          <a:prstGeom prst="rect">
+            <a:avLst/>
+          </a:prstGeom>
+          <a:solidFill>
+            <a:schemeClr val="bg1"/>
+          </a:solidFill>
+          <a:ln>
+            <a:noFill/>
+          </a:ln>
+          <a:effectLst/>
+        </p:spPr>
+        <p:style>
+          <a:lnRef idx="1">
+            <a:schemeClr val="accent1"/>
+          </a:lnRef>
+          <a:fillRef idx="3">
+            <a:schemeClr val="accent1"/>
+          </a:fillRef>
+          <a:effectRef idx="2">
+            <a:schemeClr val="accent1"/>
+          </a:effectRef>
+          <a:fontRef idx="minor">
+            <a:schemeClr val="lt1"/>
+          </a:fontRef>
+        </p:style>
+        <p:txBody>
+          <a:bodyPr rtlCol="0" anchor="ctr"/>
+          <a:lstStyle/>
+          <a:p>
+            <a:pPr algn="ctr"/>
+            <a:endParaRPr lang="en-US" dirty="0"/>
+          </a:p>
+        </p:txBody>
+      </p:sp>
+      <p:sp>
+        <p:nvSpPr>
+          <p:cNvPr id="8" name="Rectangle 7">
+            <a:extLst>
+              <a:ext uri="{FF2B5EF4-FFF2-40B4-BE49-F238E27FC236}">
+                <a16:creationId xmlns:a16="http://schemas.microsoft.com/office/drawing/2014/main" id="{2A52CBE6-7AB9-F641-95BC-8196B5C5E8DB}"/>
+              </a:ext>
+            </a:extLst>
+          </p:cNvPr>
+          <p:cNvSpPr/>
+          <p:nvPr/>
+        </p:nvSpPr>
+        <p:spPr>
+          <a:xfrm>
+            <a:off x="3176955" y="3147038"/>
+            <a:ext cx="257908" cy="304801"/>
+          </a:xfrm>
+          <a:prstGeom prst="rect">
+            <a:avLst/>
+          </a:prstGeom>
+          <a:solidFill>
+            <a:schemeClr val="bg1"/>
+          </a:solidFill>
+          <a:ln>
+            <a:noFill/>
+          </a:ln>
+          <a:effectLst/>
+        </p:spPr>
+        <p:style>
+          <a:lnRef idx="1">
+            <a:schemeClr val="accent1"/>
+          </a:lnRef>
+          <a:fillRef idx="3">
+            <a:schemeClr val="accent1"/>
+          </a:fillRef>
+          <a:effectRef idx="2">
+            <a:schemeClr val="accent1"/>
+          </a:effectRef>
+          <a:fontRef idx="minor">
+            <a:schemeClr val="lt1"/>
+          </a:fontRef>
+        </p:style>
+        <p:txBody>
+          <a:bodyPr rtlCol="0" anchor="ctr"/>
+          <a:lstStyle/>
+          <a:p>
+            <a:pPr algn="ctr"/>
+            <a:endParaRPr lang="en-US" dirty="0"/>
+          </a:p>
+        </p:txBody>
+      </p:sp>
+      <p:sp>
+        <p:nvSpPr>
+          <p:cNvPr id="11" name="Rectangle 10">
+            <a:extLst>
+              <a:ext uri="{FF2B5EF4-FFF2-40B4-BE49-F238E27FC236}">
+                <a16:creationId xmlns:a16="http://schemas.microsoft.com/office/drawing/2014/main" id="{AB82DDFF-F2C4-AB48-B9DC-6E03CFFDFD31}"/>
+              </a:ext>
+            </a:extLst>
+          </p:cNvPr>
+          <p:cNvSpPr/>
+          <p:nvPr/>
+        </p:nvSpPr>
+        <p:spPr>
+          <a:xfrm>
+            <a:off x="316523" y="2618645"/>
+            <a:ext cx="832338" cy="730798"/>
+          </a:xfrm>
+          <a:prstGeom prst="rect">
+            <a:avLst/>
+          </a:prstGeom>
+          <a:solidFill>
+            <a:schemeClr val="bg1"/>
+          </a:solidFill>
+          <a:ln>
+            <a:noFill/>
+          </a:ln>
+          <a:effectLst/>
+        </p:spPr>
+        <p:style>
+          <a:lnRef idx="1">
+            <a:schemeClr val="accent1"/>
+          </a:lnRef>
+          <a:fillRef idx="3">
+            <a:schemeClr val="accent1"/>
+          </a:fillRef>
+          <a:effectRef idx="2">
+            <a:schemeClr val="accent1"/>
+          </a:effectRef>
+          <a:fontRef idx="minor">
+            <a:schemeClr val="lt1"/>
+          </a:fontRef>
+        </p:style>
+        <p:txBody>
+          <a:bodyPr rtlCol="0" anchor="ctr"/>
+          <a:lstStyle/>
+          <a:p>
+            <a:pPr algn="ctr"/>
+            <a:endParaRPr lang="en-US" dirty="0"/>
+          </a:p>
+        </p:txBody>
+      </p:sp>
+      <p:sp>
+        <p:nvSpPr>
+          <p:cNvPr id="12" name="Rectangle 11">
+            <a:extLst>
+              <a:ext uri="{FF2B5EF4-FFF2-40B4-BE49-F238E27FC236}">
+                <a16:creationId xmlns:a16="http://schemas.microsoft.com/office/drawing/2014/main" id="{4D18C980-914C-6E4D-81B6-063FC3DCC9C2}"/>
+              </a:ext>
+            </a:extLst>
+          </p:cNvPr>
+          <p:cNvSpPr/>
+          <p:nvPr/>
+        </p:nvSpPr>
+        <p:spPr>
+          <a:xfrm>
+            <a:off x="252046" y="3412216"/>
+            <a:ext cx="410307" cy="722187"/>
+          </a:xfrm>
+          <a:prstGeom prst="rect">
+            <a:avLst/>
+          </a:prstGeom>
+          <a:solidFill>
+            <a:schemeClr val="bg1"/>
+          </a:solidFill>
+          <a:ln>
+            <a:noFill/>
+          </a:ln>
+          <a:effectLst/>
+        </p:spPr>
+        <p:style>
+          <a:lnRef idx="1">
+            <a:schemeClr val="accent1"/>
+          </a:lnRef>
+          <a:fillRef idx="3">
+            <a:schemeClr val="accent1"/>
+          </a:fillRef>
+          <a:effectRef idx="2">
+            <a:schemeClr val="accent1"/>
+          </a:effectRef>
+          <a:fontRef idx="minor">
+            <a:schemeClr val="lt1"/>
+          </a:fontRef>
+        </p:style>
+        <p:txBody>
+          <a:bodyPr rtlCol="0" anchor="ctr"/>
+          <a:lstStyle/>
+          <a:p>
+            <a:pPr algn="ctr"/>
+            <a:endParaRPr lang="en-US" dirty="0"/>
+          </a:p>
+        </p:txBody>
+      </p:sp>
+      <p:grpSp>
+        <p:nvGrpSpPr>
+          <p:cNvPr id="17" name="Group 16">
+            <a:extLst>
+              <a:ext uri="{FF2B5EF4-FFF2-40B4-BE49-F238E27FC236}">
+                <a16:creationId xmlns:a16="http://schemas.microsoft.com/office/drawing/2014/main" id="{E6B1FAAE-90E6-2247-8392-2429AEC2DC9F}"/>
+              </a:ext>
+            </a:extLst>
+          </p:cNvPr>
+          <p:cNvGrpSpPr/>
+          <p:nvPr/>
+        </p:nvGrpSpPr>
+        <p:grpSpPr>
+          <a:xfrm>
+            <a:off x="586154" y="4325170"/>
+            <a:ext cx="8229600" cy="1929034"/>
+            <a:chOff x="586154" y="4325170"/>
+            <a:chExt cx="8229600" cy="1929034"/>
+          </a:xfrm>
+        </p:grpSpPr>
+        <p:pic>
+          <p:nvPicPr>
+            <p:cNvPr id="9" name="Picture 8">
+              <a:extLst>
+                <a:ext uri="{FF2B5EF4-FFF2-40B4-BE49-F238E27FC236}">
+                  <a16:creationId xmlns:a16="http://schemas.microsoft.com/office/drawing/2014/main" id="{C2134B87-6143-EC41-9AF6-2A5F1EA1A75F}"/>
+                </a:ext>
+              </a:extLst>
+            </p:cNvPr>
+            <p:cNvPicPr>
+              <a:picLocks noChangeAspect="1"/>
+            </p:cNvPicPr>
+            <p:nvPr/>
+          </p:nvPicPr>
+          <p:blipFill>
+            <a:blip r:embed="rId3"/>
+            <a:stretch>
+              <a:fillRect/>
+            </a:stretch>
+          </p:blipFill>
+          <p:spPr>
+            <a:xfrm>
+              <a:off x="586154" y="4412342"/>
+              <a:ext cx="8229600" cy="1841862"/>
+            </a:xfrm>
+            <a:prstGeom prst="rect">
+              <a:avLst/>
+            </a:prstGeom>
+          </p:spPr>
+        </p:pic>
+        <p:sp>
+          <p:nvSpPr>
+            <p:cNvPr id="10" name="Rectangle 9">
+              <a:extLst>
+                <a:ext uri="{FF2B5EF4-FFF2-40B4-BE49-F238E27FC236}">
+                  <a16:creationId xmlns:a16="http://schemas.microsoft.com/office/drawing/2014/main" id="{F9D212B0-BC99-2B4B-9DAA-EB8F3DE0CC0B}"/>
+                </a:ext>
+              </a:extLst>
+            </p:cNvPr>
+            <p:cNvSpPr/>
+            <p:nvPr/>
+          </p:nvSpPr>
+          <p:spPr>
+            <a:xfrm>
+              <a:off x="586154" y="4325170"/>
+              <a:ext cx="832338" cy="730798"/>
+            </a:xfrm>
+            <a:prstGeom prst="rect">
+              <a:avLst/>
+            </a:prstGeom>
+            <a:solidFill>
+              <a:schemeClr val="bg1"/>
+            </a:solidFill>
+            <a:ln>
+              <a:noFill/>
+            </a:ln>
+            <a:effectLst/>
+          </p:spPr>
+          <p:style>
+            <a:lnRef idx="1">
+              <a:schemeClr val="accent1"/>
+            </a:lnRef>
+            <a:fillRef idx="3">
+              <a:schemeClr val="accent1"/>
+            </a:fillRef>
+            <a:effectRef idx="2">
+              <a:schemeClr val="accent1"/>
+            </a:effectRef>
+            <a:fontRef idx="minor">
+              <a:schemeClr val="lt1"/>
+            </a:fontRef>
+          </p:style>
+          <p:txBody>
+            <a:bodyPr rtlCol="0" anchor="ctr"/>
+            <a:lstStyle/>
+            <a:p>
+              <a:pPr algn="ctr"/>
+              <a:endParaRPr lang="en-US" dirty="0"/>
+            </a:p>
+          </p:txBody>
+        </p:sp>
+        <p:sp>
+          <p:nvSpPr>
+            <p:cNvPr id="14" name="Rectangle 13">
+              <a:extLst>
+                <a:ext uri="{FF2B5EF4-FFF2-40B4-BE49-F238E27FC236}">
+                  <a16:creationId xmlns:a16="http://schemas.microsoft.com/office/drawing/2014/main" id="{482A14B9-151A-7448-9D81-A333B7385270}"/>
+                </a:ext>
+              </a:extLst>
+            </p:cNvPr>
+            <p:cNvSpPr/>
+            <p:nvPr/>
+          </p:nvSpPr>
+          <p:spPr>
+            <a:xfrm>
+              <a:off x="586154" y="5545066"/>
+              <a:ext cx="1793631" cy="304801"/>
+            </a:xfrm>
+            <a:prstGeom prst="rect">
+              <a:avLst/>
+            </a:prstGeom>
+            <a:solidFill>
+              <a:schemeClr val="bg1"/>
+            </a:solidFill>
+            <a:ln>
+              <a:noFill/>
+            </a:ln>
+            <a:effectLst/>
+          </p:spPr>
+          <p:style>
+            <a:lnRef idx="1">
+              <a:schemeClr val="accent1"/>
+            </a:lnRef>
+            <a:fillRef idx="3">
+              <a:schemeClr val="accent1"/>
+            </a:fillRef>
+            <a:effectRef idx="2">
+              <a:schemeClr val="accent1"/>
+            </a:effectRef>
+            <a:fontRef idx="minor">
+              <a:schemeClr val="lt1"/>
+            </a:fontRef>
+          </p:style>
+          <p:txBody>
+            <a:bodyPr rtlCol="0" anchor="ctr"/>
+            <a:lstStyle/>
+            <a:p>
+              <a:pPr algn="ctr"/>
+              <a:endParaRPr lang="en-US" dirty="0"/>
+            </a:p>
+          </p:txBody>
+        </p:sp>
+        <p:sp>
+          <p:nvSpPr>
+            <p:cNvPr id="15" name="Rectangle 14">
+              <a:extLst>
+                <a:ext uri="{FF2B5EF4-FFF2-40B4-BE49-F238E27FC236}">
+                  <a16:creationId xmlns:a16="http://schemas.microsoft.com/office/drawing/2014/main" id="{DA274AA3-3C4B-ED4D-8CFB-6DAA8DFF2FD5}"/>
+                </a:ext>
+              </a:extLst>
+            </p:cNvPr>
+            <p:cNvSpPr/>
+            <p:nvPr/>
+          </p:nvSpPr>
+          <p:spPr>
+            <a:xfrm>
+              <a:off x="3165233" y="5575782"/>
+              <a:ext cx="257908" cy="304801"/>
+            </a:xfrm>
+            <a:prstGeom prst="rect">
+              <a:avLst/>
+            </a:prstGeom>
+            <a:solidFill>
+              <a:schemeClr val="bg1"/>
+            </a:solidFill>
+            <a:ln>
+              <a:noFill/>
+            </a:ln>
+            <a:effectLst/>
+          </p:spPr>
+          <p:style>
+            <a:lnRef idx="1">
+              <a:schemeClr val="accent1"/>
+            </a:lnRef>
+            <a:fillRef idx="3">
+              <a:schemeClr val="accent1"/>
+            </a:fillRef>
+            <a:effectRef idx="2">
+              <a:schemeClr val="accent1"/>
+            </a:effectRef>
+            <a:fontRef idx="minor">
+              <a:schemeClr val="lt1"/>
+            </a:fontRef>
+          </p:style>
+          <p:txBody>
+            <a:bodyPr rtlCol="0" anchor="ctr"/>
+            <a:lstStyle/>
+            <a:p>
+              <a:pPr algn="ctr"/>
+              <a:endParaRPr lang="en-US" dirty="0"/>
+            </a:p>
+          </p:txBody>
+        </p:sp>
+        <p:sp>
+          <p:nvSpPr>
+            <p:cNvPr id="16" name="Rectangle 15">
+              <a:extLst>
+                <a:ext uri="{FF2B5EF4-FFF2-40B4-BE49-F238E27FC236}">
+                  <a16:creationId xmlns:a16="http://schemas.microsoft.com/office/drawing/2014/main" id="{474E7F5A-A851-2942-B577-C792A7C5359B}"/>
+                </a:ext>
+              </a:extLst>
+            </p:cNvPr>
+            <p:cNvSpPr/>
+            <p:nvPr/>
+          </p:nvSpPr>
+          <p:spPr>
+            <a:xfrm>
+              <a:off x="2297723" y="4405283"/>
+              <a:ext cx="304800" cy="730798"/>
+            </a:xfrm>
+            <a:prstGeom prst="rect">
+              <a:avLst/>
+            </a:prstGeom>
+            <a:solidFill>
+              <a:schemeClr val="bg1"/>
+            </a:solidFill>
+            <a:ln>
+              <a:noFill/>
+            </a:ln>
+            <a:effectLst/>
+          </p:spPr>
+          <p:style>
+            <a:lnRef idx="1">
+              <a:schemeClr val="accent1"/>
+            </a:lnRef>
+            <a:fillRef idx="3">
+              <a:schemeClr val="accent1"/>
+            </a:fillRef>
+            <a:effectRef idx="2">
+              <a:schemeClr val="accent1"/>
+            </a:effectRef>
+            <a:fontRef idx="minor">
+              <a:schemeClr val="lt1"/>
+            </a:fontRef>
+          </p:style>
+          <p:txBody>
+            <a:bodyPr rtlCol="0" anchor="ctr"/>
+            <a:lstStyle/>
+            <a:p>
+              <a:pPr algn="ctr"/>
+              <a:endParaRPr lang="en-US" dirty="0"/>
+            </a:p>
+          </p:txBody>
+        </p:sp>
+      </p:grpSp>
+      <p:sp>
+        <p:nvSpPr>
+          <p:cNvPr id="18" name="TextBox 17">
+            <a:extLst>
+              <a:ext uri="{FF2B5EF4-FFF2-40B4-BE49-F238E27FC236}">
+                <a16:creationId xmlns:a16="http://schemas.microsoft.com/office/drawing/2014/main" id="{7BF02BB0-3BC3-D944-9328-6EB85D1BDB1C}"/>
+              </a:ext>
+            </a:extLst>
+          </p:cNvPr>
+          <p:cNvSpPr txBox="1"/>
+          <p:nvPr/>
+        </p:nvSpPr>
+        <p:spPr>
+          <a:xfrm>
+            <a:off x="8086745" y="1695879"/>
+            <a:ext cx="736099" cy="369332"/>
+          </a:xfrm>
+          <a:prstGeom prst="rect">
+            <a:avLst/>
+          </a:prstGeom>
+          <a:noFill/>
+        </p:spPr>
+        <p:txBody>
+          <a:bodyPr wrap="none" rtlCol="0">
+            <a:spAutoFit/>
+          </a:bodyPr>
+          <a:lstStyle/>
+          <a:p>
+            <a:r>
+              <a:rPr lang="en-US" dirty="0">
+                <a:latin typeface="Courier" pitchFamily="2" charset="0"/>
+              </a:rPr>
+              <a:t>8421</a:t>
+            </a:r>
+          </a:p>
+        </p:txBody>
+      </p:sp>
+    </p:spTree>
+    <p:extLst>
+      <p:ext uri="{BB962C8B-B14F-4D97-AF65-F5344CB8AC3E}">
+        <p14:creationId xmlns:p14="http://schemas.microsoft.com/office/powerpoint/2010/main" val="751929379"/>
+      </p:ext>
+    </p:extLst>
+  </p:cSld>
+  <p:clrMapOvr>
+    <a:masterClrMapping/>
+  </p:clrMapOvr>
+  <p:timing>
+    <p:tnLst>
+      <p:par>
+        <p:cTn id="1" dur="indefinite" restart="never" nodeType="tmRoot">
+          <p:childTnLst>
+            <p:seq concurrent="1" nextAc="seek">
+              <p:cTn id="2" dur="indefinite" nodeType="mainSeq">
+                <p:childTnLst>
+                  <p:par>
+                    <p:cTn id="3" fill="hold">
+                      <p:stCondLst>
+                        <p:cond delay="indefinite"/>
+                      </p:stCondLst>
+                      <p:childTnLst>
+                        <p:par>
+                          <p:cTn id="4" fill="hold">
+                            <p:stCondLst>
+                              <p:cond delay="0"/>
+                            </p:stCondLst>
+                            <p:childTnLst>
+                              <p:par>
+                                <p:cTn id="5" presetID="1" presetClass="entr" presetSubtype="0" fill="hold" nodeType="clickEffect">
+                                  <p:stCondLst>
+                                    <p:cond delay="0"/>
+                                  </p:stCondLst>
+                                  <p:childTnLst>
+                                    <p:set>
+                                      <p:cBhvr>
+                                        <p:cTn id="6" dur="1" fill="hold">
+                                          <p:stCondLst>
+                                            <p:cond delay="0"/>
+                                          </p:stCondLst>
+                                        </p:cTn>
+                                        <p:tgtEl>
+                                          <p:spTgt spid="17"/>
+                                        </p:tgtEl>
+                                        <p:attrNameLst>
+                                          <p:attrName>style.visibility</p:attrName>
+                                        </p:attrNameLst>
+                                      </p:cBhvr>
+                                      <p:to>
+                                        <p:strVal val="visible"/>
+                                      </p:to>
+                                    </p:set>
+                                  </p:childTnLst>
+                                </p:cTn>
+                              </p:par>
+                            </p:childTnLst>
+                          </p:cTn>
+                        </p:par>
+                      </p:childTnLst>
+                    </p:cTn>
+                  </p:par>
+                </p:childTnLst>
+              </p:cTn>
+              <p:prevCondLst>
+                <p:cond evt="onPrev" delay="0">
+                  <p:tgtEl>
+                    <p:sldTgt/>
+                  </p:tgtEl>
+                </p:cond>
+              </p:prevCondLst>
+              <p:nextCondLst>
+                <p:cond evt="onNext" delay="0">
+                  <p:tgtEl>
+                    <p:sldTgt/>
+                  </p:tgtEl>
+                </p:cond>
+              </p:nextCondLst>
+            </p:seq>
+          </p:childTnLst>
+        </p:cTn>
+      </p:par>
+    </p:tnLst>
+  </p:timing>
+</p:sld>
+</file>
+
+<file path=ppt/slides/slide5.xml><?xml version="1.0" encoding="utf-8"?>
+<p:sld xmlns:a="http://schemas.openxmlformats.org/drawingml/2006/main" xmlns:r="http://schemas.openxmlformats.org/officeDocument/2006/relationships" xmlns:p="http://schemas.openxmlformats.org/presentationml/2006/main">
+  <p:cSld>
+    <p:spTree>
+      <p:nvGrpSpPr>
+        <p:cNvPr id="1" name=""/>
+        <p:cNvGrpSpPr/>
+        <p:nvPr/>
+      </p:nvGrpSpPr>
+      <p:grpSpPr>
+        <a:xfrm>
+          <a:off x="0" y="0"/>
+          <a:ext cx="0" cy="0"/>
+          <a:chOff x="0" y="0"/>
+          <a:chExt cx="0" cy="0"/>
+        </a:xfrm>
+      </p:grpSpPr>
+      <p:pic>
+        <p:nvPicPr>
+          <p:cNvPr id="4" name="Picture 3">
+            <a:extLst>
+              <a:ext uri="{FF2B5EF4-FFF2-40B4-BE49-F238E27FC236}">
+                <a16:creationId xmlns:a16="http://schemas.microsoft.com/office/drawing/2014/main" id="{8010FE7C-4B21-F245-9DBB-D63E3831C043}"/>
+              </a:ext>
+            </a:extLst>
+          </p:cNvPr>
+          <p:cNvPicPr>
+            <a:picLocks noChangeAspect="1"/>
+          </p:cNvPicPr>
+          <p:nvPr/>
+        </p:nvPicPr>
+        <p:blipFill>
+          <a:blip r:embed="rId2"/>
+          <a:stretch>
+            <a:fillRect/>
+          </a:stretch>
+        </p:blipFill>
+        <p:spPr>
+          <a:xfrm>
+            <a:off x="0" y="2648164"/>
+            <a:ext cx="9144000" cy="1561672"/>
+          </a:xfrm>
+          <a:prstGeom prst="rect">
+            <a:avLst/>
+          </a:prstGeom>
+        </p:spPr>
+      </p:pic>
+      <p:sp>
+        <p:nvSpPr>
+          <p:cNvPr id="2" name="Title 1">
+            <a:extLst>
+              <a:ext uri="{FF2B5EF4-FFF2-40B4-BE49-F238E27FC236}">
+                <a16:creationId xmlns:a16="http://schemas.microsoft.com/office/drawing/2014/main" id="{9CC228E7-5284-4144-994C-871CC702FAD0}"/>
+              </a:ext>
+            </a:extLst>
+          </p:cNvPr>
+          <p:cNvSpPr>
+            <a:spLocks noGrp="1"/>
+          </p:cNvSpPr>
+          <p:nvPr>
+            <p:ph type="title"/>
+          </p:nvPr>
+        </p:nvSpPr>
+        <p:spPr/>
+        <p:txBody>
+          <a:bodyPr/>
+          <a:lstStyle/>
+          <a:p>
+            <a:r>
+              <a:rPr lang="en-US" i="1" dirty="0"/>
+              <a:t>e</a:t>
+            </a:r>
+            <a:r>
+              <a:rPr lang="en-US" i="1" baseline="30000" dirty="0"/>
+              <a:t>x</a:t>
+            </a:r>
+            <a:r>
+              <a:rPr lang="en-US" dirty="0"/>
+              <a:t>-1 for </a:t>
+            </a:r>
+            <a:r>
+              <a:rPr lang="en-US" i="1" dirty="0"/>
+              <a:t>x</a:t>
+            </a:r>
+            <a:r>
+              <a:rPr lang="en-US" dirty="0"/>
+              <a:t>=10</a:t>
+            </a:r>
+            <a:r>
+              <a:rPr lang="en-US" baseline="30000" dirty="0"/>
+              <a:t>-20</a:t>
+            </a:r>
+          </a:p>
+        </p:txBody>
+      </p:sp>
+    </p:spTree>
+    <p:extLst>
+      <p:ext uri="{BB962C8B-B14F-4D97-AF65-F5344CB8AC3E}">
+        <p14:creationId xmlns:p14="http://schemas.microsoft.com/office/powerpoint/2010/main" val="1877445207"/>
+      </p:ext>
+    </p:extLst>
+  </p:cSld>
+  <p:clrMapOvr>
+    <a:masterClrMapping/>
+  </p:clrMapOvr>
+</p:sld>
+</file>
+
+<file path=ppt/slides/slide6.xml><?xml version="1.0" encoding="utf-8"?>
+<p:sld xmlns:a="http://schemas.openxmlformats.org/drawingml/2006/main" xmlns:r="http://schemas.openxmlformats.org/officeDocument/2006/relationships" xmlns:p="http://schemas.openxmlformats.org/presentationml/2006/main">
+  <p:cSld>
+    <p:spTree>
+      <p:nvGrpSpPr>
+        <p:cNvPr id="1" name=""/>
+        <p:cNvGrpSpPr/>
+        <p:nvPr/>
+      </p:nvGrpSpPr>
+      <p:grpSpPr>
+        <a:xfrm>
+          <a:off x="0" y="0"/>
+          <a:ext cx="0" cy="0"/>
+          <a:chOff x="0" y="0"/>
+          <a:chExt cx="0" cy="0"/>
+        </a:xfrm>
+      </p:grpSpPr>
+      <p:sp>
+        <p:nvSpPr>
+          <p:cNvPr id="2" name="Title 1"/>
+          <p:cNvSpPr>
+            <a:spLocks noGrp="1"/>
+          </p:cNvSpPr>
+          <p:nvPr>
+            <p:ph type="title"/>
+          </p:nvPr>
+        </p:nvSpPr>
+        <p:spPr/>
+        <p:txBody>
+          <a:bodyPr/>
+          <a:lstStyle/>
+          <a:p>
+            <a:r>
+              <a:rPr lang="en-US" dirty="0"/>
+              <a:t>What is version control?</a:t>
+            </a:r>
+          </a:p>
+        </p:txBody>
+      </p:sp>
+      <p:sp>
+        <p:nvSpPr>
+          <p:cNvPr id="3" name="Content Placeholder 2"/>
+          <p:cNvSpPr>
+            <a:spLocks noGrp="1"/>
+          </p:cNvSpPr>
+          <p:nvPr>
+            <p:ph idx="1"/>
+          </p:nvPr>
+        </p:nvSpPr>
+        <p:spPr/>
+        <p:txBody>
+          <a:bodyPr/>
+          <a:lstStyle/>
+          <a:p>
+            <a:pPr>
+              <a:spcBef>
+                <a:spcPts val="800"/>
+              </a:spcBef>
+              <a:buFont typeface="Arial" charset="0"/>
+              <a:buChar char="•"/>
+              <a:defRPr/>
+            </a:pPr>
+            <a:r>
+              <a:rPr lang="en-US" dirty="0">
+                <a:latin typeface="Calibri" charset="0"/>
+              </a:rPr>
+              <a:t>Writing a manuscript</a:t>
+            </a:r>
+            <a:r>
+              <a:rPr lang="is-IS" dirty="0">
+                <a:latin typeface="Calibri" charset="0"/>
+              </a:rPr>
+              <a:t>…</a:t>
+            </a:r>
+          </a:p>
+          <a:p>
+            <a:pPr lvl="1">
+              <a:spcBef>
+                <a:spcPts val="800"/>
+              </a:spcBef>
+              <a:buFont typeface="Arial" charset="0"/>
+              <a:buChar char="•"/>
+              <a:defRPr/>
+            </a:pPr>
+            <a:r>
+              <a:rPr lang="is-IS" sz="3200" dirty="0">
+                <a:latin typeface="Calibri" charset="0"/>
+              </a:rPr>
+              <a:t>Use undo to revert to a previous state</a:t>
+            </a:r>
+          </a:p>
+          <a:p>
+            <a:pPr lvl="1">
+              <a:spcBef>
+                <a:spcPts val="800"/>
+              </a:spcBef>
+              <a:buFont typeface="Arial" charset="0"/>
+              <a:buChar char="•"/>
+              <a:defRPr/>
+            </a:pPr>
+            <a:r>
+              <a:rPr lang="is-IS" sz="3200" dirty="0">
+                <a:latin typeface="Calibri" charset="0"/>
+              </a:rPr>
+              <a:t>Use track changes when sharing doc with your advisor</a:t>
+            </a:r>
+          </a:p>
+        </p:txBody>
+      </p:sp>
+    </p:spTree>
+    <p:extLst>
+      <p:ext uri="{BB962C8B-B14F-4D97-AF65-F5344CB8AC3E}">
+        <p14:creationId xmlns:p14="http://schemas.microsoft.com/office/powerpoint/2010/main" val="1500148518"/>
+      </p:ext>
+    </p:extLst>
+  </p:cSld>
+  <p:clrMapOvr>
+    <a:masterClrMapping/>
+  </p:clrMapOvr>
+</p:sld>
+</file>
+
+<file path=ppt/slides/slide7.xml><?xml version="1.0" encoding="utf-8"?>
+<p:sld xmlns:a="http://schemas.openxmlformats.org/drawingml/2006/main" xmlns:r="http://schemas.openxmlformats.org/officeDocument/2006/relationships" xmlns:p="http://schemas.openxmlformats.org/presentationml/2006/main">
+  <p:cSld>
+    <p:spTree>
+      <p:nvGrpSpPr>
+        <p:cNvPr id="1" name=""/>
+        <p:cNvGrpSpPr/>
+        <p:nvPr/>
+      </p:nvGrpSpPr>
+      <p:grpSpPr>
+        <a:xfrm>
+          <a:off x="0" y="0"/>
+          <a:ext cx="0" cy="0"/>
+          <a:chOff x="0" y="0"/>
+          <a:chExt cx="0" cy="0"/>
+        </a:xfrm>
+      </p:grpSpPr>
+      <p:sp>
+        <p:nvSpPr>
+          <p:cNvPr id="2" name="Title 1"/>
+          <p:cNvSpPr>
+            <a:spLocks noGrp="1"/>
+          </p:cNvSpPr>
+          <p:nvPr>
+            <p:ph type="title"/>
+          </p:nvPr>
+        </p:nvSpPr>
+        <p:spPr/>
+        <p:txBody>
+          <a:bodyPr/>
+          <a:lstStyle/>
+          <a:p>
+            <a:endParaRPr lang="en-US"/>
+          </a:p>
+        </p:txBody>
+      </p:sp>
+      <p:sp>
+        <p:nvSpPr>
+          <p:cNvPr id="3" name="Content Placeholder 2"/>
+          <p:cNvSpPr>
+            <a:spLocks noGrp="1"/>
+          </p:cNvSpPr>
+          <p:nvPr>
+            <p:ph idx="1"/>
+          </p:nvPr>
+        </p:nvSpPr>
+        <p:spPr/>
+        <p:txBody>
+          <a:bodyPr/>
+          <a:lstStyle/>
+          <a:p>
+            <a:endParaRPr lang="en-US"/>
+          </a:p>
+        </p:txBody>
+      </p:sp>
+      <p:pic>
+        <p:nvPicPr>
+          <p:cNvPr id="4" name="Picture 3"/>
+          <p:cNvPicPr>
+            <a:picLocks noChangeAspect="1"/>
+          </p:cNvPicPr>
+          <p:nvPr/>
+        </p:nvPicPr>
+        <p:blipFill>
+          <a:blip r:embed="rId2"/>
+          <a:stretch>
+            <a:fillRect/>
+          </a:stretch>
+        </p:blipFill>
+        <p:spPr>
+          <a:xfrm>
+            <a:off x="2000250" y="0"/>
+            <a:ext cx="5143500" cy="6858000"/>
+          </a:xfrm>
+          <a:prstGeom prst="rect">
+            <a:avLst/>
+          </a:prstGeom>
+        </p:spPr>
+      </p:pic>
+    </p:spTree>
+    <p:extLst>
+      <p:ext uri="{BB962C8B-B14F-4D97-AF65-F5344CB8AC3E}">
+        <p14:creationId xmlns:p14="http://schemas.microsoft.com/office/powerpoint/2010/main" val="1415314910"/>
+      </p:ext>
+    </p:extLst>
+  </p:cSld>
+  <p:clrMapOvr>
+    <a:masterClrMapping/>
+  </p:clrMapOvr>
+</p:sld>
+</file>
+
+<file path=ppt/slides/slide8.xml><?xml version="1.0" encoding="utf-8"?>
+<p:sld xmlns:a="http://schemas.openxmlformats.org/drawingml/2006/main" xmlns:r="http://schemas.openxmlformats.org/officeDocument/2006/relationships" xmlns:p="http://schemas.openxmlformats.org/presentationml/2006/main">
+  <p:cSld>
+    <p:spTree>
+      <p:nvGrpSpPr>
+        <p:cNvPr id="1" name=""/>
+        <p:cNvGrpSpPr/>
+        <p:nvPr/>
+      </p:nvGrpSpPr>
+      <p:grpSpPr>
+        <a:xfrm>
+          <a:off x="0" y="0"/>
+          <a:ext cx="0" cy="0"/>
+          <a:chOff x="0" y="0"/>
+          <a:chExt cx="0" cy="0"/>
+        </a:xfrm>
+      </p:grpSpPr>
+      <p:sp>
+        <p:nvSpPr>
+          <p:cNvPr id="2" name="Title 1"/>
+          <p:cNvSpPr>
+            <a:spLocks noGrp="1"/>
+          </p:cNvSpPr>
+          <p:nvPr>
+            <p:ph type="title"/>
+          </p:nvPr>
+        </p:nvSpPr>
+        <p:spPr/>
+        <p:txBody>
+          <a:bodyPr/>
+          <a:lstStyle/>
+          <a:p>
+            <a:r>
+              <a:rPr lang="en-US" dirty="0"/>
+              <a:t>What is version control</a:t>
+            </a:r>
+          </a:p>
+        </p:txBody>
+      </p:sp>
+      <p:sp>
+        <p:nvSpPr>
+          <p:cNvPr id="3" name="Content Placeholder 2"/>
+          <p:cNvSpPr>
+            <a:spLocks noGrp="1"/>
+          </p:cNvSpPr>
+          <p:nvPr>
+            <p:ph idx="1"/>
+          </p:nvPr>
+        </p:nvSpPr>
+        <p:spPr/>
+        <p:txBody>
+          <a:bodyPr/>
+          <a:lstStyle/>
+          <a:p>
+            <a:pPr>
+              <a:spcBef>
+                <a:spcPts val="800"/>
+              </a:spcBef>
+              <a:buFont typeface="Arial" charset="0"/>
+              <a:buChar char="•"/>
+              <a:defRPr/>
+            </a:pPr>
+            <a:r>
+              <a:rPr lang="is-IS" dirty="0">
+                <a:latin typeface="Calibri" charset="0"/>
+              </a:rPr>
+              <a:t>Version control is like a combination of undo and track changes for your code</a:t>
+            </a:r>
+          </a:p>
+          <a:p>
+            <a:pPr lvl="1">
+              <a:spcBef>
+                <a:spcPts val="800"/>
+              </a:spcBef>
+              <a:buFont typeface="Arial" charset="0"/>
+              <a:buChar char="•"/>
+              <a:defRPr/>
+            </a:pPr>
+            <a:r>
+              <a:rPr lang="is-IS" sz="3200" dirty="0">
+                <a:latin typeface="Calibri" charset="0"/>
+              </a:rPr>
+              <a:t>You can revert to previous versions of code</a:t>
+            </a:r>
+          </a:p>
+          <a:p>
+            <a:pPr lvl="1">
+              <a:spcBef>
+                <a:spcPts val="800"/>
+              </a:spcBef>
+              <a:buFont typeface="Arial" charset="0"/>
+              <a:buChar char="•"/>
+              <a:defRPr/>
+            </a:pPr>
+            <a:r>
+              <a:rPr lang="is-IS" sz="3200" dirty="0">
+                <a:latin typeface="Calibri" charset="0"/>
+              </a:rPr>
+              <a:t>You can easily identify who contributed what</a:t>
+            </a:r>
+          </a:p>
+          <a:p>
+            <a:pPr lvl="1">
+              <a:spcBef>
+                <a:spcPts val="800"/>
+              </a:spcBef>
+              <a:buFont typeface="Arial" charset="0"/>
+              <a:buChar char="•"/>
+              <a:defRPr/>
+            </a:pPr>
+            <a:endParaRPr lang="is-IS" sz="3200" dirty="0">
+              <a:latin typeface="Calibri" charset="0"/>
+            </a:endParaRPr>
+          </a:p>
+          <a:p>
+            <a:pPr lvl="1">
+              <a:spcBef>
+                <a:spcPts val="800"/>
+              </a:spcBef>
+              <a:buFont typeface="Arial" charset="0"/>
+              <a:buChar char="•"/>
+              <a:defRPr/>
+            </a:pPr>
+            <a:r>
+              <a:rPr lang="is-IS" sz="3200" dirty="0">
+                <a:latin typeface="Calibri" charset="0"/>
+              </a:rPr>
+              <a:t>Version control is about tracking versions of code and developing software with people</a:t>
+            </a:r>
+            <a:endParaRPr lang="en-US" sz="3200" dirty="0">
+              <a:latin typeface="Calibri" charset="0"/>
+            </a:endParaRPr>
+          </a:p>
+          <a:p>
+            <a:endParaRPr lang="en-US" dirty="0"/>
+          </a:p>
+        </p:txBody>
+      </p:sp>
+    </p:spTree>
+    <p:extLst>
+      <p:ext uri="{BB962C8B-B14F-4D97-AF65-F5344CB8AC3E}">
+        <p14:creationId xmlns:p14="http://schemas.microsoft.com/office/powerpoint/2010/main" val="1380445033"/>
+      </p:ext>
+    </p:extLst>
+  </p:cSld>
+  <p:clrMapOvr>
+    <a:masterClrMapping/>
+  </p:clrMapOvr>
+</p:sld>
+</file>
+
 <file path=ppt/slides/slide9.xml><?xml version="1.0" encoding="utf-8"?>
 <p:sld xmlns:a="http://schemas.openxmlformats.org/drawingml/2006/main" xmlns:r="http://schemas.openxmlformats.org/officeDocument/2006/relationships" xmlns:p="http://schemas.openxmlformats.org/presentationml/2006/main">
   <p:cSld>
@@ -8947,111 +9823,41 @@
           <a:p>
             <a:r>
               <a:rPr lang="en-US" dirty="0"/>
-              <a:t>Why do I need version control?</a:t>
-            </a:r>
-          </a:p>
-        </p:txBody>
-      </p:sp>
-      <p:sp>
-        <p:nvSpPr>
-          <p:cNvPr id="3" name="Content Placeholder 2"/>
-          <p:cNvSpPr>
-            <a:spLocks noGrp="1"/>
-          </p:cNvSpPr>
+              <a:t>What is version control?</a:t>
+            </a:r>
+          </a:p>
+        </p:txBody>
+      </p:sp>
+      <p:pic>
+        <p:nvPicPr>
+          <p:cNvPr id="4" name="Content Placeholder 3"/>
+          <p:cNvPicPr>
+            <a:picLocks noGrp="1" noChangeAspect="1"/>
+          </p:cNvPicPr>
           <p:nvPr>
             <p:ph idx="1"/>
           </p:nvPr>
-        </p:nvSpPr>
-        <p:spPr/>
-        <p:txBody>
-          <a:bodyPr/>
-          <a:lstStyle/>
-          <a:p>
-            <a:pPr>
-              <a:spcBef>
-                <a:spcPts val="800"/>
-              </a:spcBef>
-              <a:buFont typeface="Arial" charset="0"/>
-              <a:buChar char="•"/>
-              <a:defRPr/>
-            </a:pPr>
-            <a:r>
-              <a:rPr lang="en-US" dirty="0">
-                <a:latin typeface="Calibri" charset="0"/>
-              </a:rPr>
-              <a:t>You are developing software with other people</a:t>
-            </a:r>
-          </a:p>
-          <a:p>
-            <a:pPr lvl="1">
-              <a:spcBef>
-                <a:spcPts val="800"/>
-              </a:spcBef>
-              <a:buFont typeface="Arial" charset="0"/>
-              <a:buChar char="•"/>
-              <a:defRPr/>
-            </a:pPr>
-            <a:r>
-              <a:rPr lang="en-US" sz="3200" dirty="0">
-                <a:latin typeface="Calibri" charset="0"/>
-              </a:rPr>
-              <a:t>You want to be able to identify and resolve conflicts during code development</a:t>
-            </a:r>
-          </a:p>
-          <a:p>
-            <a:pPr lvl="2">
-              <a:spcBef>
-                <a:spcPts val="800"/>
-              </a:spcBef>
-              <a:buFont typeface="Arial" charset="0"/>
-              <a:buChar char="•"/>
-              <a:defRPr/>
-            </a:pPr>
-            <a:r>
-              <a:rPr lang="en-US" sz="3200" dirty="0">
-                <a:latin typeface="Calibri" charset="0"/>
-              </a:rPr>
-              <a:t>Two people working on the same function at the same time</a:t>
-            </a:r>
-          </a:p>
-          <a:p>
-            <a:pPr lvl="1">
-              <a:spcBef>
-                <a:spcPts val="800"/>
-              </a:spcBef>
-              <a:buFont typeface="Arial" charset="0"/>
-              <a:buChar char="•"/>
-              <a:defRPr/>
-            </a:pPr>
-            <a:r>
-              <a:rPr lang="en-US" sz="3200" dirty="0">
-                <a:latin typeface="Calibri" charset="0"/>
-              </a:rPr>
-              <a:t>You need to be able to identify who is responsible for what pieces of code</a:t>
-            </a:r>
-          </a:p>
-          <a:p>
-            <a:pPr lvl="2">
-              <a:spcBef>
-                <a:spcPts val="800"/>
-              </a:spcBef>
-              <a:buFont typeface="Arial" charset="0"/>
-              <a:buChar char="•"/>
-              <a:defRPr/>
-            </a:pPr>
-            <a:endParaRPr lang="en-US" sz="3200" dirty="0">
-              <a:latin typeface="Calibri" charset="0"/>
-            </a:endParaRPr>
-          </a:p>
-          <a:p>
-            <a:endParaRPr lang="en-US" dirty="0"/>
-          </a:p>
-        </p:txBody>
-      </p:sp>
+        </p:nvPicPr>
+        <p:blipFill>
+          <a:blip r:embed="rId2"/>
+          <a:stretch>
+            <a:fillRect/>
+          </a:stretch>
+        </p:blipFill>
+        <p:spPr>
+          <a:xfrm>
+            <a:off x="895350" y="2820987"/>
+            <a:ext cx="7353300" cy="2616200"/>
+          </a:xfrm>
+          <a:prstGeom prst="rect">
+            <a:avLst/>
+          </a:prstGeom>
+        </p:spPr>
+      </p:pic>
     </p:spTree>
     <p:extLst>
       <p:ext uri="{BB962C8B-B14F-4D97-AF65-F5344CB8AC3E}">
-        <p14:creationId xmlns:p14="http://schemas.microsoft.com/office/powerpoint/2010/main" val="99088052"/>
+        <p14:creationId xmlns:p14="http://schemas.microsoft.com/office/powerpoint/2010/main" val="1249623642"/>
       </p:ext>
     </p:extLst>
   </p:cSld>
